--- a/CabinCarLamp_StaticArchitecture.pptx
+++ b/CabinCarLamp_StaticArchitecture.pptx
@@ -3829,8 +3829,8 @@
         </p:nvSpPr>
         <p:spPr>
           <a:xfrm>
-            <a:off x="4040801" y="85803"/>
-            <a:ext cx="4110421" cy="646331"/>
+            <a:off x="2922438" y="114235"/>
+            <a:ext cx="6927626" cy="646331"/>
           </a:xfrm>
           <a:prstGeom prst="rect">
             <a:avLst/>
@@ -3844,9 +3844,10 @@
           <a:lstStyle/>
           <a:p>
             <a:r>
-              <a:rPr lang="en-US" sz="3600" b="1" dirty="0"/>
-              <a:t>Car Cabin Light</a:t>
-            </a:r>
+              <a:rPr lang="en-US" sz="3600" b="1" dirty="0" err="1"/>
+              <a:t>CarCabinLight_StaticArcitecture</a:t>
+            </a:r>
+            <a:endParaRPr lang="en-US" sz="3600" b="1" dirty="0"/>
           </a:p>
         </p:txBody>
       </p:sp>

--- a/CabinCarLamp_StaticArchitecture.pptx
+++ b/CabinCarLamp_StaticArchitecture.pptx
@@ -6,8 +6,12 @@
   </p:sldMasterIdLst>
   <p:sldIdLst>
     <p:sldId id="256" r:id="rId2"/>
-    <p:sldId id="257" r:id="rId3"/>
-    <p:sldId id="258" r:id="rId4"/>
+    <p:sldId id="259" r:id="rId3"/>
+    <p:sldId id="260" r:id="rId4"/>
+    <p:sldId id="258" r:id="rId5"/>
+    <p:sldId id="261" r:id="rId6"/>
+    <p:sldId id="262" r:id="rId7"/>
+    <p:sldId id="257" r:id="rId8"/>
   </p:sldIdLst>
   <p:sldSz cx="12192000" cy="6858000"/>
   <p:notesSz cx="6858000" cy="9144000"/>
@@ -156,9 +160,10 @@
           </a:lstStyle>
           <a:p>
             <a:r>
-              <a:rPr lang="en-US"/>
+              <a:rPr lang="en-US" smtClean="0"/>
               <a:t>Click to edit Master title style</a:t>
             </a:r>
+            <a:endParaRPr lang="en-US"/>
           </a:p>
         </p:txBody>
       </p:sp>
@@ -220,9 +225,10 @@
           </a:lstStyle>
           <a:p>
             <a:r>
-              <a:rPr lang="en-US"/>
+              <a:rPr lang="en-US" smtClean="0"/>
               <a:t>Click to edit Master subtitle style</a:t>
             </a:r>
+            <a:endParaRPr lang="en-US"/>
           </a:p>
         </p:txBody>
       </p:sp>
@@ -337,9 +343,10 @@
           <a:lstStyle/>
           <a:p>
             <a:r>
-              <a:rPr lang="en-US"/>
+              <a:rPr lang="en-US" smtClean="0"/>
               <a:t>Click to edit Master title style</a:t>
             </a:r>
+            <a:endParaRPr lang="en-US"/>
           </a:p>
         </p:txBody>
       </p:sp>
@@ -360,37 +367,38 @@
           <a:p>
             <a:pPr lvl="0"/>
             <a:r>
-              <a:rPr lang="en-US"/>
+              <a:rPr lang="en-US" smtClean="0"/>
               <a:t>Edit Master text styles</a:t>
             </a:r>
           </a:p>
           <a:p>
             <a:pPr lvl="1"/>
             <a:r>
-              <a:rPr lang="en-US"/>
+              <a:rPr lang="en-US" smtClean="0"/>
               <a:t>Second level</a:t>
             </a:r>
           </a:p>
           <a:p>
             <a:pPr lvl="2"/>
             <a:r>
-              <a:rPr lang="en-US"/>
+              <a:rPr lang="en-US" smtClean="0"/>
               <a:t>Third level</a:t>
             </a:r>
           </a:p>
           <a:p>
             <a:pPr lvl="3"/>
             <a:r>
-              <a:rPr lang="en-US"/>
+              <a:rPr lang="en-US" smtClean="0"/>
               <a:t>Fourth level</a:t>
             </a:r>
           </a:p>
           <a:p>
             <a:pPr lvl="4"/>
             <a:r>
-              <a:rPr lang="en-US"/>
+              <a:rPr lang="en-US" smtClean="0"/>
               <a:t>Fifth level</a:t>
             </a:r>
+            <a:endParaRPr lang="en-US"/>
           </a:p>
         </p:txBody>
       </p:sp>
@@ -510,9 +518,10 @@
           <a:lstStyle/>
           <a:p>
             <a:r>
-              <a:rPr lang="en-US"/>
+              <a:rPr lang="en-US" smtClean="0"/>
               <a:t>Click to edit Master title style</a:t>
             </a:r>
+            <a:endParaRPr lang="en-US"/>
           </a:p>
         </p:txBody>
       </p:sp>
@@ -538,37 +547,38 @@
           <a:p>
             <a:pPr lvl="0"/>
             <a:r>
-              <a:rPr lang="en-US"/>
+              <a:rPr lang="en-US" smtClean="0"/>
               <a:t>Edit Master text styles</a:t>
             </a:r>
           </a:p>
           <a:p>
             <a:pPr lvl="1"/>
             <a:r>
-              <a:rPr lang="en-US"/>
+              <a:rPr lang="en-US" smtClean="0"/>
               <a:t>Second level</a:t>
             </a:r>
           </a:p>
           <a:p>
             <a:pPr lvl="2"/>
             <a:r>
-              <a:rPr lang="en-US"/>
+              <a:rPr lang="en-US" smtClean="0"/>
               <a:t>Third level</a:t>
             </a:r>
           </a:p>
           <a:p>
             <a:pPr lvl="3"/>
             <a:r>
-              <a:rPr lang="en-US"/>
+              <a:rPr lang="en-US" smtClean="0"/>
               <a:t>Fourth level</a:t>
             </a:r>
           </a:p>
           <a:p>
             <a:pPr lvl="4"/>
             <a:r>
-              <a:rPr lang="en-US"/>
+              <a:rPr lang="en-US" smtClean="0"/>
               <a:t>Fifth level</a:t>
             </a:r>
+            <a:endParaRPr lang="en-US"/>
           </a:p>
         </p:txBody>
       </p:sp>
@@ -683,9 +693,10 @@
           <a:lstStyle/>
           <a:p>
             <a:r>
-              <a:rPr lang="en-US"/>
+              <a:rPr lang="en-US" smtClean="0"/>
               <a:t>Click to edit Master title style</a:t>
             </a:r>
+            <a:endParaRPr lang="en-US"/>
           </a:p>
         </p:txBody>
       </p:sp>
@@ -706,37 +717,38 @@
           <a:p>
             <a:pPr lvl="0"/>
             <a:r>
-              <a:rPr lang="en-US"/>
+              <a:rPr lang="en-US" smtClean="0"/>
               <a:t>Edit Master text styles</a:t>
             </a:r>
           </a:p>
           <a:p>
             <a:pPr lvl="1"/>
             <a:r>
-              <a:rPr lang="en-US"/>
+              <a:rPr lang="en-US" smtClean="0"/>
               <a:t>Second level</a:t>
             </a:r>
           </a:p>
           <a:p>
             <a:pPr lvl="2"/>
             <a:r>
-              <a:rPr lang="en-US"/>
+              <a:rPr lang="en-US" smtClean="0"/>
               <a:t>Third level</a:t>
             </a:r>
           </a:p>
           <a:p>
             <a:pPr lvl="3"/>
             <a:r>
-              <a:rPr lang="en-US"/>
+              <a:rPr lang="en-US" smtClean="0"/>
               <a:t>Fourth level</a:t>
             </a:r>
           </a:p>
           <a:p>
             <a:pPr lvl="4"/>
             <a:r>
-              <a:rPr lang="en-US"/>
+              <a:rPr lang="en-US" smtClean="0"/>
               <a:t>Fifth level</a:t>
             </a:r>
+            <a:endParaRPr lang="en-US"/>
           </a:p>
         </p:txBody>
       </p:sp>
@@ -860,9 +872,10 @@
           </a:lstStyle>
           <a:p>
             <a:r>
-              <a:rPr lang="en-US"/>
+              <a:rPr lang="en-US" smtClean="0"/>
               <a:t>Click to edit Master title style</a:t>
             </a:r>
+            <a:endParaRPr lang="en-US"/>
           </a:p>
         </p:txBody>
       </p:sp>
@@ -979,7 +992,7 @@
           <a:p>
             <a:pPr lvl="0"/>
             <a:r>
-              <a:rPr lang="en-US"/>
+              <a:rPr lang="en-US" smtClean="0"/>
               <a:t>Edit Master text styles</a:t>
             </a:r>
           </a:p>
@@ -1096,9 +1109,10 @@
           <a:lstStyle/>
           <a:p>
             <a:r>
-              <a:rPr lang="en-US"/>
+              <a:rPr lang="en-US" smtClean="0"/>
               <a:t>Click to edit Master title style</a:t>
             </a:r>
+            <a:endParaRPr lang="en-US"/>
           </a:p>
         </p:txBody>
       </p:sp>
@@ -1124,37 +1138,38 @@
           <a:p>
             <a:pPr lvl="0"/>
             <a:r>
-              <a:rPr lang="en-US"/>
+              <a:rPr lang="en-US" smtClean="0"/>
               <a:t>Edit Master text styles</a:t>
             </a:r>
           </a:p>
           <a:p>
             <a:pPr lvl="1"/>
             <a:r>
-              <a:rPr lang="en-US"/>
+              <a:rPr lang="en-US" smtClean="0"/>
               <a:t>Second level</a:t>
             </a:r>
           </a:p>
           <a:p>
             <a:pPr lvl="2"/>
             <a:r>
-              <a:rPr lang="en-US"/>
+              <a:rPr lang="en-US" smtClean="0"/>
               <a:t>Third level</a:t>
             </a:r>
           </a:p>
           <a:p>
             <a:pPr lvl="3"/>
             <a:r>
-              <a:rPr lang="en-US"/>
+              <a:rPr lang="en-US" smtClean="0"/>
               <a:t>Fourth level</a:t>
             </a:r>
           </a:p>
           <a:p>
             <a:pPr lvl="4"/>
             <a:r>
-              <a:rPr lang="en-US"/>
+              <a:rPr lang="en-US" smtClean="0"/>
               <a:t>Fifth level</a:t>
             </a:r>
+            <a:endParaRPr lang="en-US"/>
           </a:p>
         </p:txBody>
       </p:sp>
@@ -1180,37 +1195,38 @@
           <a:p>
             <a:pPr lvl="0"/>
             <a:r>
-              <a:rPr lang="en-US"/>
+              <a:rPr lang="en-US" smtClean="0"/>
               <a:t>Edit Master text styles</a:t>
             </a:r>
           </a:p>
           <a:p>
             <a:pPr lvl="1"/>
             <a:r>
-              <a:rPr lang="en-US"/>
+              <a:rPr lang="en-US" smtClean="0"/>
               <a:t>Second level</a:t>
             </a:r>
           </a:p>
           <a:p>
             <a:pPr lvl="2"/>
             <a:r>
-              <a:rPr lang="en-US"/>
+              <a:rPr lang="en-US" smtClean="0"/>
               <a:t>Third level</a:t>
             </a:r>
           </a:p>
           <a:p>
             <a:pPr lvl="3"/>
             <a:r>
-              <a:rPr lang="en-US"/>
+              <a:rPr lang="en-US" smtClean="0"/>
               <a:t>Fourth level</a:t>
             </a:r>
           </a:p>
           <a:p>
             <a:pPr lvl="4"/>
             <a:r>
-              <a:rPr lang="en-US"/>
+              <a:rPr lang="en-US" smtClean="0"/>
               <a:t>Fifth level</a:t>
             </a:r>
+            <a:endParaRPr lang="en-US"/>
           </a:p>
         </p:txBody>
       </p:sp>
@@ -1330,9 +1346,10 @@
           <a:lstStyle/>
           <a:p>
             <a:r>
-              <a:rPr lang="en-US"/>
+              <a:rPr lang="en-US" smtClean="0"/>
               <a:t>Click to edit Master title style</a:t>
             </a:r>
+            <a:endParaRPr lang="en-US"/>
           </a:p>
         </p:txBody>
       </p:sp>
@@ -1395,7 +1412,7 @@
           <a:p>
             <a:pPr lvl="0"/>
             <a:r>
-              <a:rPr lang="en-US"/>
+              <a:rPr lang="en-US" smtClean="0"/>
               <a:t>Edit Master text styles</a:t>
             </a:r>
           </a:p>
@@ -1423,37 +1440,38 @@
           <a:p>
             <a:pPr lvl="0"/>
             <a:r>
-              <a:rPr lang="en-US"/>
+              <a:rPr lang="en-US" smtClean="0"/>
               <a:t>Edit Master text styles</a:t>
             </a:r>
           </a:p>
           <a:p>
             <a:pPr lvl="1"/>
             <a:r>
-              <a:rPr lang="en-US"/>
+              <a:rPr lang="en-US" smtClean="0"/>
               <a:t>Second level</a:t>
             </a:r>
           </a:p>
           <a:p>
             <a:pPr lvl="2"/>
             <a:r>
-              <a:rPr lang="en-US"/>
+              <a:rPr lang="en-US" smtClean="0"/>
               <a:t>Third level</a:t>
             </a:r>
           </a:p>
           <a:p>
             <a:pPr lvl="3"/>
             <a:r>
-              <a:rPr lang="en-US"/>
+              <a:rPr lang="en-US" smtClean="0"/>
               <a:t>Fourth level</a:t>
             </a:r>
           </a:p>
           <a:p>
             <a:pPr lvl="4"/>
             <a:r>
-              <a:rPr lang="en-US"/>
+              <a:rPr lang="en-US" smtClean="0"/>
               <a:t>Fifth level</a:t>
             </a:r>
+            <a:endParaRPr lang="en-US"/>
           </a:p>
         </p:txBody>
       </p:sp>
@@ -1516,7 +1534,7 @@
           <a:p>
             <a:pPr lvl="0"/>
             <a:r>
-              <a:rPr lang="en-US"/>
+              <a:rPr lang="en-US" smtClean="0"/>
               <a:t>Edit Master text styles</a:t>
             </a:r>
           </a:p>
@@ -1544,37 +1562,38 @@
           <a:p>
             <a:pPr lvl="0"/>
             <a:r>
-              <a:rPr lang="en-US"/>
+              <a:rPr lang="en-US" smtClean="0"/>
               <a:t>Edit Master text styles</a:t>
             </a:r>
           </a:p>
           <a:p>
             <a:pPr lvl="1"/>
             <a:r>
-              <a:rPr lang="en-US"/>
+              <a:rPr lang="en-US" smtClean="0"/>
               <a:t>Second level</a:t>
             </a:r>
           </a:p>
           <a:p>
             <a:pPr lvl="2"/>
             <a:r>
-              <a:rPr lang="en-US"/>
+              <a:rPr lang="en-US" smtClean="0"/>
               <a:t>Third level</a:t>
             </a:r>
           </a:p>
           <a:p>
             <a:pPr lvl="3"/>
             <a:r>
-              <a:rPr lang="en-US"/>
+              <a:rPr lang="en-US" smtClean="0"/>
               <a:t>Fourth level</a:t>
             </a:r>
           </a:p>
           <a:p>
             <a:pPr lvl="4"/>
             <a:r>
-              <a:rPr lang="en-US"/>
+              <a:rPr lang="en-US" smtClean="0"/>
               <a:t>Fifth level</a:t>
             </a:r>
+            <a:endParaRPr lang="en-US"/>
           </a:p>
         </p:txBody>
       </p:sp>
@@ -1689,9 +1708,10 @@
           <a:lstStyle/>
           <a:p>
             <a:r>
-              <a:rPr lang="en-US"/>
+              <a:rPr lang="en-US" smtClean="0"/>
               <a:t>Click to edit Master title style</a:t>
             </a:r>
+            <a:endParaRPr lang="en-US"/>
           </a:p>
         </p:txBody>
       </p:sp>
@@ -1910,9 +1930,10 @@
           </a:lstStyle>
           <a:p>
             <a:r>
-              <a:rPr lang="en-US"/>
+              <a:rPr lang="en-US" smtClean="0"/>
               <a:t>Click to edit Master title style</a:t>
             </a:r>
+            <a:endParaRPr lang="en-US"/>
           </a:p>
         </p:txBody>
       </p:sp>
@@ -1966,37 +1987,38 @@
           <a:p>
             <a:pPr lvl="0"/>
             <a:r>
-              <a:rPr lang="en-US"/>
+              <a:rPr lang="en-US" smtClean="0"/>
               <a:t>Edit Master text styles</a:t>
             </a:r>
           </a:p>
           <a:p>
             <a:pPr lvl="1"/>
             <a:r>
-              <a:rPr lang="en-US"/>
+              <a:rPr lang="en-US" smtClean="0"/>
               <a:t>Second level</a:t>
             </a:r>
           </a:p>
           <a:p>
             <a:pPr lvl="2"/>
             <a:r>
-              <a:rPr lang="en-US"/>
+              <a:rPr lang="en-US" smtClean="0"/>
               <a:t>Third level</a:t>
             </a:r>
           </a:p>
           <a:p>
             <a:pPr lvl="3"/>
             <a:r>
-              <a:rPr lang="en-US"/>
+              <a:rPr lang="en-US" smtClean="0"/>
               <a:t>Fourth level</a:t>
             </a:r>
           </a:p>
           <a:p>
             <a:pPr lvl="4"/>
             <a:r>
-              <a:rPr lang="en-US"/>
+              <a:rPr lang="en-US" smtClean="0"/>
               <a:t>Fifth level</a:t>
             </a:r>
+            <a:endParaRPr lang="en-US"/>
           </a:p>
         </p:txBody>
       </p:sp>
@@ -2059,7 +2081,7 @@
           <a:p>
             <a:pPr lvl="0"/>
             <a:r>
-              <a:rPr lang="en-US"/>
+              <a:rPr lang="en-US" smtClean="0"/>
               <a:t>Edit Master text styles</a:t>
             </a:r>
           </a:p>
@@ -2185,9 +2207,10 @@
           </a:lstStyle>
           <a:p>
             <a:r>
-              <a:rPr lang="en-US"/>
+              <a:rPr lang="en-US" smtClean="0"/>
               <a:t>Click to edit Master title style</a:t>
             </a:r>
+            <a:endParaRPr lang="en-US"/>
           </a:p>
         </p:txBody>
       </p:sp>
@@ -2311,7 +2334,7 @@
           <a:p>
             <a:pPr lvl="0"/>
             <a:r>
-              <a:rPr lang="en-US"/>
+              <a:rPr lang="en-US" smtClean="0"/>
               <a:t>Edit Master text styles</a:t>
             </a:r>
           </a:p>
@@ -2443,9 +2466,10 @@
           <a:lstStyle/>
           <a:p>
             <a:r>
-              <a:rPr lang="en-US"/>
+              <a:rPr lang="en-US" smtClean="0"/>
               <a:t>Click to edit Master title style</a:t>
             </a:r>
+            <a:endParaRPr lang="en-US"/>
           </a:p>
         </p:txBody>
       </p:sp>
@@ -2476,37 +2500,38 @@
           <a:p>
             <a:pPr lvl="0"/>
             <a:r>
-              <a:rPr lang="en-US"/>
+              <a:rPr lang="en-US" smtClean="0"/>
               <a:t>Edit Master text styles</a:t>
             </a:r>
           </a:p>
           <a:p>
             <a:pPr lvl="1"/>
             <a:r>
-              <a:rPr lang="en-US"/>
+              <a:rPr lang="en-US" smtClean="0"/>
               <a:t>Second level</a:t>
             </a:r>
           </a:p>
           <a:p>
             <a:pPr lvl="2"/>
             <a:r>
-              <a:rPr lang="en-US"/>
+              <a:rPr lang="en-US" smtClean="0"/>
               <a:t>Third level</a:t>
             </a:r>
           </a:p>
           <a:p>
             <a:pPr lvl="3"/>
             <a:r>
-              <a:rPr lang="en-US"/>
+              <a:rPr lang="en-US" smtClean="0"/>
               <a:t>Fourth level</a:t>
             </a:r>
           </a:p>
           <a:p>
             <a:pPr lvl="4"/>
             <a:r>
-              <a:rPr lang="en-US"/>
+              <a:rPr lang="en-US" smtClean="0"/>
               <a:t>Fifth level</a:t>
             </a:r>
+            <a:endParaRPr lang="en-US"/>
           </a:p>
         </p:txBody>
       </p:sp>
@@ -3010,8 +3035,8 @@
         </p:nvSpPr>
         <p:spPr>
           <a:xfrm>
-            <a:off x="4081971" y="5132324"/>
-            <a:ext cx="4617892" cy="745363"/>
+            <a:off x="4493146" y="5132324"/>
+            <a:ext cx="1886762" cy="745363"/>
           </a:xfrm>
           <a:prstGeom prst="roundRect">
             <a:avLst/>
@@ -3045,7 +3070,7 @@
           <a:p>
             <a:pPr algn="ctr"/>
             <a:r>
-              <a:rPr lang="en-GB" b="1" dirty="0"/>
+              <a:rPr lang="en-GB" b="1" dirty="0" smtClean="0"/>
               <a:t>GPIO Driver</a:t>
             </a:r>
             <a:endParaRPr lang="en-US" b="1" dirty="0"/>
@@ -3155,8 +3180,8 @@
         </p:nvSpPr>
         <p:spPr>
           <a:xfrm>
-            <a:off x="4255731" y="3195609"/>
-            <a:ext cx="2124163" cy="703314"/>
+            <a:off x="4672222" y="3195609"/>
+            <a:ext cx="1459692" cy="703314"/>
           </a:xfrm>
           <a:prstGeom prst="roundRect">
             <a:avLst/>
@@ -3240,7 +3265,7 @@
           <a:p>
             <a:pPr algn="ctr"/>
             <a:r>
-              <a:rPr lang="en-GB" b="1" dirty="0" err="1"/>
+              <a:rPr lang="en-GB" b="1" dirty="0" err="1" smtClean="0"/>
               <a:t>LDoor</a:t>
             </a:r>
             <a:endParaRPr lang="en-US" b="1" dirty="0"/>
@@ -3346,8 +3371,12 @@
           <a:p>
             <a:pPr algn="ctr"/>
             <a:r>
+              <a:rPr lang="en-GB" b="1" dirty="0" smtClean="0"/>
+              <a:t>LAMP </a:t>
+            </a:r>
+            <a:r>
               <a:rPr lang="en-GB" b="1" dirty="0"/>
-              <a:t>LAMP handler</a:t>
+              <a:t>handler</a:t>
             </a:r>
             <a:endParaRPr lang="en-US" b="1" dirty="0"/>
           </a:p>
@@ -3396,7 +3425,7 @@
           <a:p>
             <a:pPr algn="ctr"/>
             <a:r>
-              <a:rPr lang="en-GB" b="1" dirty="0" err="1"/>
+              <a:rPr lang="en-GB" b="1" dirty="0" err="1" smtClean="0"/>
               <a:t>RDoor</a:t>
             </a:r>
             <a:endParaRPr lang="en-US" b="1" dirty="0"/>
@@ -3433,7 +3462,7 @@
           <a:p>
             <a:pPr algn="l"/>
             <a:r>
-              <a:rPr lang="en-GB" b="1" dirty="0"/>
+              <a:rPr lang="en-GB" b="1" dirty="0" smtClean="0"/>
               <a:t>MCAL</a:t>
             </a:r>
             <a:endParaRPr lang="en-US" b="1" dirty="0"/>
@@ -3470,7 +3499,7 @@
           <a:p>
             <a:pPr algn="l"/>
             <a:r>
-              <a:rPr lang="en-GB" b="1" dirty="0"/>
+              <a:rPr lang="en-GB" b="1" dirty="0" smtClean="0"/>
               <a:t>APPLICATION</a:t>
             </a:r>
             <a:endParaRPr lang="en-US" b="1" dirty="0"/>
@@ -3479,20 +3508,55 @@
       </p:sp>
       <p:cxnSp>
         <p:nvCxnSpPr>
+          <p:cNvPr id="58" name="Elbow Connector 57"/>
+          <p:cNvCxnSpPr/>
+          <p:nvPr/>
+        </p:nvCxnSpPr>
+        <p:spPr>
+          <a:xfrm rot="16200000" flipH="1">
+            <a:off x="4022454" y="1931320"/>
+            <a:ext cx="1815925" cy="277952"/>
+          </a:xfrm>
+          <a:prstGeom prst="bentConnector3">
+            <a:avLst>
+              <a:gd name="adj1" fmla="val 50000"/>
+            </a:avLst>
+          </a:prstGeom>
+          <a:ln>
+            <a:tailEnd type="triangle"/>
+          </a:ln>
+        </p:spPr>
+        <p:style>
+          <a:lnRef idx="1">
+            <a:schemeClr val="accent1"/>
+          </a:lnRef>
+          <a:fillRef idx="0">
+            <a:schemeClr val="accent1"/>
+          </a:fillRef>
+          <a:effectRef idx="0">
+            <a:schemeClr val="accent1"/>
+          </a:effectRef>
+          <a:fontRef idx="minor">
+            <a:schemeClr val="tx1"/>
+          </a:fontRef>
+        </p:style>
+      </p:cxnSp>
+      <p:cxnSp>
+        <p:nvCxnSpPr>
           <p:cNvPr id="63" name="Elbow Connector 62"/>
           <p:cNvCxnSpPr>
-            <a:cxnSpLocks/>
+            <a:stCxn id="47" idx="2"/>
           </p:cNvCxnSpPr>
           <p:nvPr/>
         </p:nvCxnSpPr>
         <p:spPr>
-          <a:xfrm rot="16200000" flipH="1">
-            <a:off x="5072065" y="2485632"/>
-            <a:ext cx="1419950" cy="1"/>
+          <a:xfrm rot="5400000">
+            <a:off x="5164072" y="2247835"/>
+            <a:ext cx="1230541" cy="249219"/>
           </a:xfrm>
           <a:prstGeom prst="bentConnector3">
             <a:avLst>
-              <a:gd name="adj1" fmla="val 47200"/>
+              <a:gd name="adj1" fmla="val 24523"/>
             </a:avLst>
           </a:prstGeom>
           <a:ln>
@@ -3521,9 +3585,9 @@
           <p:nvPr/>
         </p:nvCxnSpPr>
         <p:spPr>
-          <a:xfrm flipH="1">
-            <a:off x="5381081" y="3898923"/>
-            <a:ext cx="816" cy="1233401"/>
+          <a:xfrm>
+            <a:off x="5391023" y="4116272"/>
+            <a:ext cx="2228" cy="795427"/>
           </a:xfrm>
           <a:prstGeom prst="straightConnector1">
             <a:avLst/>
@@ -3550,15 +3614,13 @@
       <p:cxnSp>
         <p:nvCxnSpPr>
           <p:cNvPr id="72" name="Straight Arrow Connector 71"/>
-          <p:cNvCxnSpPr>
-            <a:endCxn id="21" idx="2"/>
-          </p:cNvCxnSpPr>
+          <p:cNvCxnSpPr/>
           <p:nvPr/>
         </p:nvCxnSpPr>
         <p:spPr>
-          <a:xfrm flipV="1">
-            <a:off x="7404453" y="3844955"/>
-            <a:ext cx="1" cy="1287370"/>
+          <a:xfrm flipH="1" flipV="1">
+            <a:off x="7404453" y="4116273"/>
+            <a:ext cx="16073" cy="795426"/>
           </a:xfrm>
           <a:prstGeom prst="straightConnector1">
             <a:avLst/>
@@ -3593,7 +3655,7 @@
         <p:spPr>
           <a:xfrm flipV="1">
             <a:off x="7404453" y="1747719"/>
-            <a:ext cx="16073" cy="1432794"/>
+            <a:ext cx="16073" cy="1202602"/>
           </a:xfrm>
           <a:prstGeom prst="straightConnector1">
             <a:avLst/>
@@ -3685,7 +3747,7 @@
           <a:p>
             <a:pPr algn="l"/>
             <a:r>
-              <a:rPr lang="en-GB" b="1" dirty="0"/>
+              <a:rPr lang="en-GB" b="1" dirty="0" smtClean="0"/>
               <a:t>LIB</a:t>
             </a:r>
             <a:endParaRPr lang="en-US" b="1" dirty="0"/>
@@ -3729,9 +3791,10 @@
           <a:p>
             <a:pPr algn="ctr"/>
             <a:r>
-              <a:rPr lang="en-US" dirty="0"/>
+              <a:rPr lang="en-US" dirty="0" smtClean="0"/>
               <a:t>DELAY</a:t>
             </a:r>
+            <a:endParaRPr lang="en-US" dirty="0"/>
           </a:p>
         </p:txBody>
       </p:sp>
@@ -3772,9 +3835,10 @@
           <a:p>
             <a:pPr algn="ctr"/>
             <a:r>
-              <a:rPr lang="en-US" dirty="0"/>
+              <a:rPr lang="en-US" dirty="0" smtClean="0"/>
               <a:t>BIT_MATH</a:t>
             </a:r>
+            <a:endParaRPr lang="en-US" dirty="0"/>
           </a:p>
         </p:txBody>
       </p:sp>
@@ -3815,9 +3879,10 @@
           <a:p>
             <a:pPr algn="ctr"/>
             <a:r>
-              <a:rPr lang="en-US" dirty="0"/>
+              <a:rPr lang="en-US" dirty="0" smtClean="0"/>
               <a:t>STD_TYPES</a:t>
             </a:r>
+            <a:endParaRPr lang="en-US" dirty="0"/>
           </a:p>
         </p:txBody>
       </p:sp>
@@ -3829,8 +3894,8 @@
         </p:nvSpPr>
         <p:spPr>
           <a:xfrm>
-            <a:off x="2922438" y="114235"/>
-            <a:ext cx="6927626" cy="646331"/>
+            <a:off x="4040801" y="85803"/>
+            <a:ext cx="4110421" cy="646331"/>
           </a:xfrm>
           <a:prstGeom prst="rect">
             <a:avLst/>
@@ -3844,54 +3909,77 @@
           <a:lstStyle/>
           <a:p>
             <a:r>
-              <a:rPr lang="en-US" sz="3600" b="1" dirty="0" err="1"/>
-              <a:t>CarCabinLight_StaticArcitecture</a:t>
+              <a:rPr lang="en-US" sz="3600" b="1" dirty="0" smtClean="0"/>
+              <a:t>Car Cabin Light</a:t>
             </a:r>
             <a:endParaRPr lang="en-US" sz="3600" b="1" dirty="0"/>
           </a:p>
         </p:txBody>
       </p:sp>
-      <p:cxnSp>
-        <p:nvCxnSpPr>
-          <p:cNvPr id="23" name="Straight Arrow Connector 22">
+      <p:sp>
+        <p:nvSpPr>
+          <p:cNvPr id="24" name="Rectangle: Rounded Corners 3">
             <a:extLst>
               <a:ext uri="{FF2B5EF4-FFF2-40B4-BE49-F238E27FC236}">
-                <a16:creationId xmlns:a16="http://schemas.microsoft.com/office/drawing/2014/main" id="{8FEC7548-5B00-4BD0-B0AE-1DD59BE9BDBB}"/>
+                <a16:creationId xmlns:a16="http://schemas.microsoft.com/office/drawing/2014/main" id="{67F4D54A-3681-6843-929B-602192C65DE9}"/>
               </a:ext>
             </a:extLst>
           </p:cNvPr>
-          <p:cNvCxnSpPr>
-            <a:stCxn id="14" idx="2"/>
-          </p:cNvCxnSpPr>
+          <p:cNvSpPr/>
           <p:nvPr/>
-        </p:nvCxnSpPr>
+        </p:nvSpPr>
         <p:spPr>
           <a:xfrm>
-            <a:off x="4726424" y="1775658"/>
-            <a:ext cx="0" cy="1419950"/>
+            <a:off x="6542731" y="5132323"/>
+            <a:ext cx="1886762" cy="745363"/>
           </a:xfrm>
-          <a:prstGeom prst="straightConnector1">
+          <a:prstGeom prst="roundRect">
             <a:avLst/>
           </a:prstGeom>
-          <a:ln>
-            <a:tailEnd type="triangle"/>
-          </a:ln>
+          <a:solidFill>
+            <a:schemeClr val="accent2">
+              <a:lumMod val="60000"/>
+              <a:lumOff val="40000"/>
+            </a:schemeClr>
+          </a:solidFill>
         </p:spPr>
         <p:style>
-          <a:lnRef idx="1">
-            <a:schemeClr val="accent1"/>
+          <a:lnRef idx="2">
+            <a:schemeClr val="accent1">
+              <a:shade val="50000"/>
+            </a:schemeClr>
           </a:lnRef>
-          <a:fillRef idx="0">
+          <a:fillRef idx="1">
             <a:schemeClr val="accent1"/>
           </a:fillRef>
           <a:effectRef idx="0">
             <a:schemeClr val="accent1"/>
           </a:effectRef>
           <a:fontRef idx="minor">
-            <a:schemeClr val="tx1"/>
+            <a:schemeClr val="lt1"/>
           </a:fontRef>
         </p:style>
-      </p:cxnSp>
+        <p:txBody>
+          <a:bodyPr rtlCol="0" anchor="ctr"/>
+          <a:lstStyle/>
+          <a:p>
+            <a:pPr algn="ctr"/>
+            <a:r>
+              <a:rPr lang="en-GB" b="1" dirty="0" err="1" smtClean="0"/>
+              <a:t>RCC_TivaC</a:t>
+            </a:r>
+            <a:r>
+              <a:rPr lang="en-GB" b="1" dirty="0" smtClean="0"/>
+              <a:t> </a:t>
+            </a:r>
+            <a:r>
+              <a:rPr lang="en-GB" b="1" dirty="0" smtClean="0"/>
+              <a:t>Driver</a:t>
+            </a:r>
+            <a:endParaRPr lang="en-US" b="1" dirty="0"/>
+          </a:p>
+        </p:txBody>
+      </p:sp>
     </p:spTree>
     <p:extLst>
       <p:ext uri="{BB962C8B-B14F-4D97-AF65-F5344CB8AC3E}">
@@ -3924,10 +4012,10 @@
       </p:grpSpPr>
       <p:sp>
         <p:nvSpPr>
-          <p:cNvPr id="4" name="Google Shape;65;p13">
+          <p:cNvPr id="4" name="Google Shape;56;p13">
             <a:extLst>
               <a:ext uri="{FF2B5EF4-FFF2-40B4-BE49-F238E27FC236}">
-                <a16:creationId xmlns:a16="http://schemas.microsoft.com/office/drawing/2014/main" id="{1A067A71-8737-4676-8174-7D2D1CB53F75}"/>
+                <a16:creationId xmlns:a16="http://schemas.microsoft.com/office/drawing/2014/main" id="{BEF87779-AC10-48DB-9F98-B5579E8AE153}"/>
               </a:ext>
             </a:extLst>
           </p:cNvPr>
@@ -3936,8 +4024,311 @@
         </p:nvSpPr>
         <p:spPr>
           <a:xfrm>
-            <a:off x="4327191" y="2749483"/>
-            <a:ext cx="5599964" cy="1004966"/>
+            <a:off x="1209768" y="1979644"/>
+            <a:ext cx="1791340" cy="1152244"/>
+          </a:xfrm>
+          <a:prstGeom prst="rect">
+            <a:avLst/>
+          </a:prstGeom>
+          <a:solidFill>
+            <a:schemeClr val="accent5">
+              <a:lumMod val="60000"/>
+              <a:lumOff val="40000"/>
+            </a:schemeClr>
+          </a:solidFill>
+          <a:ln w="9525" cap="flat" cmpd="sng">
+            <a:solidFill>
+              <a:schemeClr val="dk2"/>
+            </a:solidFill>
+            <a:prstDash val="solid"/>
+            <a:round/>
+            <a:headEnd type="none" w="sm" len="sm"/>
+            <a:tailEnd type="none" w="sm" len="sm"/>
+          </a:ln>
+        </p:spPr>
+        <p:txBody>
+          <a:bodyPr spcFirstLastPara="1" wrap="square" lIns="91425" tIns="91425" rIns="91425" bIns="91425" anchor="ctr" anchorCtr="0">
+            <a:noAutofit/>
+          </a:bodyPr>
+          <a:lstStyle>
+            <a:defPPr marR="0" lvl="0" algn="l" rtl="0">
+              <a:lnSpc>
+                <a:spcPct val="100000"/>
+              </a:lnSpc>
+              <a:spcBef>
+                <a:spcPts val="0"/>
+              </a:spcBef>
+              <a:spcAft>
+                <a:spcPts val="0"/>
+              </a:spcAft>
+            </a:defPPr>
+            <a:lvl1pPr marR="0" lvl="0" algn="l" rtl="0">
+              <a:lnSpc>
+                <a:spcPct val="100000"/>
+              </a:lnSpc>
+              <a:spcBef>
+                <a:spcPts val="0"/>
+              </a:spcBef>
+              <a:spcAft>
+                <a:spcPts val="0"/>
+              </a:spcAft>
+              <a:buClr>
+                <a:srgbClr val="000000"/>
+              </a:buClr>
+              <a:buFont typeface="Arial"/>
+              <a:defRPr sz="1400" b="0" i="0" u="none" strike="noStrike" cap="none">
+                <a:solidFill>
+                  <a:srgbClr val="000000"/>
+                </a:solidFill>
+                <a:latin typeface="Arial"/>
+                <a:ea typeface="Arial"/>
+                <a:cs typeface="Arial"/>
+                <a:sym typeface="Arial"/>
+              </a:defRPr>
+            </a:lvl1pPr>
+            <a:lvl2pPr marR="0" lvl="1" algn="l" rtl="0">
+              <a:lnSpc>
+                <a:spcPct val="100000"/>
+              </a:lnSpc>
+              <a:spcBef>
+                <a:spcPts val="0"/>
+              </a:spcBef>
+              <a:spcAft>
+                <a:spcPts val="0"/>
+              </a:spcAft>
+              <a:buClr>
+                <a:srgbClr val="000000"/>
+              </a:buClr>
+              <a:buFont typeface="Arial"/>
+              <a:defRPr sz="1400" b="0" i="0" u="none" strike="noStrike" cap="none">
+                <a:solidFill>
+                  <a:srgbClr val="000000"/>
+                </a:solidFill>
+                <a:latin typeface="Arial"/>
+                <a:ea typeface="Arial"/>
+                <a:cs typeface="Arial"/>
+                <a:sym typeface="Arial"/>
+              </a:defRPr>
+            </a:lvl2pPr>
+            <a:lvl3pPr marR="0" lvl="2" algn="l" rtl="0">
+              <a:lnSpc>
+                <a:spcPct val="100000"/>
+              </a:lnSpc>
+              <a:spcBef>
+                <a:spcPts val="0"/>
+              </a:spcBef>
+              <a:spcAft>
+                <a:spcPts val="0"/>
+              </a:spcAft>
+              <a:buClr>
+                <a:srgbClr val="000000"/>
+              </a:buClr>
+              <a:buFont typeface="Arial"/>
+              <a:defRPr sz="1400" b="0" i="0" u="none" strike="noStrike" cap="none">
+                <a:solidFill>
+                  <a:srgbClr val="000000"/>
+                </a:solidFill>
+                <a:latin typeface="Arial"/>
+                <a:ea typeface="Arial"/>
+                <a:cs typeface="Arial"/>
+                <a:sym typeface="Arial"/>
+              </a:defRPr>
+            </a:lvl3pPr>
+            <a:lvl4pPr marR="0" lvl="3" algn="l" rtl="0">
+              <a:lnSpc>
+                <a:spcPct val="100000"/>
+              </a:lnSpc>
+              <a:spcBef>
+                <a:spcPts val="0"/>
+              </a:spcBef>
+              <a:spcAft>
+                <a:spcPts val="0"/>
+              </a:spcAft>
+              <a:buClr>
+                <a:srgbClr val="000000"/>
+              </a:buClr>
+              <a:buFont typeface="Arial"/>
+              <a:defRPr sz="1400" b="0" i="0" u="none" strike="noStrike" cap="none">
+                <a:solidFill>
+                  <a:srgbClr val="000000"/>
+                </a:solidFill>
+                <a:latin typeface="Arial"/>
+                <a:ea typeface="Arial"/>
+                <a:cs typeface="Arial"/>
+                <a:sym typeface="Arial"/>
+              </a:defRPr>
+            </a:lvl4pPr>
+            <a:lvl5pPr marR="0" lvl="4" algn="l" rtl="0">
+              <a:lnSpc>
+                <a:spcPct val="100000"/>
+              </a:lnSpc>
+              <a:spcBef>
+                <a:spcPts val="0"/>
+              </a:spcBef>
+              <a:spcAft>
+                <a:spcPts val="0"/>
+              </a:spcAft>
+              <a:buClr>
+                <a:srgbClr val="000000"/>
+              </a:buClr>
+              <a:buFont typeface="Arial"/>
+              <a:defRPr sz="1400" b="0" i="0" u="none" strike="noStrike" cap="none">
+                <a:solidFill>
+                  <a:srgbClr val="000000"/>
+                </a:solidFill>
+                <a:latin typeface="Arial"/>
+                <a:ea typeface="Arial"/>
+                <a:cs typeface="Arial"/>
+                <a:sym typeface="Arial"/>
+              </a:defRPr>
+            </a:lvl5pPr>
+            <a:lvl6pPr marR="0" lvl="5" algn="l" rtl="0">
+              <a:lnSpc>
+                <a:spcPct val="100000"/>
+              </a:lnSpc>
+              <a:spcBef>
+                <a:spcPts val="0"/>
+              </a:spcBef>
+              <a:spcAft>
+                <a:spcPts val="0"/>
+              </a:spcAft>
+              <a:buClr>
+                <a:srgbClr val="000000"/>
+              </a:buClr>
+              <a:buFont typeface="Arial"/>
+              <a:defRPr sz="1400" b="0" i="0" u="none" strike="noStrike" cap="none">
+                <a:solidFill>
+                  <a:srgbClr val="000000"/>
+                </a:solidFill>
+                <a:latin typeface="Arial"/>
+                <a:ea typeface="Arial"/>
+                <a:cs typeface="Arial"/>
+                <a:sym typeface="Arial"/>
+              </a:defRPr>
+            </a:lvl6pPr>
+            <a:lvl7pPr marR="0" lvl="6" algn="l" rtl="0">
+              <a:lnSpc>
+                <a:spcPct val="100000"/>
+              </a:lnSpc>
+              <a:spcBef>
+                <a:spcPts val="0"/>
+              </a:spcBef>
+              <a:spcAft>
+                <a:spcPts val="0"/>
+              </a:spcAft>
+              <a:buClr>
+                <a:srgbClr val="000000"/>
+              </a:buClr>
+              <a:buFont typeface="Arial"/>
+              <a:defRPr sz="1400" b="0" i="0" u="none" strike="noStrike" cap="none">
+                <a:solidFill>
+                  <a:srgbClr val="000000"/>
+                </a:solidFill>
+                <a:latin typeface="Arial"/>
+                <a:ea typeface="Arial"/>
+                <a:cs typeface="Arial"/>
+                <a:sym typeface="Arial"/>
+              </a:defRPr>
+            </a:lvl7pPr>
+            <a:lvl8pPr marR="0" lvl="7" algn="l" rtl="0">
+              <a:lnSpc>
+                <a:spcPct val="100000"/>
+              </a:lnSpc>
+              <a:spcBef>
+                <a:spcPts val="0"/>
+              </a:spcBef>
+              <a:spcAft>
+                <a:spcPts val="0"/>
+              </a:spcAft>
+              <a:buClr>
+                <a:srgbClr val="000000"/>
+              </a:buClr>
+              <a:buFont typeface="Arial"/>
+              <a:defRPr sz="1400" b="0" i="0" u="none" strike="noStrike" cap="none">
+                <a:solidFill>
+                  <a:srgbClr val="000000"/>
+                </a:solidFill>
+                <a:latin typeface="Arial"/>
+                <a:ea typeface="Arial"/>
+                <a:cs typeface="Arial"/>
+                <a:sym typeface="Arial"/>
+              </a:defRPr>
+            </a:lvl8pPr>
+            <a:lvl9pPr marR="0" lvl="8" algn="l" rtl="0">
+              <a:lnSpc>
+                <a:spcPct val="100000"/>
+              </a:lnSpc>
+              <a:spcBef>
+                <a:spcPts val="0"/>
+              </a:spcBef>
+              <a:spcAft>
+                <a:spcPts val="0"/>
+              </a:spcAft>
+              <a:buClr>
+                <a:srgbClr val="000000"/>
+              </a:buClr>
+              <a:buFont typeface="Arial"/>
+              <a:defRPr sz="1400" b="0" i="0" u="none" strike="noStrike" cap="none">
+                <a:solidFill>
+                  <a:srgbClr val="000000"/>
+                </a:solidFill>
+                <a:latin typeface="Arial"/>
+                <a:ea typeface="Arial"/>
+                <a:cs typeface="Arial"/>
+                <a:sym typeface="Arial"/>
+              </a:defRPr>
+            </a:lvl9pPr>
+          </a:lstStyle>
+          <a:p>
+            <a:pPr marL="0" lvl="0" indent="0" algn="ctr" rtl="0">
+              <a:spcBef>
+                <a:spcPts val="0"/>
+              </a:spcBef>
+              <a:spcAft>
+                <a:spcPts val="0"/>
+              </a:spcAft>
+              <a:buNone/>
+            </a:pPr>
+            <a:r>
+              <a:rPr lang="en" sz="1800" b="1" dirty="0"/>
+              <a:t>                                </a:t>
+            </a:r>
+            <a:r>
+              <a:rPr lang="en-US" sz="1800" b="1" dirty="0"/>
+              <a:t>GPIO</a:t>
+            </a:r>
+            <a:endParaRPr sz="1800" b="1" dirty="0"/>
+          </a:p>
+          <a:p>
+            <a:pPr marL="0" lvl="0" indent="0" algn="l" rtl="0">
+              <a:spcBef>
+                <a:spcPts val="0"/>
+              </a:spcBef>
+              <a:spcAft>
+                <a:spcPts val="0"/>
+              </a:spcAft>
+              <a:buNone/>
+            </a:pPr>
+            <a:endParaRPr sz="1800" b="1" dirty="0"/>
+          </a:p>
+        </p:txBody>
+      </p:sp>
+      <p:sp>
+        <p:nvSpPr>
+          <p:cNvPr id="5" name="Google Shape;65;p13">
+            <a:extLst>
+              <a:ext uri="{FF2B5EF4-FFF2-40B4-BE49-F238E27FC236}">
+                <a16:creationId xmlns:a16="http://schemas.microsoft.com/office/drawing/2014/main" id="{F72E4373-754F-4F3F-AC21-3F69F4A50699}"/>
+              </a:ext>
+            </a:extLst>
+          </p:cNvPr>
+          <p:cNvSpPr/>
+          <p:nvPr/>
+        </p:nvSpPr>
+        <p:spPr>
+          <a:xfrm>
+            <a:off x="3399692" y="1948861"/>
+            <a:ext cx="7807569" cy="1412431"/>
           </a:xfrm>
           <a:prstGeom prst="roundRect">
             <a:avLst>
@@ -4194,12 +4585,52 @@
             </a:lvl9pPr>
           </a:lstStyle>
           <a:p>
+            <a:pPr lvl="0"/>
+            <a:r>
+              <a:rPr lang="en-US" dirty="0"/>
+              <a:t>ERROR_S  </a:t>
+            </a:r>
+            <a:r>
+              <a:rPr lang="en-US" dirty="0" err="1"/>
+              <a:t>GPIO_Init</a:t>
+            </a:r>
+            <a:r>
+              <a:rPr lang="en-US" dirty="0"/>
+              <a:t>(u8 pin , u8 port , u8 direction)</a:t>
+            </a:r>
+          </a:p>
+          <a:p>
+            <a:pPr lvl="0"/>
+            <a:r>
+              <a:rPr lang="en-US" dirty="0"/>
+              <a:t>ERROR_S  </a:t>
+            </a:r>
+            <a:r>
+              <a:rPr lang="en-US" dirty="0" err="1" smtClean="0"/>
+              <a:t>GPIO_WritePin</a:t>
+            </a:r>
+            <a:r>
+              <a:rPr lang="en-US" dirty="0" smtClean="0"/>
+              <a:t>(u8 </a:t>
+            </a:r>
+            <a:r>
+              <a:rPr lang="en-US" dirty="0"/>
+              <a:t>pin, u8 port , u8 value)</a:t>
+            </a:r>
+          </a:p>
+          <a:p>
+            <a:pPr lvl="0">
+              <a:buClr>
+                <a:schemeClr val="dk1"/>
+              </a:buClr>
+              <a:buSzPts val="1100"/>
+            </a:pPr>
             <a:r>
               <a:rPr lang="en-US" dirty="0"/>
               <a:t>ERROR_S</a:t>
             </a:r>
             <a:r>
-              <a:rPr lang="pl-PL" dirty="0">
+              <a:rPr lang="en-US" dirty="0">
                 <a:solidFill>
                   <a:schemeClr val="dk1"/>
                 </a:solidFill>
@@ -4207,31 +4638,15 @@
               <a:t>  </a:t>
             </a:r>
             <a:r>
-              <a:rPr lang="en-US" dirty="0">
+              <a:rPr lang="en-US" dirty="0" err="1" smtClean="0">
                 <a:solidFill>
                   <a:schemeClr val="dk1"/>
                 </a:solidFill>
               </a:rPr>
-              <a:t>   LDOOR</a:t>
-            </a:r>
-            <a:r>
-              <a:rPr lang="pl-PL" dirty="0">
-                <a:solidFill>
-                  <a:schemeClr val="dk1"/>
-                </a:solidFill>
-              </a:rPr>
-              <a:t>_</a:t>
-            </a:r>
-            <a:r>
-              <a:rPr lang="en-US" dirty="0">
-                <a:solidFill>
-                  <a:schemeClr val="dk1"/>
-                </a:solidFill>
-              </a:rPr>
-              <a:t>Init</a:t>
-            </a:r>
-            <a:r>
-              <a:rPr lang="pl-PL" dirty="0">
+              <a:t>GPIO_ReadPin</a:t>
+            </a:r>
+            <a:r>
+              <a:rPr lang="en-US" dirty="0" smtClean="0">
                 <a:solidFill>
                   <a:schemeClr val="dk1"/>
                 </a:solidFill>
@@ -4239,82 +4654,65 @@
               <a:t>(</a:t>
             </a:r>
             <a:r>
+              <a:rPr lang="en-US" dirty="0" smtClean="0"/>
+              <a:t>u8 </a:t>
+            </a:r>
+            <a:r>
+              <a:rPr lang="en-US" dirty="0"/>
+              <a:t>pin, u8 port, u8 * value </a:t>
+            </a:r>
+            <a:r>
               <a:rPr lang="en-US" dirty="0">
-                <a:solidFill>
-                  <a:schemeClr val="dk1"/>
-                </a:solidFill>
-              </a:rPr>
-              <a:t>void</a:t>
-            </a:r>
-            <a:r>
-              <a:rPr lang="pl-PL" dirty="0">
                 <a:solidFill>
                   <a:schemeClr val="dk1"/>
                 </a:solidFill>
               </a:rPr>
               <a:t>)</a:t>
             </a:r>
-            <a:endParaRPr lang="en" dirty="0">
-              <a:solidFill>
-                <a:schemeClr val="dk1"/>
-              </a:solidFill>
-            </a:endParaRPr>
-          </a:p>
-          <a:p>
-            <a:pPr lvl="0"/>
-            <a:r>
-              <a:rPr lang="en-US" dirty="0"/>
-              <a:t>ERROR_S</a:t>
-            </a:r>
-            <a:r>
-              <a:rPr lang="en" dirty="0">
-                <a:solidFill>
-                  <a:schemeClr val="dk1"/>
-                </a:solidFill>
-              </a:rPr>
-              <a:t>     LDOOR_</a:t>
-            </a:r>
-            <a:r>
-              <a:rPr lang="en-US" dirty="0" err="1">
-                <a:solidFill>
-                  <a:schemeClr val="dk1"/>
-                </a:solidFill>
-              </a:rPr>
-              <a:t>ReadStatus</a:t>
-            </a:r>
-            <a:r>
-              <a:rPr lang="en" dirty="0">
-                <a:solidFill>
-                  <a:schemeClr val="dk1"/>
-                </a:solidFill>
-              </a:rPr>
-              <a:t>(</a:t>
-            </a:r>
-            <a:r>
-              <a:rPr lang="en-US" dirty="0">
-                <a:solidFill>
-                  <a:schemeClr val="dk1"/>
-                </a:solidFill>
-              </a:rPr>
-              <a:t>u8* value</a:t>
-            </a:r>
-            <a:r>
-              <a:rPr lang="en" dirty="0">
-                <a:solidFill>
-                  <a:schemeClr val="dk1"/>
-                </a:solidFill>
-              </a:rPr>
-              <a:t>)</a:t>
-            </a:r>
+            <a:endParaRPr lang="en-US" dirty="0"/>
           </a:p>
         </p:txBody>
       </p:sp>
       <p:sp>
         <p:nvSpPr>
-          <p:cNvPr id="5" name="Google Shape;56;p13">
+          <p:cNvPr id="6" name="TextBox 5"/>
+          <p:cNvSpPr txBox="1"/>
+          <p:nvPr/>
+        </p:nvSpPr>
+        <p:spPr>
+          <a:xfrm>
+            <a:off x="1209768" y="726830"/>
+            <a:ext cx="6105432" cy="707886"/>
+          </a:xfrm>
+          <a:prstGeom prst="rect">
+            <a:avLst/>
+          </a:prstGeom>
+          <a:noFill/>
+        </p:spPr>
+        <p:txBody>
+          <a:bodyPr wrap="square" rtlCol="0">
+            <a:spAutoFit/>
+          </a:bodyPr>
+          <a:lstStyle/>
+          <a:p>
+            <a:r>
+              <a:rPr lang="en-US" sz="4000" b="1" dirty="0" smtClean="0"/>
+              <a:t>MCAL Layer</a:t>
+            </a:r>
+            <a:r>
+              <a:rPr lang="en-US" dirty="0" smtClean="0"/>
+              <a:t> </a:t>
+            </a:r>
+            <a:endParaRPr lang="en-US" dirty="0"/>
+          </a:p>
+        </p:txBody>
+      </p:sp>
+      <p:sp>
+        <p:nvSpPr>
+          <p:cNvPr id="7" name="Google Shape;65;p13">
             <a:extLst>
               <a:ext uri="{FF2B5EF4-FFF2-40B4-BE49-F238E27FC236}">
-                <a16:creationId xmlns:a16="http://schemas.microsoft.com/office/drawing/2014/main" id="{BA36DD68-FBFC-4C4F-A598-B6E93B4A30B2}"/>
+                <a16:creationId xmlns:a16="http://schemas.microsoft.com/office/drawing/2014/main" id="{F72E4373-754F-4F3F-AC21-3F69F4A50699}"/>
               </a:ext>
             </a:extLst>
           </p:cNvPr>
@@ -4323,624 +4721,8 @@
         </p:nvSpPr>
         <p:spPr>
           <a:xfrm>
-            <a:off x="2364377" y="4561238"/>
-            <a:ext cx="1069918" cy="742984"/>
-          </a:xfrm>
-          <a:prstGeom prst="rect">
-            <a:avLst/>
-          </a:prstGeom>
-          <a:solidFill>
-            <a:schemeClr val="accent5">
-              <a:lumMod val="60000"/>
-              <a:lumOff val="40000"/>
-            </a:schemeClr>
-          </a:solidFill>
-          <a:ln w="9525" cap="flat" cmpd="sng">
-            <a:solidFill>
-              <a:schemeClr val="dk2"/>
-            </a:solidFill>
-            <a:prstDash val="solid"/>
-            <a:round/>
-            <a:headEnd type="none" w="sm" len="sm"/>
-            <a:tailEnd type="none" w="sm" len="sm"/>
-          </a:ln>
-        </p:spPr>
-        <p:txBody>
-          <a:bodyPr spcFirstLastPara="1" wrap="square" lIns="91425" tIns="91425" rIns="91425" bIns="91425" anchor="ctr" anchorCtr="0">
-            <a:noAutofit/>
-          </a:bodyPr>
-          <a:lstStyle>
-            <a:defPPr marR="0" lvl="0" algn="l" rtl="0">
-              <a:lnSpc>
-                <a:spcPct val="100000"/>
-              </a:lnSpc>
-              <a:spcBef>
-                <a:spcPts val="0"/>
-              </a:spcBef>
-              <a:spcAft>
-                <a:spcPts val="0"/>
-              </a:spcAft>
-            </a:defPPr>
-            <a:lvl1pPr marR="0" lvl="0" algn="l" rtl="0">
-              <a:lnSpc>
-                <a:spcPct val="100000"/>
-              </a:lnSpc>
-              <a:spcBef>
-                <a:spcPts val="0"/>
-              </a:spcBef>
-              <a:spcAft>
-                <a:spcPts val="0"/>
-              </a:spcAft>
-              <a:buClr>
-                <a:srgbClr val="000000"/>
-              </a:buClr>
-              <a:buFont typeface="Arial"/>
-              <a:defRPr sz="1400" b="0" i="0" u="none" strike="noStrike" cap="none">
-                <a:solidFill>
-                  <a:srgbClr val="000000"/>
-                </a:solidFill>
-                <a:latin typeface="Arial"/>
-                <a:ea typeface="Arial"/>
-                <a:cs typeface="Arial"/>
-                <a:sym typeface="Arial"/>
-              </a:defRPr>
-            </a:lvl1pPr>
-            <a:lvl2pPr marR="0" lvl="1" algn="l" rtl="0">
-              <a:lnSpc>
-                <a:spcPct val="100000"/>
-              </a:lnSpc>
-              <a:spcBef>
-                <a:spcPts val="0"/>
-              </a:spcBef>
-              <a:spcAft>
-                <a:spcPts val="0"/>
-              </a:spcAft>
-              <a:buClr>
-                <a:srgbClr val="000000"/>
-              </a:buClr>
-              <a:buFont typeface="Arial"/>
-              <a:defRPr sz="1400" b="0" i="0" u="none" strike="noStrike" cap="none">
-                <a:solidFill>
-                  <a:srgbClr val="000000"/>
-                </a:solidFill>
-                <a:latin typeface="Arial"/>
-                <a:ea typeface="Arial"/>
-                <a:cs typeface="Arial"/>
-                <a:sym typeface="Arial"/>
-              </a:defRPr>
-            </a:lvl2pPr>
-            <a:lvl3pPr marR="0" lvl="2" algn="l" rtl="0">
-              <a:lnSpc>
-                <a:spcPct val="100000"/>
-              </a:lnSpc>
-              <a:spcBef>
-                <a:spcPts val="0"/>
-              </a:spcBef>
-              <a:spcAft>
-                <a:spcPts val="0"/>
-              </a:spcAft>
-              <a:buClr>
-                <a:srgbClr val="000000"/>
-              </a:buClr>
-              <a:buFont typeface="Arial"/>
-              <a:defRPr sz="1400" b="0" i="0" u="none" strike="noStrike" cap="none">
-                <a:solidFill>
-                  <a:srgbClr val="000000"/>
-                </a:solidFill>
-                <a:latin typeface="Arial"/>
-                <a:ea typeface="Arial"/>
-                <a:cs typeface="Arial"/>
-                <a:sym typeface="Arial"/>
-              </a:defRPr>
-            </a:lvl3pPr>
-            <a:lvl4pPr marR="0" lvl="3" algn="l" rtl="0">
-              <a:lnSpc>
-                <a:spcPct val="100000"/>
-              </a:lnSpc>
-              <a:spcBef>
-                <a:spcPts val="0"/>
-              </a:spcBef>
-              <a:spcAft>
-                <a:spcPts val="0"/>
-              </a:spcAft>
-              <a:buClr>
-                <a:srgbClr val="000000"/>
-              </a:buClr>
-              <a:buFont typeface="Arial"/>
-              <a:defRPr sz="1400" b="0" i="0" u="none" strike="noStrike" cap="none">
-                <a:solidFill>
-                  <a:srgbClr val="000000"/>
-                </a:solidFill>
-                <a:latin typeface="Arial"/>
-                <a:ea typeface="Arial"/>
-                <a:cs typeface="Arial"/>
-                <a:sym typeface="Arial"/>
-              </a:defRPr>
-            </a:lvl4pPr>
-            <a:lvl5pPr marR="0" lvl="4" algn="l" rtl="0">
-              <a:lnSpc>
-                <a:spcPct val="100000"/>
-              </a:lnSpc>
-              <a:spcBef>
-                <a:spcPts val="0"/>
-              </a:spcBef>
-              <a:spcAft>
-                <a:spcPts val="0"/>
-              </a:spcAft>
-              <a:buClr>
-                <a:srgbClr val="000000"/>
-              </a:buClr>
-              <a:buFont typeface="Arial"/>
-              <a:defRPr sz="1400" b="0" i="0" u="none" strike="noStrike" cap="none">
-                <a:solidFill>
-                  <a:srgbClr val="000000"/>
-                </a:solidFill>
-                <a:latin typeface="Arial"/>
-                <a:ea typeface="Arial"/>
-                <a:cs typeface="Arial"/>
-                <a:sym typeface="Arial"/>
-              </a:defRPr>
-            </a:lvl5pPr>
-            <a:lvl6pPr marR="0" lvl="5" algn="l" rtl="0">
-              <a:lnSpc>
-                <a:spcPct val="100000"/>
-              </a:lnSpc>
-              <a:spcBef>
-                <a:spcPts val="0"/>
-              </a:spcBef>
-              <a:spcAft>
-                <a:spcPts val="0"/>
-              </a:spcAft>
-              <a:buClr>
-                <a:srgbClr val="000000"/>
-              </a:buClr>
-              <a:buFont typeface="Arial"/>
-              <a:defRPr sz="1400" b="0" i="0" u="none" strike="noStrike" cap="none">
-                <a:solidFill>
-                  <a:srgbClr val="000000"/>
-                </a:solidFill>
-                <a:latin typeface="Arial"/>
-                <a:ea typeface="Arial"/>
-                <a:cs typeface="Arial"/>
-                <a:sym typeface="Arial"/>
-              </a:defRPr>
-            </a:lvl6pPr>
-            <a:lvl7pPr marR="0" lvl="6" algn="l" rtl="0">
-              <a:lnSpc>
-                <a:spcPct val="100000"/>
-              </a:lnSpc>
-              <a:spcBef>
-                <a:spcPts val="0"/>
-              </a:spcBef>
-              <a:spcAft>
-                <a:spcPts val="0"/>
-              </a:spcAft>
-              <a:buClr>
-                <a:srgbClr val="000000"/>
-              </a:buClr>
-              <a:buFont typeface="Arial"/>
-              <a:defRPr sz="1400" b="0" i="0" u="none" strike="noStrike" cap="none">
-                <a:solidFill>
-                  <a:srgbClr val="000000"/>
-                </a:solidFill>
-                <a:latin typeface="Arial"/>
-                <a:ea typeface="Arial"/>
-                <a:cs typeface="Arial"/>
-                <a:sym typeface="Arial"/>
-              </a:defRPr>
-            </a:lvl7pPr>
-            <a:lvl8pPr marR="0" lvl="7" algn="l" rtl="0">
-              <a:lnSpc>
-                <a:spcPct val="100000"/>
-              </a:lnSpc>
-              <a:spcBef>
-                <a:spcPts val="0"/>
-              </a:spcBef>
-              <a:spcAft>
-                <a:spcPts val="0"/>
-              </a:spcAft>
-              <a:buClr>
-                <a:srgbClr val="000000"/>
-              </a:buClr>
-              <a:buFont typeface="Arial"/>
-              <a:defRPr sz="1400" b="0" i="0" u="none" strike="noStrike" cap="none">
-                <a:solidFill>
-                  <a:srgbClr val="000000"/>
-                </a:solidFill>
-                <a:latin typeface="Arial"/>
-                <a:ea typeface="Arial"/>
-                <a:cs typeface="Arial"/>
-                <a:sym typeface="Arial"/>
-              </a:defRPr>
-            </a:lvl8pPr>
-            <a:lvl9pPr marR="0" lvl="8" algn="l" rtl="0">
-              <a:lnSpc>
-                <a:spcPct val="100000"/>
-              </a:lnSpc>
-              <a:spcBef>
-                <a:spcPts val="0"/>
-              </a:spcBef>
-              <a:spcAft>
-                <a:spcPts val="0"/>
-              </a:spcAft>
-              <a:buClr>
-                <a:srgbClr val="000000"/>
-              </a:buClr>
-              <a:buFont typeface="Arial"/>
-              <a:defRPr sz="1400" b="0" i="0" u="none" strike="noStrike" cap="none">
-                <a:solidFill>
-                  <a:srgbClr val="000000"/>
-                </a:solidFill>
-                <a:latin typeface="Arial"/>
-                <a:ea typeface="Arial"/>
-                <a:cs typeface="Arial"/>
-                <a:sym typeface="Arial"/>
-              </a:defRPr>
-            </a:lvl9pPr>
-          </a:lstStyle>
-          <a:p>
-            <a:pPr marL="0" lvl="0" indent="0" algn="l" rtl="0">
-              <a:spcBef>
-                <a:spcPts val="0"/>
-              </a:spcBef>
-              <a:spcAft>
-                <a:spcPts val="0"/>
-              </a:spcAft>
-              <a:buNone/>
-            </a:pPr>
-            <a:r>
-              <a:rPr lang="en" sz="1800" b="1" dirty="0"/>
-              <a:t>       </a:t>
-            </a:r>
-          </a:p>
-          <a:p>
-            <a:pPr lvl="0" algn="ctr"/>
-            <a:r>
-              <a:rPr lang="en-US" sz="1800" b="1" dirty="0"/>
-              <a:t>LIGHT</a:t>
-            </a:r>
-            <a:r>
-              <a:rPr lang="en" sz="1800" b="1" dirty="0"/>
-              <a:t>                        </a:t>
-            </a:r>
-            <a:endParaRPr sz="1800" b="1" dirty="0"/>
-          </a:p>
-          <a:p>
-            <a:pPr marL="0" lvl="0" indent="0" algn="l" rtl="0">
-              <a:spcBef>
-                <a:spcPts val="0"/>
-              </a:spcBef>
-              <a:spcAft>
-                <a:spcPts val="0"/>
-              </a:spcAft>
-              <a:buNone/>
-            </a:pPr>
-            <a:endParaRPr sz="1800" b="1" dirty="0"/>
-          </a:p>
-        </p:txBody>
-      </p:sp>
-      <p:sp>
-        <p:nvSpPr>
-          <p:cNvPr id="6" name="Google Shape;56;p13">
-            <a:extLst>
-              <a:ext uri="{FF2B5EF4-FFF2-40B4-BE49-F238E27FC236}">
-                <a16:creationId xmlns:a16="http://schemas.microsoft.com/office/drawing/2014/main" id="{3D9B5B3A-0ADE-4B7B-B609-BBBAAF3FCFA9}"/>
-              </a:ext>
-            </a:extLst>
-          </p:cNvPr>
-          <p:cNvSpPr/>
-          <p:nvPr/>
-        </p:nvSpPr>
-        <p:spPr>
-          <a:xfrm>
-            <a:off x="2364377" y="2823585"/>
-            <a:ext cx="1069918" cy="893324"/>
-          </a:xfrm>
-          <a:prstGeom prst="rect">
-            <a:avLst/>
-          </a:prstGeom>
-          <a:solidFill>
-            <a:schemeClr val="accent5">
-              <a:lumMod val="60000"/>
-              <a:lumOff val="40000"/>
-            </a:schemeClr>
-          </a:solidFill>
-          <a:ln w="9525" cap="flat" cmpd="sng">
-            <a:solidFill>
-              <a:schemeClr val="dk2"/>
-            </a:solidFill>
-            <a:prstDash val="solid"/>
-            <a:round/>
-            <a:headEnd type="none" w="sm" len="sm"/>
-            <a:tailEnd type="none" w="sm" len="sm"/>
-          </a:ln>
-        </p:spPr>
-        <p:txBody>
-          <a:bodyPr spcFirstLastPara="1" wrap="square" lIns="91425" tIns="91425" rIns="91425" bIns="91425" anchor="ctr" anchorCtr="0">
-            <a:noAutofit/>
-          </a:bodyPr>
-          <a:lstStyle>
-            <a:defPPr marR="0" lvl="0" algn="l" rtl="0">
-              <a:lnSpc>
-                <a:spcPct val="100000"/>
-              </a:lnSpc>
-              <a:spcBef>
-                <a:spcPts val="0"/>
-              </a:spcBef>
-              <a:spcAft>
-                <a:spcPts val="0"/>
-              </a:spcAft>
-            </a:defPPr>
-            <a:lvl1pPr marR="0" lvl="0" algn="l" rtl="0">
-              <a:lnSpc>
-                <a:spcPct val="100000"/>
-              </a:lnSpc>
-              <a:spcBef>
-                <a:spcPts val="0"/>
-              </a:spcBef>
-              <a:spcAft>
-                <a:spcPts val="0"/>
-              </a:spcAft>
-              <a:buClr>
-                <a:srgbClr val="000000"/>
-              </a:buClr>
-              <a:buFont typeface="Arial"/>
-              <a:defRPr sz="1400" b="0" i="0" u="none" strike="noStrike" cap="none">
-                <a:solidFill>
-                  <a:srgbClr val="000000"/>
-                </a:solidFill>
-                <a:latin typeface="Arial"/>
-                <a:ea typeface="Arial"/>
-                <a:cs typeface="Arial"/>
-                <a:sym typeface="Arial"/>
-              </a:defRPr>
-            </a:lvl1pPr>
-            <a:lvl2pPr marR="0" lvl="1" algn="l" rtl="0">
-              <a:lnSpc>
-                <a:spcPct val="100000"/>
-              </a:lnSpc>
-              <a:spcBef>
-                <a:spcPts val="0"/>
-              </a:spcBef>
-              <a:spcAft>
-                <a:spcPts val="0"/>
-              </a:spcAft>
-              <a:buClr>
-                <a:srgbClr val="000000"/>
-              </a:buClr>
-              <a:buFont typeface="Arial"/>
-              <a:defRPr sz="1400" b="0" i="0" u="none" strike="noStrike" cap="none">
-                <a:solidFill>
-                  <a:srgbClr val="000000"/>
-                </a:solidFill>
-                <a:latin typeface="Arial"/>
-                <a:ea typeface="Arial"/>
-                <a:cs typeface="Arial"/>
-                <a:sym typeface="Arial"/>
-              </a:defRPr>
-            </a:lvl2pPr>
-            <a:lvl3pPr marR="0" lvl="2" algn="l" rtl="0">
-              <a:lnSpc>
-                <a:spcPct val="100000"/>
-              </a:lnSpc>
-              <a:spcBef>
-                <a:spcPts val="0"/>
-              </a:spcBef>
-              <a:spcAft>
-                <a:spcPts val="0"/>
-              </a:spcAft>
-              <a:buClr>
-                <a:srgbClr val="000000"/>
-              </a:buClr>
-              <a:buFont typeface="Arial"/>
-              <a:defRPr sz="1400" b="0" i="0" u="none" strike="noStrike" cap="none">
-                <a:solidFill>
-                  <a:srgbClr val="000000"/>
-                </a:solidFill>
-                <a:latin typeface="Arial"/>
-                <a:ea typeface="Arial"/>
-                <a:cs typeface="Arial"/>
-                <a:sym typeface="Arial"/>
-              </a:defRPr>
-            </a:lvl3pPr>
-            <a:lvl4pPr marR="0" lvl="3" algn="l" rtl="0">
-              <a:lnSpc>
-                <a:spcPct val="100000"/>
-              </a:lnSpc>
-              <a:spcBef>
-                <a:spcPts val="0"/>
-              </a:spcBef>
-              <a:spcAft>
-                <a:spcPts val="0"/>
-              </a:spcAft>
-              <a:buClr>
-                <a:srgbClr val="000000"/>
-              </a:buClr>
-              <a:buFont typeface="Arial"/>
-              <a:defRPr sz="1400" b="0" i="0" u="none" strike="noStrike" cap="none">
-                <a:solidFill>
-                  <a:srgbClr val="000000"/>
-                </a:solidFill>
-                <a:latin typeface="Arial"/>
-                <a:ea typeface="Arial"/>
-                <a:cs typeface="Arial"/>
-                <a:sym typeface="Arial"/>
-              </a:defRPr>
-            </a:lvl4pPr>
-            <a:lvl5pPr marR="0" lvl="4" algn="l" rtl="0">
-              <a:lnSpc>
-                <a:spcPct val="100000"/>
-              </a:lnSpc>
-              <a:spcBef>
-                <a:spcPts val="0"/>
-              </a:spcBef>
-              <a:spcAft>
-                <a:spcPts val="0"/>
-              </a:spcAft>
-              <a:buClr>
-                <a:srgbClr val="000000"/>
-              </a:buClr>
-              <a:buFont typeface="Arial"/>
-              <a:defRPr sz="1400" b="0" i="0" u="none" strike="noStrike" cap="none">
-                <a:solidFill>
-                  <a:srgbClr val="000000"/>
-                </a:solidFill>
-                <a:latin typeface="Arial"/>
-                <a:ea typeface="Arial"/>
-                <a:cs typeface="Arial"/>
-                <a:sym typeface="Arial"/>
-              </a:defRPr>
-            </a:lvl5pPr>
-            <a:lvl6pPr marR="0" lvl="5" algn="l" rtl="0">
-              <a:lnSpc>
-                <a:spcPct val="100000"/>
-              </a:lnSpc>
-              <a:spcBef>
-                <a:spcPts val="0"/>
-              </a:spcBef>
-              <a:spcAft>
-                <a:spcPts val="0"/>
-              </a:spcAft>
-              <a:buClr>
-                <a:srgbClr val="000000"/>
-              </a:buClr>
-              <a:buFont typeface="Arial"/>
-              <a:defRPr sz="1400" b="0" i="0" u="none" strike="noStrike" cap="none">
-                <a:solidFill>
-                  <a:srgbClr val="000000"/>
-                </a:solidFill>
-                <a:latin typeface="Arial"/>
-                <a:ea typeface="Arial"/>
-                <a:cs typeface="Arial"/>
-                <a:sym typeface="Arial"/>
-              </a:defRPr>
-            </a:lvl6pPr>
-            <a:lvl7pPr marR="0" lvl="6" algn="l" rtl="0">
-              <a:lnSpc>
-                <a:spcPct val="100000"/>
-              </a:lnSpc>
-              <a:spcBef>
-                <a:spcPts val="0"/>
-              </a:spcBef>
-              <a:spcAft>
-                <a:spcPts val="0"/>
-              </a:spcAft>
-              <a:buClr>
-                <a:srgbClr val="000000"/>
-              </a:buClr>
-              <a:buFont typeface="Arial"/>
-              <a:defRPr sz="1400" b="0" i="0" u="none" strike="noStrike" cap="none">
-                <a:solidFill>
-                  <a:srgbClr val="000000"/>
-                </a:solidFill>
-                <a:latin typeface="Arial"/>
-                <a:ea typeface="Arial"/>
-                <a:cs typeface="Arial"/>
-                <a:sym typeface="Arial"/>
-              </a:defRPr>
-            </a:lvl7pPr>
-            <a:lvl8pPr marR="0" lvl="7" algn="l" rtl="0">
-              <a:lnSpc>
-                <a:spcPct val="100000"/>
-              </a:lnSpc>
-              <a:spcBef>
-                <a:spcPts val="0"/>
-              </a:spcBef>
-              <a:spcAft>
-                <a:spcPts val="0"/>
-              </a:spcAft>
-              <a:buClr>
-                <a:srgbClr val="000000"/>
-              </a:buClr>
-              <a:buFont typeface="Arial"/>
-              <a:defRPr sz="1400" b="0" i="0" u="none" strike="noStrike" cap="none">
-                <a:solidFill>
-                  <a:srgbClr val="000000"/>
-                </a:solidFill>
-                <a:latin typeface="Arial"/>
-                <a:ea typeface="Arial"/>
-                <a:cs typeface="Arial"/>
-                <a:sym typeface="Arial"/>
-              </a:defRPr>
-            </a:lvl8pPr>
-            <a:lvl9pPr marR="0" lvl="8" algn="l" rtl="0">
-              <a:lnSpc>
-                <a:spcPct val="100000"/>
-              </a:lnSpc>
-              <a:spcBef>
-                <a:spcPts val="0"/>
-              </a:spcBef>
-              <a:spcAft>
-                <a:spcPts val="0"/>
-              </a:spcAft>
-              <a:buClr>
-                <a:srgbClr val="000000"/>
-              </a:buClr>
-              <a:buFont typeface="Arial"/>
-              <a:defRPr sz="1400" b="0" i="0" u="none" strike="noStrike" cap="none">
-                <a:solidFill>
-                  <a:srgbClr val="000000"/>
-                </a:solidFill>
-                <a:latin typeface="Arial"/>
-                <a:ea typeface="Arial"/>
-                <a:cs typeface="Arial"/>
-                <a:sym typeface="Arial"/>
-              </a:defRPr>
-            </a:lvl9pPr>
-          </a:lstStyle>
-          <a:p>
-            <a:pPr marL="0" lvl="0" indent="0" algn="l" rtl="0">
-              <a:spcBef>
-                <a:spcPts val="0"/>
-              </a:spcBef>
-              <a:spcAft>
-                <a:spcPts val="0"/>
-              </a:spcAft>
-              <a:buNone/>
-            </a:pPr>
-            <a:r>
-              <a:rPr lang="en" sz="1800" b="1" dirty="0"/>
-              <a:t>       </a:t>
-            </a:r>
-          </a:p>
-          <a:p>
-            <a:pPr lvl="0" algn="ctr"/>
-            <a:r>
-              <a:rPr lang="en-US" sz="1800" b="1" dirty="0"/>
-              <a:t>LDOOR</a:t>
-            </a:r>
-            <a:endParaRPr sz="1800" b="1" dirty="0"/>
-          </a:p>
-          <a:p>
-            <a:pPr marL="0" lvl="0" indent="0" algn="l" rtl="0">
-              <a:spcBef>
-                <a:spcPts val="0"/>
-              </a:spcBef>
-              <a:spcAft>
-                <a:spcPts val="0"/>
-              </a:spcAft>
-              <a:buNone/>
-            </a:pPr>
-            <a:endParaRPr sz="1800" b="1" dirty="0"/>
-          </a:p>
-        </p:txBody>
-      </p:sp>
-      <p:sp>
-        <p:nvSpPr>
-          <p:cNvPr id="7" name="Google Shape;65;p13">
-            <a:extLst>
-              <a:ext uri="{FF2B5EF4-FFF2-40B4-BE49-F238E27FC236}">
-                <a16:creationId xmlns:a16="http://schemas.microsoft.com/office/drawing/2014/main" id="{C5CBC0E1-43EF-4C6E-8ECB-791622BD7728}"/>
-              </a:ext>
-            </a:extLst>
-          </p:cNvPr>
-          <p:cNvSpPr/>
-          <p:nvPr/>
-        </p:nvSpPr>
-        <p:spPr>
-          <a:xfrm>
-            <a:off x="4327191" y="4358219"/>
-            <a:ext cx="5599964" cy="1149022"/>
+            <a:off x="3399692" y="3676816"/>
+            <a:ext cx="7807569" cy="2982563"/>
           </a:xfrm>
           <a:prstGeom prst="roundRect">
             <a:avLst>
@@ -5197,152 +4979,142 @@
             </a:lvl9pPr>
           </a:lstStyle>
           <a:p>
-            <a:r>
-              <a:rPr lang="en-US" dirty="0"/>
-              <a:t>ERROR_S</a:t>
-            </a:r>
-            <a:r>
-              <a:rPr lang="en-US" dirty="0">
-                <a:solidFill>
-                  <a:schemeClr val="dk1"/>
-                </a:solidFill>
-              </a:rPr>
-              <a:t>   </a:t>
-            </a:r>
-            <a:r>
-              <a:rPr lang="en-US" dirty="0" err="1">
-                <a:solidFill>
-                  <a:schemeClr val="dk1"/>
-                </a:solidFill>
-              </a:rPr>
-              <a:t>LIGHT_Init</a:t>
-            </a:r>
-            <a:r>
-              <a:rPr lang="en-US" dirty="0">
-                <a:solidFill>
-                  <a:schemeClr val="dk1"/>
-                </a:solidFill>
-              </a:rPr>
-              <a:t>(void)</a:t>
-            </a:r>
-            <a:endParaRPr dirty="0">
-              <a:solidFill>
-                <a:schemeClr val="dk1"/>
-              </a:solidFill>
-            </a:endParaRPr>
-          </a:p>
-          <a:p>
             <a:pPr lvl="0"/>
-            <a:r>
-              <a:rPr lang="en-US" dirty="0"/>
-              <a:t>ERROR_S</a:t>
-            </a:r>
-            <a:r>
-              <a:rPr lang="en" dirty="0">
-                <a:solidFill>
-                  <a:schemeClr val="dk1"/>
-                </a:solidFill>
-              </a:rPr>
-              <a:t>   </a:t>
-            </a:r>
-            <a:r>
-              <a:rPr lang="en-US" dirty="0">
-                <a:solidFill>
-                  <a:schemeClr val="dk1"/>
-                </a:solidFill>
-              </a:rPr>
-              <a:t>LIGHT</a:t>
-            </a:r>
-            <a:r>
-              <a:rPr lang="en" dirty="0">
-                <a:solidFill>
-                  <a:schemeClr val="dk1"/>
-                </a:solidFill>
-              </a:rPr>
-              <a:t>_</a:t>
-            </a:r>
-            <a:r>
-              <a:rPr lang="en-US" dirty="0">
-                <a:solidFill>
-                  <a:schemeClr val="dk1"/>
-                </a:solidFill>
-              </a:rPr>
-              <a:t>ON</a:t>
-            </a:r>
-            <a:r>
-              <a:rPr lang="en" dirty="0">
-                <a:solidFill>
-                  <a:schemeClr val="dk1"/>
-                </a:solidFill>
-              </a:rPr>
-              <a:t>(void)</a:t>
-            </a:r>
-            <a:endParaRPr dirty="0">
-              <a:solidFill>
-                <a:schemeClr val="dk1"/>
-              </a:solidFill>
-            </a:endParaRPr>
-          </a:p>
-          <a:p>
-            <a:pPr lvl="0"/>
-            <a:r>
-              <a:rPr lang="en-US" dirty="0"/>
-              <a:t>ERROR_S </a:t>
-            </a:r>
-            <a:r>
-              <a:rPr lang="en" dirty="0">
-                <a:solidFill>
-                  <a:schemeClr val="dk1"/>
-                </a:solidFill>
-              </a:rPr>
-              <a:t>  </a:t>
-            </a:r>
-            <a:r>
-              <a:rPr lang="en-US" dirty="0">
-                <a:solidFill>
-                  <a:schemeClr val="dk1"/>
-                </a:solidFill>
-              </a:rPr>
-              <a:t>LIGHT</a:t>
-            </a:r>
-            <a:r>
-              <a:rPr lang="en" dirty="0">
-                <a:solidFill>
-                  <a:schemeClr val="dk1"/>
-                </a:solidFill>
-              </a:rPr>
-              <a:t>_</a:t>
-            </a:r>
-            <a:r>
-              <a:rPr lang="en-US" dirty="0">
-                <a:solidFill>
-                  <a:schemeClr val="dk1"/>
-                </a:solidFill>
-              </a:rPr>
-              <a:t>OFF</a:t>
-            </a:r>
-            <a:r>
-              <a:rPr lang="en" dirty="0">
-                <a:solidFill>
-                  <a:schemeClr val="dk1"/>
-                </a:solidFill>
-              </a:rPr>
-              <a:t>(void)</a:t>
-            </a:r>
-            <a:endParaRPr dirty="0">
-              <a:solidFill>
-                <a:schemeClr val="dk1"/>
-              </a:solidFill>
-            </a:endParaRPr>
+            <a:endParaRPr lang="en-US" dirty="0"/>
           </a:p>
         </p:txBody>
       </p:sp>
       <p:sp>
         <p:nvSpPr>
-          <p:cNvPr id="8" name="Google Shape;65;p13">
+          <p:cNvPr id="8" name="TextBox 7"/>
+          <p:cNvSpPr txBox="1"/>
+          <p:nvPr/>
+        </p:nvSpPr>
+        <p:spPr>
+          <a:xfrm>
+            <a:off x="4048515" y="3875437"/>
+            <a:ext cx="4559300" cy="2585323"/>
+          </a:xfrm>
+          <a:prstGeom prst="rect">
+            <a:avLst/>
+          </a:prstGeom>
+          <a:noFill/>
+        </p:spPr>
+        <p:txBody>
+          <a:bodyPr wrap="square" rtlCol="0">
+            <a:spAutoFit/>
+          </a:bodyPr>
+          <a:lstStyle/>
+          <a:p>
+            <a:r>
+              <a:rPr lang="en-US" dirty="0" smtClean="0"/>
+              <a:t>/* Configuration modes */</a:t>
+            </a:r>
+            <a:endParaRPr lang="en-US" dirty="0"/>
+          </a:p>
+          <a:p>
+            <a:r>
+              <a:rPr lang="en-US" dirty="0"/>
+              <a:t>#define GPIO_INPUT 		</a:t>
+            </a:r>
+          </a:p>
+          <a:p>
+            <a:r>
+              <a:rPr lang="en-US" dirty="0"/>
+              <a:t>#define GPIO_OUTPUT	</a:t>
+            </a:r>
+            <a:endParaRPr lang="en-US" dirty="0" smtClean="0"/>
+          </a:p>
+          <a:p>
+            <a:r>
+              <a:rPr lang="en-US" dirty="0" smtClean="0"/>
+              <a:t>/* OUTPUT Levels */</a:t>
+            </a:r>
+            <a:endParaRPr lang="en-US" dirty="0"/>
+          </a:p>
+          <a:p>
+            <a:r>
+              <a:rPr lang="en-US" dirty="0"/>
+              <a:t>#define GPIO_OUTPUT_LOW		</a:t>
+            </a:r>
+          </a:p>
+          <a:p>
+            <a:r>
+              <a:rPr lang="en-US" dirty="0"/>
+              <a:t>#define GPIO_OUTPUT_HIGH	</a:t>
+            </a:r>
+            <a:endParaRPr lang="en-US" dirty="0" smtClean="0"/>
+          </a:p>
+          <a:p>
+            <a:r>
+              <a:rPr lang="en-US" dirty="0" smtClean="0"/>
+              <a:t>/* Input </a:t>
+            </a:r>
+            <a:r>
+              <a:rPr lang="en-US" dirty="0"/>
+              <a:t>Pull up/down </a:t>
+            </a:r>
+            <a:r>
+              <a:rPr lang="en-US" dirty="0" smtClean="0"/>
+              <a:t>configurations */</a:t>
+            </a:r>
+            <a:endParaRPr lang="en-US" dirty="0"/>
+          </a:p>
+          <a:p>
+            <a:r>
+              <a:rPr lang="en-US" dirty="0"/>
+              <a:t>#define </a:t>
+            </a:r>
+            <a:r>
+              <a:rPr lang="en-US" dirty="0" smtClean="0"/>
+              <a:t>GPIO_INPUT_PULLUP</a:t>
+            </a:r>
+            <a:endParaRPr lang="en-US" dirty="0"/>
+          </a:p>
+          <a:p>
+            <a:r>
+              <a:rPr lang="en-US" dirty="0"/>
+              <a:t>#define GPIO_INPUT_PULLDOWN 	</a:t>
+            </a:r>
+          </a:p>
+        </p:txBody>
+      </p:sp>
+    </p:spTree>
+    <p:extLst>
+      <p:ext uri="{BB962C8B-B14F-4D97-AF65-F5344CB8AC3E}">
+        <p14:creationId xmlns:p14="http://schemas.microsoft.com/office/powerpoint/2010/main" val="4106087850"/>
+      </p:ext>
+    </p:extLst>
+  </p:cSld>
+  <p:clrMapOvr>
+    <a:masterClrMapping/>
+  </p:clrMapOvr>
+</p:sld>
+</file>
+
+<file path=ppt/slides/slide3.xml><?xml version="1.0" encoding="utf-8"?>
+<p:sld xmlns:a="http://schemas.openxmlformats.org/drawingml/2006/main" xmlns:r="http://schemas.openxmlformats.org/officeDocument/2006/relationships" xmlns:p="http://schemas.openxmlformats.org/presentationml/2006/main">
+  <p:cSld>
+    <p:spTree>
+      <p:nvGrpSpPr>
+        <p:cNvPr id="1" name=""/>
+        <p:cNvGrpSpPr/>
+        <p:nvPr/>
+      </p:nvGrpSpPr>
+      <p:grpSpPr>
+        <a:xfrm>
+          <a:off x="0" y="0"/>
+          <a:ext cx="0" cy="0"/>
+          <a:chOff x="0" y="0"/>
+          <a:chExt cx="0" cy="0"/>
+        </a:xfrm>
+      </p:grpSpPr>
+      <p:sp>
+        <p:nvSpPr>
+          <p:cNvPr id="2" name="Google Shape;56;p13">
             <a:extLst>
               <a:ext uri="{FF2B5EF4-FFF2-40B4-BE49-F238E27FC236}">
-                <a16:creationId xmlns:a16="http://schemas.microsoft.com/office/drawing/2014/main" id="{2C839146-D81F-43CC-95A2-E552BF6D9CFF}"/>
+                <a16:creationId xmlns:a16="http://schemas.microsoft.com/office/drawing/2014/main" id="{79EB80B1-2C1A-42EE-8AE0-04BE39E8BEC6}"/>
               </a:ext>
             </a:extLst>
           </p:cNvPr>
@@ -5351,8 +5123,311 @@
         </p:nvSpPr>
         <p:spPr>
           <a:xfrm>
-            <a:off x="4327191" y="1140747"/>
-            <a:ext cx="5599964" cy="1004966"/>
+            <a:off x="1242645" y="1414734"/>
+            <a:ext cx="1969477" cy="1234679"/>
+          </a:xfrm>
+          <a:prstGeom prst="rect">
+            <a:avLst/>
+          </a:prstGeom>
+          <a:solidFill>
+            <a:schemeClr val="accent5">
+              <a:lumMod val="60000"/>
+              <a:lumOff val="40000"/>
+            </a:schemeClr>
+          </a:solidFill>
+          <a:ln w="9525" cap="flat" cmpd="sng">
+            <a:solidFill>
+              <a:schemeClr val="dk2"/>
+            </a:solidFill>
+            <a:prstDash val="solid"/>
+            <a:round/>
+            <a:headEnd type="none" w="sm" len="sm"/>
+            <a:tailEnd type="none" w="sm" len="sm"/>
+          </a:ln>
+        </p:spPr>
+        <p:txBody>
+          <a:bodyPr spcFirstLastPara="1" wrap="square" lIns="91425" tIns="91425" rIns="91425" bIns="91425" anchor="ctr" anchorCtr="0">
+            <a:noAutofit/>
+          </a:bodyPr>
+          <a:lstStyle>
+            <a:defPPr marR="0" lvl="0" algn="l" rtl="0">
+              <a:lnSpc>
+                <a:spcPct val="100000"/>
+              </a:lnSpc>
+              <a:spcBef>
+                <a:spcPts val="0"/>
+              </a:spcBef>
+              <a:spcAft>
+                <a:spcPts val="0"/>
+              </a:spcAft>
+            </a:defPPr>
+            <a:lvl1pPr marR="0" lvl="0" algn="l" rtl="0">
+              <a:lnSpc>
+                <a:spcPct val="100000"/>
+              </a:lnSpc>
+              <a:spcBef>
+                <a:spcPts val="0"/>
+              </a:spcBef>
+              <a:spcAft>
+                <a:spcPts val="0"/>
+              </a:spcAft>
+              <a:buClr>
+                <a:srgbClr val="000000"/>
+              </a:buClr>
+              <a:buFont typeface="Arial"/>
+              <a:defRPr sz="1400" b="0" i="0" u="none" strike="noStrike" cap="none">
+                <a:solidFill>
+                  <a:srgbClr val="000000"/>
+                </a:solidFill>
+                <a:latin typeface="Arial"/>
+                <a:ea typeface="Arial"/>
+                <a:cs typeface="Arial"/>
+                <a:sym typeface="Arial"/>
+              </a:defRPr>
+            </a:lvl1pPr>
+            <a:lvl2pPr marR="0" lvl="1" algn="l" rtl="0">
+              <a:lnSpc>
+                <a:spcPct val="100000"/>
+              </a:lnSpc>
+              <a:spcBef>
+                <a:spcPts val="0"/>
+              </a:spcBef>
+              <a:spcAft>
+                <a:spcPts val="0"/>
+              </a:spcAft>
+              <a:buClr>
+                <a:srgbClr val="000000"/>
+              </a:buClr>
+              <a:buFont typeface="Arial"/>
+              <a:defRPr sz="1400" b="0" i="0" u="none" strike="noStrike" cap="none">
+                <a:solidFill>
+                  <a:srgbClr val="000000"/>
+                </a:solidFill>
+                <a:latin typeface="Arial"/>
+                <a:ea typeface="Arial"/>
+                <a:cs typeface="Arial"/>
+                <a:sym typeface="Arial"/>
+              </a:defRPr>
+            </a:lvl2pPr>
+            <a:lvl3pPr marR="0" lvl="2" algn="l" rtl="0">
+              <a:lnSpc>
+                <a:spcPct val="100000"/>
+              </a:lnSpc>
+              <a:spcBef>
+                <a:spcPts val="0"/>
+              </a:spcBef>
+              <a:spcAft>
+                <a:spcPts val="0"/>
+              </a:spcAft>
+              <a:buClr>
+                <a:srgbClr val="000000"/>
+              </a:buClr>
+              <a:buFont typeface="Arial"/>
+              <a:defRPr sz="1400" b="0" i="0" u="none" strike="noStrike" cap="none">
+                <a:solidFill>
+                  <a:srgbClr val="000000"/>
+                </a:solidFill>
+                <a:latin typeface="Arial"/>
+                <a:ea typeface="Arial"/>
+                <a:cs typeface="Arial"/>
+                <a:sym typeface="Arial"/>
+              </a:defRPr>
+            </a:lvl3pPr>
+            <a:lvl4pPr marR="0" lvl="3" algn="l" rtl="0">
+              <a:lnSpc>
+                <a:spcPct val="100000"/>
+              </a:lnSpc>
+              <a:spcBef>
+                <a:spcPts val="0"/>
+              </a:spcBef>
+              <a:spcAft>
+                <a:spcPts val="0"/>
+              </a:spcAft>
+              <a:buClr>
+                <a:srgbClr val="000000"/>
+              </a:buClr>
+              <a:buFont typeface="Arial"/>
+              <a:defRPr sz="1400" b="0" i="0" u="none" strike="noStrike" cap="none">
+                <a:solidFill>
+                  <a:srgbClr val="000000"/>
+                </a:solidFill>
+                <a:latin typeface="Arial"/>
+                <a:ea typeface="Arial"/>
+                <a:cs typeface="Arial"/>
+                <a:sym typeface="Arial"/>
+              </a:defRPr>
+            </a:lvl4pPr>
+            <a:lvl5pPr marR="0" lvl="4" algn="l" rtl="0">
+              <a:lnSpc>
+                <a:spcPct val="100000"/>
+              </a:lnSpc>
+              <a:spcBef>
+                <a:spcPts val="0"/>
+              </a:spcBef>
+              <a:spcAft>
+                <a:spcPts val="0"/>
+              </a:spcAft>
+              <a:buClr>
+                <a:srgbClr val="000000"/>
+              </a:buClr>
+              <a:buFont typeface="Arial"/>
+              <a:defRPr sz="1400" b="0" i="0" u="none" strike="noStrike" cap="none">
+                <a:solidFill>
+                  <a:srgbClr val="000000"/>
+                </a:solidFill>
+                <a:latin typeface="Arial"/>
+                <a:ea typeface="Arial"/>
+                <a:cs typeface="Arial"/>
+                <a:sym typeface="Arial"/>
+              </a:defRPr>
+            </a:lvl5pPr>
+            <a:lvl6pPr marR="0" lvl="5" algn="l" rtl="0">
+              <a:lnSpc>
+                <a:spcPct val="100000"/>
+              </a:lnSpc>
+              <a:spcBef>
+                <a:spcPts val="0"/>
+              </a:spcBef>
+              <a:spcAft>
+                <a:spcPts val="0"/>
+              </a:spcAft>
+              <a:buClr>
+                <a:srgbClr val="000000"/>
+              </a:buClr>
+              <a:buFont typeface="Arial"/>
+              <a:defRPr sz="1400" b="0" i="0" u="none" strike="noStrike" cap="none">
+                <a:solidFill>
+                  <a:srgbClr val="000000"/>
+                </a:solidFill>
+                <a:latin typeface="Arial"/>
+                <a:ea typeface="Arial"/>
+                <a:cs typeface="Arial"/>
+                <a:sym typeface="Arial"/>
+              </a:defRPr>
+            </a:lvl6pPr>
+            <a:lvl7pPr marR="0" lvl="6" algn="l" rtl="0">
+              <a:lnSpc>
+                <a:spcPct val="100000"/>
+              </a:lnSpc>
+              <a:spcBef>
+                <a:spcPts val="0"/>
+              </a:spcBef>
+              <a:spcAft>
+                <a:spcPts val="0"/>
+              </a:spcAft>
+              <a:buClr>
+                <a:srgbClr val="000000"/>
+              </a:buClr>
+              <a:buFont typeface="Arial"/>
+              <a:defRPr sz="1400" b="0" i="0" u="none" strike="noStrike" cap="none">
+                <a:solidFill>
+                  <a:srgbClr val="000000"/>
+                </a:solidFill>
+                <a:latin typeface="Arial"/>
+                <a:ea typeface="Arial"/>
+                <a:cs typeface="Arial"/>
+                <a:sym typeface="Arial"/>
+              </a:defRPr>
+            </a:lvl7pPr>
+            <a:lvl8pPr marR="0" lvl="7" algn="l" rtl="0">
+              <a:lnSpc>
+                <a:spcPct val="100000"/>
+              </a:lnSpc>
+              <a:spcBef>
+                <a:spcPts val="0"/>
+              </a:spcBef>
+              <a:spcAft>
+                <a:spcPts val="0"/>
+              </a:spcAft>
+              <a:buClr>
+                <a:srgbClr val="000000"/>
+              </a:buClr>
+              <a:buFont typeface="Arial"/>
+              <a:defRPr sz="1400" b="0" i="0" u="none" strike="noStrike" cap="none">
+                <a:solidFill>
+                  <a:srgbClr val="000000"/>
+                </a:solidFill>
+                <a:latin typeface="Arial"/>
+                <a:ea typeface="Arial"/>
+                <a:cs typeface="Arial"/>
+                <a:sym typeface="Arial"/>
+              </a:defRPr>
+            </a:lvl8pPr>
+            <a:lvl9pPr marR="0" lvl="8" algn="l" rtl="0">
+              <a:lnSpc>
+                <a:spcPct val="100000"/>
+              </a:lnSpc>
+              <a:spcBef>
+                <a:spcPts val="0"/>
+              </a:spcBef>
+              <a:spcAft>
+                <a:spcPts val="0"/>
+              </a:spcAft>
+              <a:buClr>
+                <a:srgbClr val="000000"/>
+              </a:buClr>
+              <a:buFont typeface="Arial"/>
+              <a:defRPr sz="1400" b="0" i="0" u="none" strike="noStrike" cap="none">
+                <a:solidFill>
+                  <a:srgbClr val="000000"/>
+                </a:solidFill>
+                <a:latin typeface="Arial"/>
+                <a:ea typeface="Arial"/>
+                <a:cs typeface="Arial"/>
+                <a:sym typeface="Arial"/>
+              </a:defRPr>
+            </a:lvl9pPr>
+          </a:lstStyle>
+          <a:p>
+            <a:pPr marL="0" lvl="0" indent="0" algn="ctr" rtl="0">
+              <a:spcBef>
+                <a:spcPts val="0"/>
+              </a:spcBef>
+              <a:spcAft>
+                <a:spcPts val="0"/>
+              </a:spcAft>
+              <a:buNone/>
+            </a:pPr>
+            <a:r>
+              <a:rPr lang="en" sz="1800" b="1" dirty="0"/>
+              <a:t>                                </a:t>
+            </a:r>
+            <a:r>
+              <a:rPr lang="en-US" sz="1800" b="1" dirty="0" smtClean="0"/>
+              <a:t>RCC_TivaC</a:t>
+            </a:r>
+            <a:endParaRPr sz="1800" b="1" dirty="0"/>
+          </a:p>
+          <a:p>
+            <a:pPr marL="0" lvl="0" indent="0" algn="l" rtl="0">
+              <a:spcBef>
+                <a:spcPts val="0"/>
+              </a:spcBef>
+              <a:spcAft>
+                <a:spcPts val="0"/>
+              </a:spcAft>
+              <a:buNone/>
+            </a:pPr>
+            <a:endParaRPr sz="1800" b="1" dirty="0"/>
+          </a:p>
+        </p:txBody>
+      </p:sp>
+      <p:sp>
+        <p:nvSpPr>
+          <p:cNvPr id="3" name="Google Shape;65;p13">
+            <a:extLst>
+              <a:ext uri="{FF2B5EF4-FFF2-40B4-BE49-F238E27FC236}">
+                <a16:creationId xmlns:a16="http://schemas.microsoft.com/office/drawing/2014/main" id="{633E69C2-9153-40F5-9A09-0F9130105E5A}"/>
+              </a:ext>
+            </a:extLst>
+          </p:cNvPr>
+          <p:cNvSpPr/>
+          <p:nvPr/>
+        </p:nvSpPr>
+        <p:spPr>
+          <a:xfrm>
+            <a:off x="4157785" y="1414733"/>
+            <a:ext cx="7166708" cy="1234680"/>
           </a:xfrm>
           <a:prstGeom prst="roundRect">
             <a:avLst>
@@ -5609,127 +5684,44 @@
             </a:lvl9pPr>
           </a:lstStyle>
           <a:p>
+            <a:pPr lvl="0"/>
+            <a:endParaRPr lang="en-US" dirty="0"/>
+          </a:p>
+          <a:p>
+            <a:pPr lvl="0"/>
+            <a:r>
+              <a:rPr lang="en-US" dirty="0" smtClean="0"/>
+              <a:t>ERROR_S  </a:t>
+            </a:r>
+            <a:r>
+              <a:rPr lang="en-US" dirty="0" err="1" smtClean="0"/>
+              <a:t>RCC_EnableGPIOClock</a:t>
+            </a:r>
+            <a:r>
+              <a:rPr lang="en-US" dirty="0" smtClean="0"/>
+              <a:t> </a:t>
+            </a:r>
             <a:r>
               <a:rPr lang="en-US" dirty="0"/>
-              <a:t>ERROR_S</a:t>
-            </a:r>
-            <a:r>
-              <a:rPr lang="pl-PL" dirty="0">
-                <a:solidFill>
-                  <a:schemeClr val="dk1"/>
-                </a:solidFill>
-              </a:rPr>
-              <a:t>  </a:t>
-            </a:r>
-            <a:r>
-              <a:rPr lang="en-US" dirty="0">
-                <a:solidFill>
-                  <a:schemeClr val="dk1"/>
-                </a:solidFill>
-              </a:rPr>
-              <a:t>   RDOOR</a:t>
-            </a:r>
-            <a:r>
-              <a:rPr lang="pl-PL" dirty="0">
-                <a:solidFill>
-                  <a:schemeClr val="dk1"/>
-                </a:solidFill>
-              </a:rPr>
-              <a:t>_</a:t>
-            </a:r>
-            <a:r>
-              <a:rPr lang="en-US" dirty="0">
-                <a:solidFill>
-                  <a:schemeClr val="dk1"/>
-                </a:solidFill>
-              </a:rPr>
-              <a:t>Init</a:t>
-            </a:r>
-            <a:r>
-              <a:rPr lang="pl-PL" dirty="0">
-                <a:solidFill>
-                  <a:schemeClr val="dk1"/>
-                </a:solidFill>
-              </a:rPr>
-              <a:t>(</a:t>
-            </a:r>
-            <a:r>
-              <a:rPr lang="en-US" dirty="0">
-                <a:solidFill>
-                  <a:schemeClr val="dk1"/>
-                </a:solidFill>
-              </a:rPr>
-              <a:t>void</a:t>
-            </a:r>
-            <a:r>
-              <a:rPr lang="pl-PL" dirty="0">
-                <a:solidFill>
-                  <a:schemeClr val="dk1"/>
-                </a:solidFill>
-              </a:rPr>
+              <a:t>(u8 peripheral </a:t>
+            </a:r>
+            <a:r>
+              <a:rPr lang="en-US" dirty="0" smtClean="0"/>
               <a:t>)</a:t>
             </a:r>
-            <a:endParaRPr lang="en" dirty="0">
-              <a:solidFill>
-                <a:schemeClr val="dk1"/>
-              </a:solidFill>
-            </a:endParaRPr>
-          </a:p>
-          <a:p>
-            <a:pPr lvl="0"/>
-            <a:r>
-              <a:rPr lang="en-US" dirty="0"/>
-              <a:t>ERROR_S</a:t>
-            </a:r>
-            <a:r>
-              <a:rPr lang="en" dirty="0">
-                <a:solidFill>
-                  <a:schemeClr val="dk1"/>
-                </a:solidFill>
-              </a:rPr>
-              <a:t>     RDOOR_</a:t>
-            </a:r>
-            <a:r>
-              <a:rPr lang="en-US" dirty="0" err="1">
-                <a:solidFill>
-                  <a:schemeClr val="dk1"/>
-                </a:solidFill>
-              </a:rPr>
-              <a:t>ReadStatus</a:t>
-            </a:r>
-            <a:r>
-              <a:rPr lang="en" dirty="0">
-                <a:solidFill>
-                  <a:schemeClr val="dk1"/>
-                </a:solidFill>
-              </a:rPr>
-              <a:t>(</a:t>
-            </a:r>
-            <a:r>
-              <a:rPr lang="en-US" dirty="0">
-                <a:solidFill>
-                  <a:schemeClr val="dk1"/>
-                </a:solidFill>
-              </a:rPr>
-              <a:t>u8* value</a:t>
-            </a:r>
-            <a:r>
-              <a:rPr lang="en" dirty="0">
-                <a:solidFill>
-                  <a:schemeClr val="dk1"/>
-                </a:solidFill>
-              </a:rPr>
-              <a:t>)</a:t>
-            </a:r>
+            <a:endParaRPr lang="en-US" dirty="0"/>
+          </a:p>
+          <a:p>
+            <a:endParaRPr lang="en-US" dirty="0"/>
           </a:p>
         </p:txBody>
       </p:sp>
       <p:sp>
         <p:nvSpPr>
-          <p:cNvPr id="9" name="Google Shape;56;p13">
+          <p:cNvPr id="4" name="Google Shape;65;p13">
             <a:extLst>
               <a:ext uri="{FF2B5EF4-FFF2-40B4-BE49-F238E27FC236}">
-                <a16:creationId xmlns:a16="http://schemas.microsoft.com/office/drawing/2014/main" id="{2694BD9B-CF78-44B1-8E09-EF522F837EEB}"/>
+                <a16:creationId xmlns:a16="http://schemas.microsoft.com/office/drawing/2014/main" id="{633E69C2-9153-40F5-9A09-0F9130105E5A}"/>
               </a:ext>
             </a:extLst>
           </p:cNvPr>
@@ -5738,8 +5730,894 @@
         </p:nvSpPr>
         <p:spPr>
           <a:xfrm>
-            <a:off x="2364377" y="1140747"/>
-            <a:ext cx="1069918" cy="967424"/>
+            <a:off x="4157785" y="2997349"/>
+            <a:ext cx="7166708" cy="2348374"/>
+          </a:xfrm>
+          <a:prstGeom prst="roundRect">
+            <a:avLst>
+              <a:gd name="adj" fmla="val 16667"/>
+            </a:avLst>
+          </a:prstGeom>
+          <a:solidFill>
+            <a:schemeClr val="accent4">
+              <a:lumMod val="40000"/>
+              <a:lumOff val="60000"/>
+            </a:schemeClr>
+          </a:solidFill>
+          <a:ln w="9525" cap="flat" cmpd="sng">
+            <a:solidFill>
+              <a:schemeClr val="dk2"/>
+            </a:solidFill>
+            <a:prstDash val="solid"/>
+            <a:round/>
+            <a:headEnd type="none" w="sm" len="sm"/>
+            <a:tailEnd type="none" w="sm" len="sm"/>
+          </a:ln>
+        </p:spPr>
+        <p:txBody>
+          <a:bodyPr spcFirstLastPara="1" wrap="square" lIns="91425" tIns="91425" rIns="91425" bIns="91425" anchor="ctr" anchorCtr="0">
+            <a:noAutofit/>
+          </a:bodyPr>
+          <a:lstStyle>
+            <a:defPPr marR="0" lvl="0" algn="l" rtl="0">
+              <a:lnSpc>
+                <a:spcPct val="100000"/>
+              </a:lnSpc>
+              <a:spcBef>
+                <a:spcPts val="0"/>
+              </a:spcBef>
+              <a:spcAft>
+                <a:spcPts val="0"/>
+              </a:spcAft>
+            </a:defPPr>
+            <a:lvl1pPr marR="0" lvl="0" algn="l" rtl="0">
+              <a:lnSpc>
+                <a:spcPct val="100000"/>
+              </a:lnSpc>
+              <a:spcBef>
+                <a:spcPts val="0"/>
+              </a:spcBef>
+              <a:spcAft>
+                <a:spcPts val="0"/>
+              </a:spcAft>
+              <a:buClr>
+                <a:srgbClr val="000000"/>
+              </a:buClr>
+              <a:buFont typeface="Arial"/>
+              <a:defRPr sz="1400" b="0" i="0" u="none" strike="noStrike" cap="none">
+                <a:solidFill>
+                  <a:srgbClr val="000000"/>
+                </a:solidFill>
+                <a:latin typeface="Arial"/>
+                <a:ea typeface="Arial"/>
+                <a:cs typeface="Arial"/>
+                <a:sym typeface="Arial"/>
+              </a:defRPr>
+            </a:lvl1pPr>
+            <a:lvl2pPr marR="0" lvl="1" algn="l" rtl="0">
+              <a:lnSpc>
+                <a:spcPct val="100000"/>
+              </a:lnSpc>
+              <a:spcBef>
+                <a:spcPts val="0"/>
+              </a:spcBef>
+              <a:spcAft>
+                <a:spcPts val="0"/>
+              </a:spcAft>
+              <a:buClr>
+                <a:srgbClr val="000000"/>
+              </a:buClr>
+              <a:buFont typeface="Arial"/>
+              <a:defRPr sz="1400" b="0" i="0" u="none" strike="noStrike" cap="none">
+                <a:solidFill>
+                  <a:srgbClr val="000000"/>
+                </a:solidFill>
+                <a:latin typeface="Arial"/>
+                <a:ea typeface="Arial"/>
+                <a:cs typeface="Arial"/>
+                <a:sym typeface="Arial"/>
+              </a:defRPr>
+            </a:lvl2pPr>
+            <a:lvl3pPr marR="0" lvl="2" algn="l" rtl="0">
+              <a:lnSpc>
+                <a:spcPct val="100000"/>
+              </a:lnSpc>
+              <a:spcBef>
+                <a:spcPts val="0"/>
+              </a:spcBef>
+              <a:spcAft>
+                <a:spcPts val="0"/>
+              </a:spcAft>
+              <a:buClr>
+                <a:srgbClr val="000000"/>
+              </a:buClr>
+              <a:buFont typeface="Arial"/>
+              <a:defRPr sz="1400" b="0" i="0" u="none" strike="noStrike" cap="none">
+                <a:solidFill>
+                  <a:srgbClr val="000000"/>
+                </a:solidFill>
+                <a:latin typeface="Arial"/>
+                <a:ea typeface="Arial"/>
+                <a:cs typeface="Arial"/>
+                <a:sym typeface="Arial"/>
+              </a:defRPr>
+            </a:lvl3pPr>
+            <a:lvl4pPr marR="0" lvl="3" algn="l" rtl="0">
+              <a:lnSpc>
+                <a:spcPct val="100000"/>
+              </a:lnSpc>
+              <a:spcBef>
+                <a:spcPts val="0"/>
+              </a:spcBef>
+              <a:spcAft>
+                <a:spcPts val="0"/>
+              </a:spcAft>
+              <a:buClr>
+                <a:srgbClr val="000000"/>
+              </a:buClr>
+              <a:buFont typeface="Arial"/>
+              <a:defRPr sz="1400" b="0" i="0" u="none" strike="noStrike" cap="none">
+                <a:solidFill>
+                  <a:srgbClr val="000000"/>
+                </a:solidFill>
+                <a:latin typeface="Arial"/>
+                <a:ea typeface="Arial"/>
+                <a:cs typeface="Arial"/>
+                <a:sym typeface="Arial"/>
+              </a:defRPr>
+            </a:lvl4pPr>
+            <a:lvl5pPr marR="0" lvl="4" algn="l" rtl="0">
+              <a:lnSpc>
+                <a:spcPct val="100000"/>
+              </a:lnSpc>
+              <a:spcBef>
+                <a:spcPts val="0"/>
+              </a:spcBef>
+              <a:spcAft>
+                <a:spcPts val="0"/>
+              </a:spcAft>
+              <a:buClr>
+                <a:srgbClr val="000000"/>
+              </a:buClr>
+              <a:buFont typeface="Arial"/>
+              <a:defRPr sz="1400" b="0" i="0" u="none" strike="noStrike" cap="none">
+                <a:solidFill>
+                  <a:srgbClr val="000000"/>
+                </a:solidFill>
+                <a:latin typeface="Arial"/>
+                <a:ea typeface="Arial"/>
+                <a:cs typeface="Arial"/>
+                <a:sym typeface="Arial"/>
+              </a:defRPr>
+            </a:lvl5pPr>
+            <a:lvl6pPr marR="0" lvl="5" algn="l" rtl="0">
+              <a:lnSpc>
+                <a:spcPct val="100000"/>
+              </a:lnSpc>
+              <a:spcBef>
+                <a:spcPts val="0"/>
+              </a:spcBef>
+              <a:spcAft>
+                <a:spcPts val="0"/>
+              </a:spcAft>
+              <a:buClr>
+                <a:srgbClr val="000000"/>
+              </a:buClr>
+              <a:buFont typeface="Arial"/>
+              <a:defRPr sz="1400" b="0" i="0" u="none" strike="noStrike" cap="none">
+                <a:solidFill>
+                  <a:srgbClr val="000000"/>
+                </a:solidFill>
+                <a:latin typeface="Arial"/>
+                <a:ea typeface="Arial"/>
+                <a:cs typeface="Arial"/>
+                <a:sym typeface="Arial"/>
+              </a:defRPr>
+            </a:lvl6pPr>
+            <a:lvl7pPr marR="0" lvl="6" algn="l" rtl="0">
+              <a:lnSpc>
+                <a:spcPct val="100000"/>
+              </a:lnSpc>
+              <a:spcBef>
+                <a:spcPts val="0"/>
+              </a:spcBef>
+              <a:spcAft>
+                <a:spcPts val="0"/>
+              </a:spcAft>
+              <a:buClr>
+                <a:srgbClr val="000000"/>
+              </a:buClr>
+              <a:buFont typeface="Arial"/>
+              <a:defRPr sz="1400" b="0" i="0" u="none" strike="noStrike" cap="none">
+                <a:solidFill>
+                  <a:srgbClr val="000000"/>
+                </a:solidFill>
+                <a:latin typeface="Arial"/>
+                <a:ea typeface="Arial"/>
+                <a:cs typeface="Arial"/>
+                <a:sym typeface="Arial"/>
+              </a:defRPr>
+            </a:lvl7pPr>
+            <a:lvl8pPr marR="0" lvl="7" algn="l" rtl="0">
+              <a:lnSpc>
+                <a:spcPct val="100000"/>
+              </a:lnSpc>
+              <a:spcBef>
+                <a:spcPts val="0"/>
+              </a:spcBef>
+              <a:spcAft>
+                <a:spcPts val="0"/>
+              </a:spcAft>
+              <a:buClr>
+                <a:srgbClr val="000000"/>
+              </a:buClr>
+              <a:buFont typeface="Arial"/>
+              <a:defRPr sz="1400" b="0" i="0" u="none" strike="noStrike" cap="none">
+                <a:solidFill>
+                  <a:srgbClr val="000000"/>
+                </a:solidFill>
+                <a:latin typeface="Arial"/>
+                <a:ea typeface="Arial"/>
+                <a:cs typeface="Arial"/>
+                <a:sym typeface="Arial"/>
+              </a:defRPr>
+            </a:lvl8pPr>
+            <a:lvl9pPr marR="0" lvl="8" algn="l" rtl="0">
+              <a:lnSpc>
+                <a:spcPct val="100000"/>
+              </a:lnSpc>
+              <a:spcBef>
+                <a:spcPts val="0"/>
+              </a:spcBef>
+              <a:spcAft>
+                <a:spcPts val="0"/>
+              </a:spcAft>
+              <a:buClr>
+                <a:srgbClr val="000000"/>
+              </a:buClr>
+              <a:buFont typeface="Arial"/>
+              <a:defRPr sz="1400" b="0" i="0" u="none" strike="noStrike" cap="none">
+                <a:solidFill>
+                  <a:srgbClr val="000000"/>
+                </a:solidFill>
+                <a:latin typeface="Arial"/>
+                <a:ea typeface="Arial"/>
+                <a:cs typeface="Arial"/>
+                <a:sym typeface="Arial"/>
+              </a:defRPr>
+            </a:lvl9pPr>
+          </a:lstStyle>
+          <a:p>
+            <a:pPr lvl="0"/>
+            <a:endParaRPr lang="en-US" dirty="0"/>
+          </a:p>
+          <a:p>
+            <a:pPr lvl="0"/>
+            <a:r>
+              <a:rPr lang="en-US" dirty="0"/>
+              <a:t> </a:t>
+            </a:r>
+            <a:r>
+              <a:rPr lang="en-US" dirty="0" smtClean="0"/>
+              <a:t>/*The </a:t>
+            </a:r>
+            <a:r>
+              <a:rPr lang="en-US" dirty="0"/>
+              <a:t>Peripheral You Want To Enable Clock </a:t>
+            </a:r>
+            <a:r>
+              <a:rPr lang="en-US" dirty="0" smtClean="0"/>
+              <a:t>*/</a:t>
+            </a:r>
+            <a:endParaRPr lang="en-US" dirty="0"/>
+          </a:p>
+          <a:p>
+            <a:pPr lvl="0"/>
+            <a:r>
+              <a:rPr lang="en-US" dirty="0" smtClean="0"/>
+              <a:t> RCC_GPIO_PORTA_CLK_EN </a:t>
+            </a:r>
+            <a:r>
+              <a:rPr lang="en-US" dirty="0"/>
+              <a:t>: GPIO Port A Clock Enable </a:t>
+            </a:r>
+          </a:p>
+          <a:p>
+            <a:pPr lvl="0"/>
+            <a:r>
+              <a:rPr lang="en-US" dirty="0" smtClean="0"/>
+              <a:t> RCC_GPIO_PORTB_CLK_EN </a:t>
+            </a:r>
+            <a:r>
+              <a:rPr lang="en-US" dirty="0"/>
+              <a:t>: GPIO Port B Clock Enable</a:t>
+            </a:r>
+          </a:p>
+          <a:p>
+            <a:pPr lvl="0"/>
+            <a:r>
+              <a:rPr lang="en-US" dirty="0" smtClean="0"/>
+              <a:t> RCC_GPIO_PORTC_CLK_EN </a:t>
+            </a:r>
+            <a:r>
+              <a:rPr lang="en-US" dirty="0"/>
+              <a:t>: GPIO Port C Clock Enable</a:t>
+            </a:r>
+          </a:p>
+          <a:p>
+            <a:pPr lvl="0"/>
+            <a:r>
+              <a:rPr lang="en-US" dirty="0" smtClean="0"/>
+              <a:t> RCC_GPIO_PORTD_CLK_EN </a:t>
+            </a:r>
+            <a:r>
+              <a:rPr lang="en-US" dirty="0"/>
+              <a:t>: GPIO Port D Clock Enable</a:t>
+            </a:r>
+          </a:p>
+          <a:p>
+            <a:pPr lvl="0"/>
+            <a:r>
+              <a:rPr lang="en-US" dirty="0"/>
+              <a:t> </a:t>
+            </a:r>
+            <a:r>
+              <a:rPr lang="en-US" dirty="0" smtClean="0"/>
+              <a:t>RCC_GPIO_PORTE_CLK_EN </a:t>
+            </a:r>
+            <a:r>
+              <a:rPr lang="en-US" dirty="0"/>
+              <a:t>: GPIO Port E Clock Enable</a:t>
+            </a:r>
+          </a:p>
+          <a:p>
+            <a:pPr lvl="0"/>
+            <a:r>
+              <a:rPr lang="en-US" dirty="0"/>
+              <a:t> </a:t>
+            </a:r>
+            <a:r>
+              <a:rPr lang="en-US" dirty="0" smtClean="0"/>
+              <a:t>RCC_GPIO_PORTF_CLK_EN </a:t>
+            </a:r>
+            <a:r>
+              <a:rPr lang="en-US" dirty="0"/>
+              <a:t>: GPIO Port F Clock Enable</a:t>
+            </a:r>
+            <a:endParaRPr lang="en-US" dirty="0"/>
+          </a:p>
+          <a:p>
+            <a:endParaRPr lang="en-US" dirty="0"/>
+          </a:p>
+        </p:txBody>
+      </p:sp>
+    </p:spTree>
+    <p:extLst>
+      <p:ext uri="{BB962C8B-B14F-4D97-AF65-F5344CB8AC3E}">
+        <p14:creationId xmlns:p14="http://schemas.microsoft.com/office/powerpoint/2010/main" val="508692142"/>
+      </p:ext>
+    </p:extLst>
+  </p:cSld>
+  <p:clrMapOvr>
+    <a:masterClrMapping/>
+  </p:clrMapOvr>
+</p:sld>
+</file>
+
+<file path=ppt/slides/slide4.xml><?xml version="1.0" encoding="utf-8"?>
+<p:sld xmlns:a="http://schemas.openxmlformats.org/drawingml/2006/main" xmlns:r="http://schemas.openxmlformats.org/officeDocument/2006/relationships" xmlns:p="http://schemas.openxmlformats.org/presentationml/2006/main">
+  <p:cSld>
+    <p:spTree>
+      <p:nvGrpSpPr>
+        <p:cNvPr id="1" name=""/>
+        <p:cNvGrpSpPr/>
+        <p:nvPr/>
+      </p:nvGrpSpPr>
+      <p:grpSpPr>
+        <a:xfrm>
+          <a:off x="0" y="0"/>
+          <a:ext cx="0" cy="0"/>
+          <a:chOff x="0" y="0"/>
+          <a:chExt cx="0" cy="0"/>
+        </a:xfrm>
+      </p:grpSpPr>
+      <p:sp>
+        <p:nvSpPr>
+          <p:cNvPr id="2" name="TextBox 1"/>
+          <p:cNvSpPr txBox="1"/>
+          <p:nvPr/>
+        </p:nvSpPr>
+        <p:spPr>
+          <a:xfrm>
+            <a:off x="1101968" y="867508"/>
+            <a:ext cx="3892062" cy="707886"/>
+          </a:xfrm>
+          <a:prstGeom prst="rect">
+            <a:avLst/>
+          </a:prstGeom>
+          <a:noFill/>
+        </p:spPr>
+        <p:txBody>
+          <a:bodyPr wrap="square" rtlCol="0">
+            <a:spAutoFit/>
+          </a:bodyPr>
+          <a:lstStyle/>
+          <a:p>
+            <a:r>
+              <a:rPr lang="en-US" sz="4000" b="1" dirty="0" smtClean="0"/>
+              <a:t>ECUAL Layer</a:t>
+            </a:r>
+            <a:endParaRPr lang="en-US" sz="4000" b="1" dirty="0"/>
+          </a:p>
+        </p:txBody>
+      </p:sp>
+      <p:sp>
+        <p:nvSpPr>
+          <p:cNvPr id="12" name="Google Shape;65;p13">
+            <a:extLst>
+              <a:ext uri="{FF2B5EF4-FFF2-40B4-BE49-F238E27FC236}">
+                <a16:creationId xmlns:a16="http://schemas.microsoft.com/office/drawing/2014/main" id="{1A067A71-8737-4676-8174-7D2D1CB53F75}"/>
+              </a:ext>
+            </a:extLst>
+          </p:cNvPr>
+          <p:cNvSpPr/>
+          <p:nvPr/>
+        </p:nvSpPr>
+        <p:spPr>
+          <a:xfrm>
+            <a:off x="3266975" y="1922377"/>
+            <a:ext cx="8502991" cy="927222"/>
+          </a:xfrm>
+          <a:prstGeom prst="roundRect">
+            <a:avLst>
+              <a:gd name="adj" fmla="val 16667"/>
+            </a:avLst>
+          </a:prstGeom>
+          <a:solidFill>
+            <a:schemeClr val="accent4">
+              <a:lumMod val="40000"/>
+              <a:lumOff val="60000"/>
+            </a:schemeClr>
+          </a:solidFill>
+          <a:ln w="9525" cap="flat" cmpd="sng">
+            <a:solidFill>
+              <a:schemeClr val="dk2"/>
+            </a:solidFill>
+            <a:prstDash val="solid"/>
+            <a:round/>
+            <a:headEnd type="none" w="sm" len="sm"/>
+            <a:tailEnd type="none" w="sm" len="sm"/>
+          </a:ln>
+        </p:spPr>
+        <p:txBody>
+          <a:bodyPr spcFirstLastPara="1" wrap="square" lIns="91425" tIns="91425" rIns="91425" bIns="91425" anchor="ctr" anchorCtr="0">
+            <a:noAutofit/>
+          </a:bodyPr>
+          <a:lstStyle>
+            <a:defPPr marR="0" lvl="0" algn="l" rtl="0">
+              <a:lnSpc>
+                <a:spcPct val="100000"/>
+              </a:lnSpc>
+              <a:spcBef>
+                <a:spcPts val="0"/>
+              </a:spcBef>
+              <a:spcAft>
+                <a:spcPts val="0"/>
+              </a:spcAft>
+            </a:defPPr>
+            <a:lvl1pPr marR="0" lvl="0" algn="l" rtl="0">
+              <a:lnSpc>
+                <a:spcPct val="100000"/>
+              </a:lnSpc>
+              <a:spcBef>
+                <a:spcPts val="0"/>
+              </a:spcBef>
+              <a:spcAft>
+                <a:spcPts val="0"/>
+              </a:spcAft>
+              <a:buClr>
+                <a:srgbClr val="000000"/>
+              </a:buClr>
+              <a:buFont typeface="Arial"/>
+              <a:defRPr sz="1400" b="0" i="0" u="none" strike="noStrike" cap="none">
+                <a:solidFill>
+                  <a:srgbClr val="000000"/>
+                </a:solidFill>
+                <a:latin typeface="Arial"/>
+                <a:ea typeface="Arial"/>
+                <a:cs typeface="Arial"/>
+                <a:sym typeface="Arial"/>
+              </a:defRPr>
+            </a:lvl1pPr>
+            <a:lvl2pPr marR="0" lvl="1" algn="l" rtl="0">
+              <a:lnSpc>
+                <a:spcPct val="100000"/>
+              </a:lnSpc>
+              <a:spcBef>
+                <a:spcPts val="0"/>
+              </a:spcBef>
+              <a:spcAft>
+                <a:spcPts val="0"/>
+              </a:spcAft>
+              <a:buClr>
+                <a:srgbClr val="000000"/>
+              </a:buClr>
+              <a:buFont typeface="Arial"/>
+              <a:defRPr sz="1400" b="0" i="0" u="none" strike="noStrike" cap="none">
+                <a:solidFill>
+                  <a:srgbClr val="000000"/>
+                </a:solidFill>
+                <a:latin typeface="Arial"/>
+                <a:ea typeface="Arial"/>
+                <a:cs typeface="Arial"/>
+                <a:sym typeface="Arial"/>
+              </a:defRPr>
+            </a:lvl2pPr>
+            <a:lvl3pPr marR="0" lvl="2" algn="l" rtl="0">
+              <a:lnSpc>
+                <a:spcPct val="100000"/>
+              </a:lnSpc>
+              <a:spcBef>
+                <a:spcPts val="0"/>
+              </a:spcBef>
+              <a:spcAft>
+                <a:spcPts val="0"/>
+              </a:spcAft>
+              <a:buClr>
+                <a:srgbClr val="000000"/>
+              </a:buClr>
+              <a:buFont typeface="Arial"/>
+              <a:defRPr sz="1400" b="0" i="0" u="none" strike="noStrike" cap="none">
+                <a:solidFill>
+                  <a:srgbClr val="000000"/>
+                </a:solidFill>
+                <a:latin typeface="Arial"/>
+                <a:ea typeface="Arial"/>
+                <a:cs typeface="Arial"/>
+                <a:sym typeface="Arial"/>
+              </a:defRPr>
+            </a:lvl3pPr>
+            <a:lvl4pPr marR="0" lvl="3" algn="l" rtl="0">
+              <a:lnSpc>
+                <a:spcPct val="100000"/>
+              </a:lnSpc>
+              <a:spcBef>
+                <a:spcPts val="0"/>
+              </a:spcBef>
+              <a:spcAft>
+                <a:spcPts val="0"/>
+              </a:spcAft>
+              <a:buClr>
+                <a:srgbClr val="000000"/>
+              </a:buClr>
+              <a:buFont typeface="Arial"/>
+              <a:defRPr sz="1400" b="0" i="0" u="none" strike="noStrike" cap="none">
+                <a:solidFill>
+                  <a:srgbClr val="000000"/>
+                </a:solidFill>
+                <a:latin typeface="Arial"/>
+                <a:ea typeface="Arial"/>
+                <a:cs typeface="Arial"/>
+                <a:sym typeface="Arial"/>
+              </a:defRPr>
+            </a:lvl4pPr>
+            <a:lvl5pPr marR="0" lvl="4" algn="l" rtl="0">
+              <a:lnSpc>
+                <a:spcPct val="100000"/>
+              </a:lnSpc>
+              <a:spcBef>
+                <a:spcPts val="0"/>
+              </a:spcBef>
+              <a:spcAft>
+                <a:spcPts val="0"/>
+              </a:spcAft>
+              <a:buClr>
+                <a:srgbClr val="000000"/>
+              </a:buClr>
+              <a:buFont typeface="Arial"/>
+              <a:defRPr sz="1400" b="0" i="0" u="none" strike="noStrike" cap="none">
+                <a:solidFill>
+                  <a:srgbClr val="000000"/>
+                </a:solidFill>
+                <a:latin typeface="Arial"/>
+                <a:ea typeface="Arial"/>
+                <a:cs typeface="Arial"/>
+                <a:sym typeface="Arial"/>
+              </a:defRPr>
+            </a:lvl5pPr>
+            <a:lvl6pPr marR="0" lvl="5" algn="l" rtl="0">
+              <a:lnSpc>
+                <a:spcPct val="100000"/>
+              </a:lnSpc>
+              <a:spcBef>
+                <a:spcPts val="0"/>
+              </a:spcBef>
+              <a:spcAft>
+                <a:spcPts val="0"/>
+              </a:spcAft>
+              <a:buClr>
+                <a:srgbClr val="000000"/>
+              </a:buClr>
+              <a:buFont typeface="Arial"/>
+              <a:defRPr sz="1400" b="0" i="0" u="none" strike="noStrike" cap="none">
+                <a:solidFill>
+                  <a:srgbClr val="000000"/>
+                </a:solidFill>
+                <a:latin typeface="Arial"/>
+                <a:ea typeface="Arial"/>
+                <a:cs typeface="Arial"/>
+                <a:sym typeface="Arial"/>
+              </a:defRPr>
+            </a:lvl6pPr>
+            <a:lvl7pPr marR="0" lvl="6" algn="l" rtl="0">
+              <a:lnSpc>
+                <a:spcPct val="100000"/>
+              </a:lnSpc>
+              <a:spcBef>
+                <a:spcPts val="0"/>
+              </a:spcBef>
+              <a:spcAft>
+                <a:spcPts val="0"/>
+              </a:spcAft>
+              <a:buClr>
+                <a:srgbClr val="000000"/>
+              </a:buClr>
+              <a:buFont typeface="Arial"/>
+              <a:defRPr sz="1400" b="0" i="0" u="none" strike="noStrike" cap="none">
+                <a:solidFill>
+                  <a:srgbClr val="000000"/>
+                </a:solidFill>
+                <a:latin typeface="Arial"/>
+                <a:ea typeface="Arial"/>
+                <a:cs typeface="Arial"/>
+                <a:sym typeface="Arial"/>
+              </a:defRPr>
+            </a:lvl7pPr>
+            <a:lvl8pPr marR="0" lvl="7" algn="l" rtl="0">
+              <a:lnSpc>
+                <a:spcPct val="100000"/>
+              </a:lnSpc>
+              <a:spcBef>
+                <a:spcPts val="0"/>
+              </a:spcBef>
+              <a:spcAft>
+                <a:spcPts val="0"/>
+              </a:spcAft>
+              <a:buClr>
+                <a:srgbClr val="000000"/>
+              </a:buClr>
+              <a:buFont typeface="Arial"/>
+              <a:defRPr sz="1400" b="0" i="0" u="none" strike="noStrike" cap="none">
+                <a:solidFill>
+                  <a:srgbClr val="000000"/>
+                </a:solidFill>
+                <a:latin typeface="Arial"/>
+                <a:ea typeface="Arial"/>
+                <a:cs typeface="Arial"/>
+                <a:sym typeface="Arial"/>
+              </a:defRPr>
+            </a:lvl8pPr>
+            <a:lvl9pPr marR="0" lvl="8" algn="l" rtl="0">
+              <a:lnSpc>
+                <a:spcPct val="100000"/>
+              </a:lnSpc>
+              <a:spcBef>
+                <a:spcPts val="0"/>
+              </a:spcBef>
+              <a:spcAft>
+                <a:spcPts val="0"/>
+              </a:spcAft>
+              <a:buClr>
+                <a:srgbClr val="000000"/>
+              </a:buClr>
+              <a:buFont typeface="Arial"/>
+              <a:defRPr sz="1400" b="0" i="0" u="none" strike="noStrike" cap="none">
+                <a:solidFill>
+                  <a:srgbClr val="000000"/>
+                </a:solidFill>
+                <a:latin typeface="Arial"/>
+                <a:ea typeface="Arial"/>
+                <a:cs typeface="Arial"/>
+                <a:sym typeface="Arial"/>
+              </a:defRPr>
+            </a:lvl9pPr>
+          </a:lstStyle>
+          <a:p>
+            <a:r>
+              <a:rPr lang="en-US" dirty="0"/>
+              <a:t>ERROR_S</a:t>
+            </a:r>
+            <a:r>
+              <a:rPr lang="pl-PL" dirty="0">
+                <a:solidFill>
+                  <a:schemeClr val="dk1"/>
+                </a:solidFill>
+              </a:rPr>
+              <a:t>  </a:t>
+            </a:r>
+            <a:r>
+              <a:rPr lang="en-US" dirty="0">
+                <a:solidFill>
+                  <a:schemeClr val="dk1"/>
+                </a:solidFill>
+              </a:rPr>
+              <a:t>  </a:t>
+            </a:r>
+            <a:r>
+              <a:rPr lang="en-US" dirty="0" err="1" smtClean="0">
+                <a:solidFill>
+                  <a:schemeClr val="dk1"/>
+                </a:solidFill>
+              </a:rPr>
+              <a:t>DoorSwitch</a:t>
+            </a:r>
+            <a:r>
+              <a:rPr lang="pl-PL" dirty="0" smtClean="0">
+                <a:solidFill>
+                  <a:schemeClr val="dk1"/>
+                </a:solidFill>
+              </a:rPr>
+              <a:t>_</a:t>
+            </a:r>
+            <a:r>
+              <a:rPr lang="en-US" dirty="0">
+                <a:solidFill>
+                  <a:schemeClr val="dk1"/>
+                </a:solidFill>
+              </a:rPr>
+              <a:t>Init</a:t>
+            </a:r>
+            <a:r>
+              <a:rPr lang="pl-PL" dirty="0">
+                <a:solidFill>
+                  <a:schemeClr val="dk1"/>
+                </a:solidFill>
+              </a:rPr>
+              <a:t>(u8  switch</a:t>
+            </a:r>
+            <a:r>
+              <a:rPr lang="en-US" dirty="0">
+                <a:solidFill>
+                  <a:schemeClr val="dk1"/>
+                </a:solidFill>
+              </a:rPr>
+              <a:t>_</a:t>
+            </a:r>
+            <a:r>
+              <a:rPr lang="en-US" dirty="0" err="1">
+                <a:solidFill>
+                  <a:schemeClr val="dk1"/>
+                </a:solidFill>
+              </a:rPr>
+              <a:t>ch_No</a:t>
+            </a:r>
+            <a:r>
+              <a:rPr lang="pl-PL" dirty="0">
+                <a:solidFill>
+                  <a:schemeClr val="dk1"/>
+                </a:solidFill>
+              </a:rPr>
+              <a:t>)</a:t>
+            </a:r>
+            <a:endParaRPr lang="en" dirty="0">
+              <a:solidFill>
+                <a:schemeClr val="dk1"/>
+              </a:solidFill>
+            </a:endParaRPr>
+          </a:p>
+          <a:p>
+            <a:pPr lvl="0"/>
+            <a:r>
+              <a:rPr lang="en-US" dirty="0"/>
+              <a:t>ERROR_S</a:t>
+            </a:r>
+            <a:r>
+              <a:rPr lang="en" dirty="0">
+                <a:solidFill>
+                  <a:schemeClr val="dk1"/>
+                </a:solidFill>
+              </a:rPr>
+              <a:t>    </a:t>
+            </a:r>
+            <a:r>
+              <a:rPr lang="en" dirty="0" smtClean="0">
+                <a:solidFill>
+                  <a:schemeClr val="dk1"/>
+                </a:solidFill>
+              </a:rPr>
+              <a:t>DoorSwitch</a:t>
+            </a:r>
+            <a:r>
+              <a:rPr lang="en" dirty="0" smtClean="0">
+                <a:solidFill>
+                  <a:schemeClr val="dk1"/>
+                </a:solidFill>
+              </a:rPr>
+              <a:t>_</a:t>
+            </a:r>
+            <a:r>
+              <a:rPr lang="en-US" dirty="0">
+                <a:solidFill>
+                  <a:schemeClr val="dk1"/>
+                </a:solidFill>
+              </a:rPr>
+              <a:t>Read</a:t>
+            </a:r>
+            <a:r>
+              <a:rPr lang="en" dirty="0">
+                <a:solidFill>
+                  <a:schemeClr val="dk1"/>
+                </a:solidFill>
+              </a:rPr>
+              <a:t>(</a:t>
+            </a:r>
+            <a:r>
+              <a:rPr lang="en-US" dirty="0">
+                <a:solidFill>
+                  <a:schemeClr val="dk1"/>
+                </a:solidFill>
+              </a:rPr>
+              <a:t>u8 </a:t>
+            </a:r>
+            <a:r>
+              <a:rPr lang="pl-PL" dirty="0">
+                <a:solidFill>
+                  <a:schemeClr val="dk1"/>
+                </a:solidFill>
+              </a:rPr>
+              <a:t>switch</a:t>
+            </a:r>
+            <a:r>
+              <a:rPr lang="en-US" dirty="0">
+                <a:solidFill>
+                  <a:schemeClr val="dk1"/>
+                </a:solidFill>
+              </a:rPr>
+              <a:t>_</a:t>
+            </a:r>
+            <a:r>
+              <a:rPr lang="en-US" dirty="0" err="1">
+                <a:solidFill>
+                  <a:schemeClr val="dk1"/>
+                </a:solidFill>
+              </a:rPr>
+              <a:t>ch_No</a:t>
+            </a:r>
+            <a:r>
+              <a:rPr lang="en-US" dirty="0">
+                <a:solidFill>
+                  <a:schemeClr val="dk1"/>
+                </a:solidFill>
+              </a:rPr>
+              <a:t>, u8* value</a:t>
+            </a:r>
+            <a:r>
+              <a:rPr lang="en" dirty="0">
+                <a:solidFill>
+                  <a:schemeClr val="dk1"/>
+                </a:solidFill>
+              </a:rPr>
+              <a:t>)</a:t>
+            </a:r>
+          </a:p>
+        </p:txBody>
+      </p:sp>
+      <p:sp>
+        <p:nvSpPr>
+          <p:cNvPr id="14" name="Google Shape;56;p13">
+            <a:extLst>
+              <a:ext uri="{FF2B5EF4-FFF2-40B4-BE49-F238E27FC236}">
+                <a16:creationId xmlns:a16="http://schemas.microsoft.com/office/drawing/2014/main" id="{3D9B5B3A-0ADE-4B7B-B609-BBBAAF3FCFA9}"/>
+              </a:ext>
+            </a:extLst>
+          </p:cNvPr>
+          <p:cNvSpPr/>
+          <p:nvPr/>
+        </p:nvSpPr>
+        <p:spPr>
+          <a:xfrm>
+            <a:off x="1337613" y="1922377"/>
+            <a:ext cx="1624564" cy="1477315"/>
           </a:xfrm>
           <a:prstGeom prst="rect">
             <a:avLst/>
@@ -6012,7 +6890,7 @@
             <a:pPr lvl="0" algn="ctr"/>
             <a:r>
               <a:rPr lang="en-US" sz="1800" b="1" dirty="0"/>
-              <a:t>RDOOR</a:t>
+              <a:t>SWITCH</a:t>
             </a:r>
             <a:endParaRPr sz="1800" b="1" dirty="0"/>
           </a:p>
@@ -6027,13 +6905,387 @@
               <a:buNone/>
             </a:pPr>
             <a:endParaRPr sz="1800" b="1" dirty="0"/>
+          </a:p>
+        </p:txBody>
+      </p:sp>
+      <p:sp>
+        <p:nvSpPr>
+          <p:cNvPr id="17" name="Google Shape;65;p13">
+            <a:extLst>
+              <a:ext uri="{FF2B5EF4-FFF2-40B4-BE49-F238E27FC236}">
+                <a16:creationId xmlns:a16="http://schemas.microsoft.com/office/drawing/2014/main" id="{1A067A71-8737-4676-8174-7D2D1CB53F75}"/>
+              </a:ext>
+            </a:extLst>
+          </p:cNvPr>
+          <p:cNvSpPr/>
+          <p:nvPr/>
+        </p:nvSpPr>
+        <p:spPr>
+          <a:xfrm>
+            <a:off x="3266976" y="3012726"/>
+            <a:ext cx="8502991" cy="1621605"/>
+          </a:xfrm>
+          <a:prstGeom prst="roundRect">
+            <a:avLst>
+              <a:gd name="adj" fmla="val 16667"/>
+            </a:avLst>
+          </a:prstGeom>
+          <a:solidFill>
+            <a:schemeClr val="accent4">
+              <a:lumMod val="40000"/>
+              <a:lumOff val="60000"/>
+            </a:schemeClr>
+          </a:solidFill>
+          <a:ln w="9525" cap="flat" cmpd="sng">
+            <a:solidFill>
+              <a:schemeClr val="dk2"/>
+            </a:solidFill>
+            <a:prstDash val="solid"/>
+            <a:round/>
+            <a:headEnd type="none" w="sm" len="sm"/>
+            <a:tailEnd type="none" w="sm" len="sm"/>
+          </a:ln>
+        </p:spPr>
+        <p:txBody>
+          <a:bodyPr spcFirstLastPara="1" wrap="square" lIns="91425" tIns="91425" rIns="91425" bIns="91425" anchor="ctr" anchorCtr="0">
+            <a:noAutofit/>
+          </a:bodyPr>
+          <a:lstStyle>
+            <a:defPPr marR="0" lvl="0" algn="l" rtl="0">
+              <a:lnSpc>
+                <a:spcPct val="100000"/>
+              </a:lnSpc>
+              <a:spcBef>
+                <a:spcPts val="0"/>
+              </a:spcBef>
+              <a:spcAft>
+                <a:spcPts val="0"/>
+              </a:spcAft>
+            </a:defPPr>
+            <a:lvl1pPr marR="0" lvl="0" algn="l" rtl="0">
+              <a:lnSpc>
+                <a:spcPct val="100000"/>
+              </a:lnSpc>
+              <a:spcBef>
+                <a:spcPts val="0"/>
+              </a:spcBef>
+              <a:spcAft>
+                <a:spcPts val="0"/>
+              </a:spcAft>
+              <a:buClr>
+                <a:srgbClr val="000000"/>
+              </a:buClr>
+              <a:buFont typeface="Arial"/>
+              <a:defRPr sz="1400" b="0" i="0" u="none" strike="noStrike" cap="none">
+                <a:solidFill>
+                  <a:srgbClr val="000000"/>
+                </a:solidFill>
+                <a:latin typeface="Arial"/>
+                <a:ea typeface="Arial"/>
+                <a:cs typeface="Arial"/>
+                <a:sym typeface="Arial"/>
+              </a:defRPr>
+            </a:lvl1pPr>
+            <a:lvl2pPr marR="0" lvl="1" algn="l" rtl="0">
+              <a:lnSpc>
+                <a:spcPct val="100000"/>
+              </a:lnSpc>
+              <a:spcBef>
+                <a:spcPts val="0"/>
+              </a:spcBef>
+              <a:spcAft>
+                <a:spcPts val="0"/>
+              </a:spcAft>
+              <a:buClr>
+                <a:srgbClr val="000000"/>
+              </a:buClr>
+              <a:buFont typeface="Arial"/>
+              <a:defRPr sz="1400" b="0" i="0" u="none" strike="noStrike" cap="none">
+                <a:solidFill>
+                  <a:srgbClr val="000000"/>
+                </a:solidFill>
+                <a:latin typeface="Arial"/>
+                <a:ea typeface="Arial"/>
+                <a:cs typeface="Arial"/>
+                <a:sym typeface="Arial"/>
+              </a:defRPr>
+            </a:lvl2pPr>
+            <a:lvl3pPr marR="0" lvl="2" algn="l" rtl="0">
+              <a:lnSpc>
+                <a:spcPct val="100000"/>
+              </a:lnSpc>
+              <a:spcBef>
+                <a:spcPts val="0"/>
+              </a:spcBef>
+              <a:spcAft>
+                <a:spcPts val="0"/>
+              </a:spcAft>
+              <a:buClr>
+                <a:srgbClr val="000000"/>
+              </a:buClr>
+              <a:buFont typeface="Arial"/>
+              <a:defRPr sz="1400" b="0" i="0" u="none" strike="noStrike" cap="none">
+                <a:solidFill>
+                  <a:srgbClr val="000000"/>
+                </a:solidFill>
+                <a:latin typeface="Arial"/>
+                <a:ea typeface="Arial"/>
+                <a:cs typeface="Arial"/>
+                <a:sym typeface="Arial"/>
+              </a:defRPr>
+            </a:lvl3pPr>
+            <a:lvl4pPr marR="0" lvl="3" algn="l" rtl="0">
+              <a:lnSpc>
+                <a:spcPct val="100000"/>
+              </a:lnSpc>
+              <a:spcBef>
+                <a:spcPts val="0"/>
+              </a:spcBef>
+              <a:spcAft>
+                <a:spcPts val="0"/>
+              </a:spcAft>
+              <a:buClr>
+                <a:srgbClr val="000000"/>
+              </a:buClr>
+              <a:buFont typeface="Arial"/>
+              <a:defRPr sz="1400" b="0" i="0" u="none" strike="noStrike" cap="none">
+                <a:solidFill>
+                  <a:srgbClr val="000000"/>
+                </a:solidFill>
+                <a:latin typeface="Arial"/>
+                <a:ea typeface="Arial"/>
+                <a:cs typeface="Arial"/>
+                <a:sym typeface="Arial"/>
+              </a:defRPr>
+            </a:lvl4pPr>
+            <a:lvl5pPr marR="0" lvl="4" algn="l" rtl="0">
+              <a:lnSpc>
+                <a:spcPct val="100000"/>
+              </a:lnSpc>
+              <a:spcBef>
+                <a:spcPts val="0"/>
+              </a:spcBef>
+              <a:spcAft>
+                <a:spcPts val="0"/>
+              </a:spcAft>
+              <a:buClr>
+                <a:srgbClr val="000000"/>
+              </a:buClr>
+              <a:buFont typeface="Arial"/>
+              <a:defRPr sz="1400" b="0" i="0" u="none" strike="noStrike" cap="none">
+                <a:solidFill>
+                  <a:srgbClr val="000000"/>
+                </a:solidFill>
+                <a:latin typeface="Arial"/>
+                <a:ea typeface="Arial"/>
+                <a:cs typeface="Arial"/>
+                <a:sym typeface="Arial"/>
+              </a:defRPr>
+            </a:lvl5pPr>
+            <a:lvl6pPr marR="0" lvl="5" algn="l" rtl="0">
+              <a:lnSpc>
+                <a:spcPct val="100000"/>
+              </a:lnSpc>
+              <a:spcBef>
+                <a:spcPts val="0"/>
+              </a:spcBef>
+              <a:spcAft>
+                <a:spcPts val="0"/>
+              </a:spcAft>
+              <a:buClr>
+                <a:srgbClr val="000000"/>
+              </a:buClr>
+              <a:buFont typeface="Arial"/>
+              <a:defRPr sz="1400" b="0" i="0" u="none" strike="noStrike" cap="none">
+                <a:solidFill>
+                  <a:srgbClr val="000000"/>
+                </a:solidFill>
+                <a:latin typeface="Arial"/>
+                <a:ea typeface="Arial"/>
+                <a:cs typeface="Arial"/>
+                <a:sym typeface="Arial"/>
+              </a:defRPr>
+            </a:lvl6pPr>
+            <a:lvl7pPr marR="0" lvl="6" algn="l" rtl="0">
+              <a:lnSpc>
+                <a:spcPct val="100000"/>
+              </a:lnSpc>
+              <a:spcBef>
+                <a:spcPts val="0"/>
+              </a:spcBef>
+              <a:spcAft>
+                <a:spcPts val="0"/>
+              </a:spcAft>
+              <a:buClr>
+                <a:srgbClr val="000000"/>
+              </a:buClr>
+              <a:buFont typeface="Arial"/>
+              <a:defRPr sz="1400" b="0" i="0" u="none" strike="noStrike" cap="none">
+                <a:solidFill>
+                  <a:srgbClr val="000000"/>
+                </a:solidFill>
+                <a:latin typeface="Arial"/>
+                <a:ea typeface="Arial"/>
+                <a:cs typeface="Arial"/>
+                <a:sym typeface="Arial"/>
+              </a:defRPr>
+            </a:lvl7pPr>
+            <a:lvl8pPr marR="0" lvl="7" algn="l" rtl="0">
+              <a:lnSpc>
+                <a:spcPct val="100000"/>
+              </a:lnSpc>
+              <a:spcBef>
+                <a:spcPts val="0"/>
+              </a:spcBef>
+              <a:spcAft>
+                <a:spcPts val="0"/>
+              </a:spcAft>
+              <a:buClr>
+                <a:srgbClr val="000000"/>
+              </a:buClr>
+              <a:buFont typeface="Arial"/>
+              <a:defRPr sz="1400" b="0" i="0" u="none" strike="noStrike" cap="none">
+                <a:solidFill>
+                  <a:srgbClr val="000000"/>
+                </a:solidFill>
+                <a:latin typeface="Arial"/>
+                <a:ea typeface="Arial"/>
+                <a:cs typeface="Arial"/>
+                <a:sym typeface="Arial"/>
+              </a:defRPr>
+            </a:lvl8pPr>
+            <a:lvl9pPr marR="0" lvl="8" algn="l" rtl="0">
+              <a:lnSpc>
+                <a:spcPct val="100000"/>
+              </a:lnSpc>
+              <a:spcBef>
+                <a:spcPts val="0"/>
+              </a:spcBef>
+              <a:spcAft>
+                <a:spcPts val="0"/>
+              </a:spcAft>
+              <a:buClr>
+                <a:srgbClr val="000000"/>
+              </a:buClr>
+              <a:buFont typeface="Arial"/>
+              <a:defRPr sz="1400" b="0" i="0" u="none" strike="noStrike" cap="none">
+                <a:solidFill>
+                  <a:srgbClr val="000000"/>
+                </a:solidFill>
+                <a:latin typeface="Arial"/>
+                <a:ea typeface="Arial"/>
+                <a:cs typeface="Arial"/>
+                <a:sym typeface="Arial"/>
+              </a:defRPr>
+            </a:lvl9pPr>
+          </a:lstStyle>
+          <a:p>
+            <a:r>
+              <a:rPr lang="en-US" dirty="0">
+                <a:solidFill>
+                  <a:schemeClr val="dk1"/>
+                </a:solidFill>
+              </a:rPr>
+              <a:t>#define   MAX_SWITCHES_NO    </a:t>
+            </a:r>
+            <a:r>
+              <a:rPr lang="en-US" dirty="0" smtClean="0">
+                <a:solidFill>
+                  <a:schemeClr val="dk1"/>
+                </a:solidFill>
+              </a:rPr>
+              <a:t>2</a:t>
+            </a:r>
+            <a:endParaRPr lang="en-US" dirty="0">
+              <a:solidFill>
+                <a:schemeClr val="dk1"/>
+              </a:solidFill>
+            </a:endParaRPr>
+          </a:p>
+          <a:p>
+            <a:r>
+              <a:rPr lang="en-US" dirty="0">
+                <a:solidFill>
+                  <a:schemeClr val="dk1"/>
+                </a:solidFill>
+              </a:rPr>
+              <a:t>#define   SWITCH_CH1         0</a:t>
+            </a:r>
+          </a:p>
+          <a:p>
+            <a:r>
+              <a:rPr lang="en-US" dirty="0">
+                <a:solidFill>
+                  <a:schemeClr val="dk1"/>
+                </a:solidFill>
+              </a:rPr>
+              <a:t>#define   SWITCH1_PIN     GPIO_PIN0</a:t>
+            </a:r>
+          </a:p>
+          <a:p>
+            <a:r>
+              <a:rPr lang="en-US" dirty="0">
+                <a:solidFill>
+                  <a:schemeClr val="dk1"/>
+                </a:solidFill>
+              </a:rPr>
+              <a:t>#define   SWITCH1_PORT    </a:t>
+            </a:r>
+            <a:r>
+              <a:rPr lang="en-US" dirty="0" smtClean="0">
+                <a:solidFill>
+                  <a:schemeClr val="dk1"/>
+                </a:solidFill>
+              </a:rPr>
+              <a:t>GPIO_PORTA</a:t>
+            </a:r>
+            <a:endParaRPr lang="en-US" dirty="0">
+              <a:solidFill>
+                <a:schemeClr val="dk1"/>
+              </a:solidFill>
+            </a:endParaRPr>
+          </a:p>
+          <a:p>
+            <a:r>
+              <a:rPr lang="en-US" dirty="0">
+                <a:solidFill>
+                  <a:schemeClr val="dk1"/>
+                </a:solidFill>
+              </a:rPr>
+              <a:t>#define   SWITCH_CH2         1</a:t>
+            </a:r>
+          </a:p>
+          <a:p>
+            <a:r>
+              <a:rPr lang="en-US" dirty="0">
+                <a:solidFill>
+                  <a:schemeClr val="dk1"/>
+                </a:solidFill>
+              </a:rPr>
+              <a:t>#define   SWITCH2_PIN     GPIO_PIN1</a:t>
+            </a:r>
+          </a:p>
+          <a:p>
+            <a:r>
+              <a:rPr lang="en-US" dirty="0">
+                <a:solidFill>
+                  <a:schemeClr val="dk1"/>
+                </a:solidFill>
+              </a:rPr>
+              <a:t>#define   SWITCH2_PORT    GPIO_PORTA</a:t>
+            </a:r>
+            <a:endParaRPr lang="en" dirty="0">
+              <a:solidFill>
+                <a:schemeClr val="dk1"/>
+              </a:solidFill>
+            </a:endParaRPr>
           </a:p>
         </p:txBody>
       </p:sp>
     </p:spTree>
     <p:extLst>
       <p:ext uri="{BB962C8B-B14F-4D97-AF65-F5344CB8AC3E}">
-        <p14:creationId xmlns:p14="http://schemas.microsoft.com/office/powerpoint/2010/main" val="374789389"/>
+        <p14:creationId xmlns:p14="http://schemas.microsoft.com/office/powerpoint/2010/main" val="3275439547"/>
       </p:ext>
     </p:extLst>
   </p:cSld>
@@ -6043,7 +7295,1880 @@
 </p:sld>
 </file>
 
-<file path=ppt/slides/slide3.xml><?xml version="1.0" encoding="utf-8"?>
+<file path=ppt/slides/slide5.xml><?xml version="1.0" encoding="utf-8"?>
+<p:sld xmlns:a="http://schemas.openxmlformats.org/drawingml/2006/main" xmlns:r="http://schemas.openxmlformats.org/officeDocument/2006/relationships" xmlns:p="http://schemas.openxmlformats.org/presentationml/2006/main">
+  <p:cSld>
+    <p:spTree>
+      <p:nvGrpSpPr>
+        <p:cNvPr id="1" name=""/>
+        <p:cNvGrpSpPr/>
+        <p:nvPr/>
+      </p:nvGrpSpPr>
+      <p:grpSpPr>
+        <a:xfrm>
+          <a:off x="0" y="0"/>
+          <a:ext cx="0" cy="0"/>
+          <a:chOff x="0" y="0"/>
+          <a:chExt cx="0" cy="0"/>
+        </a:xfrm>
+      </p:grpSpPr>
+      <p:sp>
+        <p:nvSpPr>
+          <p:cNvPr id="4" name="Google Shape;56;p13">
+            <a:extLst>
+              <a:ext uri="{FF2B5EF4-FFF2-40B4-BE49-F238E27FC236}">
+                <a16:creationId xmlns:a16="http://schemas.microsoft.com/office/drawing/2014/main" id="{BA36DD68-FBFC-4C4F-A598-B6E93B4A30B2}"/>
+              </a:ext>
+            </a:extLst>
+          </p:cNvPr>
+          <p:cNvSpPr/>
+          <p:nvPr/>
+        </p:nvSpPr>
+        <p:spPr>
+          <a:xfrm>
+            <a:off x="1079705" y="1457042"/>
+            <a:ext cx="1624564" cy="1422862"/>
+          </a:xfrm>
+          <a:prstGeom prst="rect">
+            <a:avLst/>
+          </a:prstGeom>
+          <a:solidFill>
+            <a:schemeClr val="accent5">
+              <a:lumMod val="60000"/>
+              <a:lumOff val="40000"/>
+            </a:schemeClr>
+          </a:solidFill>
+          <a:ln w="9525" cap="flat" cmpd="sng">
+            <a:solidFill>
+              <a:schemeClr val="dk2"/>
+            </a:solidFill>
+            <a:prstDash val="solid"/>
+            <a:round/>
+            <a:headEnd type="none" w="sm" len="sm"/>
+            <a:tailEnd type="none" w="sm" len="sm"/>
+          </a:ln>
+        </p:spPr>
+        <p:txBody>
+          <a:bodyPr spcFirstLastPara="1" wrap="square" lIns="91425" tIns="91425" rIns="91425" bIns="91425" anchor="ctr" anchorCtr="0">
+            <a:noAutofit/>
+          </a:bodyPr>
+          <a:lstStyle>
+            <a:defPPr marR="0" lvl="0" algn="l" rtl="0">
+              <a:lnSpc>
+                <a:spcPct val="100000"/>
+              </a:lnSpc>
+              <a:spcBef>
+                <a:spcPts val="0"/>
+              </a:spcBef>
+              <a:spcAft>
+                <a:spcPts val="0"/>
+              </a:spcAft>
+            </a:defPPr>
+            <a:lvl1pPr marR="0" lvl="0" algn="l" rtl="0">
+              <a:lnSpc>
+                <a:spcPct val="100000"/>
+              </a:lnSpc>
+              <a:spcBef>
+                <a:spcPts val="0"/>
+              </a:spcBef>
+              <a:spcAft>
+                <a:spcPts val="0"/>
+              </a:spcAft>
+              <a:buClr>
+                <a:srgbClr val="000000"/>
+              </a:buClr>
+              <a:buFont typeface="Arial"/>
+              <a:defRPr sz="1400" b="0" i="0" u="none" strike="noStrike" cap="none">
+                <a:solidFill>
+                  <a:srgbClr val="000000"/>
+                </a:solidFill>
+                <a:latin typeface="Arial"/>
+                <a:ea typeface="Arial"/>
+                <a:cs typeface="Arial"/>
+                <a:sym typeface="Arial"/>
+              </a:defRPr>
+            </a:lvl1pPr>
+            <a:lvl2pPr marR="0" lvl="1" algn="l" rtl="0">
+              <a:lnSpc>
+                <a:spcPct val="100000"/>
+              </a:lnSpc>
+              <a:spcBef>
+                <a:spcPts val="0"/>
+              </a:spcBef>
+              <a:spcAft>
+                <a:spcPts val="0"/>
+              </a:spcAft>
+              <a:buClr>
+                <a:srgbClr val="000000"/>
+              </a:buClr>
+              <a:buFont typeface="Arial"/>
+              <a:defRPr sz="1400" b="0" i="0" u="none" strike="noStrike" cap="none">
+                <a:solidFill>
+                  <a:srgbClr val="000000"/>
+                </a:solidFill>
+                <a:latin typeface="Arial"/>
+                <a:ea typeface="Arial"/>
+                <a:cs typeface="Arial"/>
+                <a:sym typeface="Arial"/>
+              </a:defRPr>
+            </a:lvl2pPr>
+            <a:lvl3pPr marR="0" lvl="2" algn="l" rtl="0">
+              <a:lnSpc>
+                <a:spcPct val="100000"/>
+              </a:lnSpc>
+              <a:spcBef>
+                <a:spcPts val="0"/>
+              </a:spcBef>
+              <a:spcAft>
+                <a:spcPts val="0"/>
+              </a:spcAft>
+              <a:buClr>
+                <a:srgbClr val="000000"/>
+              </a:buClr>
+              <a:buFont typeface="Arial"/>
+              <a:defRPr sz="1400" b="0" i="0" u="none" strike="noStrike" cap="none">
+                <a:solidFill>
+                  <a:srgbClr val="000000"/>
+                </a:solidFill>
+                <a:latin typeface="Arial"/>
+                <a:ea typeface="Arial"/>
+                <a:cs typeface="Arial"/>
+                <a:sym typeface="Arial"/>
+              </a:defRPr>
+            </a:lvl3pPr>
+            <a:lvl4pPr marR="0" lvl="3" algn="l" rtl="0">
+              <a:lnSpc>
+                <a:spcPct val="100000"/>
+              </a:lnSpc>
+              <a:spcBef>
+                <a:spcPts val="0"/>
+              </a:spcBef>
+              <a:spcAft>
+                <a:spcPts val="0"/>
+              </a:spcAft>
+              <a:buClr>
+                <a:srgbClr val="000000"/>
+              </a:buClr>
+              <a:buFont typeface="Arial"/>
+              <a:defRPr sz="1400" b="0" i="0" u="none" strike="noStrike" cap="none">
+                <a:solidFill>
+                  <a:srgbClr val="000000"/>
+                </a:solidFill>
+                <a:latin typeface="Arial"/>
+                <a:ea typeface="Arial"/>
+                <a:cs typeface="Arial"/>
+                <a:sym typeface="Arial"/>
+              </a:defRPr>
+            </a:lvl4pPr>
+            <a:lvl5pPr marR="0" lvl="4" algn="l" rtl="0">
+              <a:lnSpc>
+                <a:spcPct val="100000"/>
+              </a:lnSpc>
+              <a:spcBef>
+                <a:spcPts val="0"/>
+              </a:spcBef>
+              <a:spcAft>
+                <a:spcPts val="0"/>
+              </a:spcAft>
+              <a:buClr>
+                <a:srgbClr val="000000"/>
+              </a:buClr>
+              <a:buFont typeface="Arial"/>
+              <a:defRPr sz="1400" b="0" i="0" u="none" strike="noStrike" cap="none">
+                <a:solidFill>
+                  <a:srgbClr val="000000"/>
+                </a:solidFill>
+                <a:latin typeface="Arial"/>
+                <a:ea typeface="Arial"/>
+                <a:cs typeface="Arial"/>
+                <a:sym typeface="Arial"/>
+              </a:defRPr>
+            </a:lvl5pPr>
+            <a:lvl6pPr marR="0" lvl="5" algn="l" rtl="0">
+              <a:lnSpc>
+                <a:spcPct val="100000"/>
+              </a:lnSpc>
+              <a:spcBef>
+                <a:spcPts val="0"/>
+              </a:spcBef>
+              <a:spcAft>
+                <a:spcPts val="0"/>
+              </a:spcAft>
+              <a:buClr>
+                <a:srgbClr val="000000"/>
+              </a:buClr>
+              <a:buFont typeface="Arial"/>
+              <a:defRPr sz="1400" b="0" i="0" u="none" strike="noStrike" cap="none">
+                <a:solidFill>
+                  <a:srgbClr val="000000"/>
+                </a:solidFill>
+                <a:latin typeface="Arial"/>
+                <a:ea typeface="Arial"/>
+                <a:cs typeface="Arial"/>
+                <a:sym typeface="Arial"/>
+              </a:defRPr>
+            </a:lvl6pPr>
+            <a:lvl7pPr marR="0" lvl="6" algn="l" rtl="0">
+              <a:lnSpc>
+                <a:spcPct val="100000"/>
+              </a:lnSpc>
+              <a:spcBef>
+                <a:spcPts val="0"/>
+              </a:spcBef>
+              <a:spcAft>
+                <a:spcPts val="0"/>
+              </a:spcAft>
+              <a:buClr>
+                <a:srgbClr val="000000"/>
+              </a:buClr>
+              <a:buFont typeface="Arial"/>
+              <a:defRPr sz="1400" b="0" i="0" u="none" strike="noStrike" cap="none">
+                <a:solidFill>
+                  <a:srgbClr val="000000"/>
+                </a:solidFill>
+                <a:latin typeface="Arial"/>
+                <a:ea typeface="Arial"/>
+                <a:cs typeface="Arial"/>
+                <a:sym typeface="Arial"/>
+              </a:defRPr>
+            </a:lvl7pPr>
+            <a:lvl8pPr marR="0" lvl="7" algn="l" rtl="0">
+              <a:lnSpc>
+                <a:spcPct val="100000"/>
+              </a:lnSpc>
+              <a:spcBef>
+                <a:spcPts val="0"/>
+              </a:spcBef>
+              <a:spcAft>
+                <a:spcPts val="0"/>
+              </a:spcAft>
+              <a:buClr>
+                <a:srgbClr val="000000"/>
+              </a:buClr>
+              <a:buFont typeface="Arial"/>
+              <a:defRPr sz="1400" b="0" i="0" u="none" strike="noStrike" cap="none">
+                <a:solidFill>
+                  <a:srgbClr val="000000"/>
+                </a:solidFill>
+                <a:latin typeface="Arial"/>
+                <a:ea typeface="Arial"/>
+                <a:cs typeface="Arial"/>
+                <a:sym typeface="Arial"/>
+              </a:defRPr>
+            </a:lvl8pPr>
+            <a:lvl9pPr marR="0" lvl="8" algn="l" rtl="0">
+              <a:lnSpc>
+                <a:spcPct val="100000"/>
+              </a:lnSpc>
+              <a:spcBef>
+                <a:spcPts val="0"/>
+              </a:spcBef>
+              <a:spcAft>
+                <a:spcPts val="0"/>
+              </a:spcAft>
+              <a:buClr>
+                <a:srgbClr val="000000"/>
+              </a:buClr>
+              <a:buFont typeface="Arial"/>
+              <a:defRPr sz="1400" b="0" i="0" u="none" strike="noStrike" cap="none">
+                <a:solidFill>
+                  <a:srgbClr val="000000"/>
+                </a:solidFill>
+                <a:latin typeface="Arial"/>
+                <a:ea typeface="Arial"/>
+                <a:cs typeface="Arial"/>
+                <a:sym typeface="Arial"/>
+              </a:defRPr>
+            </a:lvl9pPr>
+          </a:lstStyle>
+          <a:p>
+            <a:pPr marL="0" lvl="0" indent="0" algn="l" rtl="0">
+              <a:spcBef>
+                <a:spcPts val="0"/>
+              </a:spcBef>
+              <a:spcAft>
+                <a:spcPts val="0"/>
+              </a:spcAft>
+              <a:buNone/>
+            </a:pPr>
+            <a:r>
+              <a:rPr lang="en" sz="1800" b="1" dirty="0"/>
+              <a:t>       </a:t>
+            </a:r>
+          </a:p>
+          <a:p>
+            <a:pPr lvl="0" algn="ctr"/>
+            <a:r>
+              <a:rPr lang="en-US" sz="1800" b="1" dirty="0"/>
+              <a:t>LAMP</a:t>
+            </a:r>
+            <a:r>
+              <a:rPr lang="en" sz="1800" b="1" dirty="0"/>
+              <a:t>                        </a:t>
+            </a:r>
+            <a:endParaRPr sz="1800" b="1" dirty="0"/>
+          </a:p>
+          <a:p>
+            <a:pPr marL="0" lvl="0" indent="0" algn="l" rtl="0">
+              <a:spcBef>
+                <a:spcPts val="0"/>
+              </a:spcBef>
+              <a:spcAft>
+                <a:spcPts val="0"/>
+              </a:spcAft>
+              <a:buNone/>
+            </a:pPr>
+            <a:endParaRPr sz="1800" b="1" dirty="0"/>
+          </a:p>
+        </p:txBody>
+      </p:sp>
+      <p:sp>
+        <p:nvSpPr>
+          <p:cNvPr id="5" name="Google Shape;65;p13">
+            <a:extLst>
+              <a:ext uri="{FF2B5EF4-FFF2-40B4-BE49-F238E27FC236}">
+                <a16:creationId xmlns:a16="http://schemas.microsoft.com/office/drawing/2014/main" id="{C5CBC0E1-43EF-4C6E-8ECB-791622BD7728}"/>
+              </a:ext>
+            </a:extLst>
+          </p:cNvPr>
+          <p:cNvSpPr/>
+          <p:nvPr/>
+        </p:nvSpPr>
+        <p:spPr>
+          <a:xfrm>
+            <a:off x="3009066" y="1457042"/>
+            <a:ext cx="8502991" cy="1006402"/>
+          </a:xfrm>
+          <a:prstGeom prst="roundRect">
+            <a:avLst>
+              <a:gd name="adj" fmla="val 16667"/>
+            </a:avLst>
+          </a:prstGeom>
+          <a:solidFill>
+            <a:schemeClr val="accent4">
+              <a:lumMod val="40000"/>
+              <a:lumOff val="60000"/>
+            </a:schemeClr>
+          </a:solidFill>
+          <a:ln w="9525" cap="flat" cmpd="sng">
+            <a:solidFill>
+              <a:schemeClr val="dk2"/>
+            </a:solidFill>
+            <a:prstDash val="solid"/>
+            <a:round/>
+            <a:headEnd type="none" w="sm" len="sm"/>
+            <a:tailEnd type="none" w="sm" len="sm"/>
+          </a:ln>
+        </p:spPr>
+        <p:txBody>
+          <a:bodyPr spcFirstLastPara="1" wrap="square" lIns="91425" tIns="91425" rIns="91425" bIns="91425" anchor="ctr" anchorCtr="0">
+            <a:noAutofit/>
+          </a:bodyPr>
+          <a:lstStyle>
+            <a:defPPr marR="0" lvl="0" algn="l" rtl="0">
+              <a:lnSpc>
+                <a:spcPct val="100000"/>
+              </a:lnSpc>
+              <a:spcBef>
+                <a:spcPts val="0"/>
+              </a:spcBef>
+              <a:spcAft>
+                <a:spcPts val="0"/>
+              </a:spcAft>
+            </a:defPPr>
+            <a:lvl1pPr marR="0" lvl="0" algn="l" rtl="0">
+              <a:lnSpc>
+                <a:spcPct val="100000"/>
+              </a:lnSpc>
+              <a:spcBef>
+                <a:spcPts val="0"/>
+              </a:spcBef>
+              <a:spcAft>
+                <a:spcPts val="0"/>
+              </a:spcAft>
+              <a:buClr>
+                <a:srgbClr val="000000"/>
+              </a:buClr>
+              <a:buFont typeface="Arial"/>
+              <a:defRPr sz="1400" b="0" i="0" u="none" strike="noStrike" cap="none">
+                <a:solidFill>
+                  <a:srgbClr val="000000"/>
+                </a:solidFill>
+                <a:latin typeface="Arial"/>
+                <a:ea typeface="Arial"/>
+                <a:cs typeface="Arial"/>
+                <a:sym typeface="Arial"/>
+              </a:defRPr>
+            </a:lvl1pPr>
+            <a:lvl2pPr marR="0" lvl="1" algn="l" rtl="0">
+              <a:lnSpc>
+                <a:spcPct val="100000"/>
+              </a:lnSpc>
+              <a:spcBef>
+                <a:spcPts val="0"/>
+              </a:spcBef>
+              <a:spcAft>
+                <a:spcPts val="0"/>
+              </a:spcAft>
+              <a:buClr>
+                <a:srgbClr val="000000"/>
+              </a:buClr>
+              <a:buFont typeface="Arial"/>
+              <a:defRPr sz="1400" b="0" i="0" u="none" strike="noStrike" cap="none">
+                <a:solidFill>
+                  <a:srgbClr val="000000"/>
+                </a:solidFill>
+                <a:latin typeface="Arial"/>
+                <a:ea typeface="Arial"/>
+                <a:cs typeface="Arial"/>
+                <a:sym typeface="Arial"/>
+              </a:defRPr>
+            </a:lvl2pPr>
+            <a:lvl3pPr marR="0" lvl="2" algn="l" rtl="0">
+              <a:lnSpc>
+                <a:spcPct val="100000"/>
+              </a:lnSpc>
+              <a:spcBef>
+                <a:spcPts val="0"/>
+              </a:spcBef>
+              <a:spcAft>
+                <a:spcPts val="0"/>
+              </a:spcAft>
+              <a:buClr>
+                <a:srgbClr val="000000"/>
+              </a:buClr>
+              <a:buFont typeface="Arial"/>
+              <a:defRPr sz="1400" b="0" i="0" u="none" strike="noStrike" cap="none">
+                <a:solidFill>
+                  <a:srgbClr val="000000"/>
+                </a:solidFill>
+                <a:latin typeface="Arial"/>
+                <a:ea typeface="Arial"/>
+                <a:cs typeface="Arial"/>
+                <a:sym typeface="Arial"/>
+              </a:defRPr>
+            </a:lvl3pPr>
+            <a:lvl4pPr marR="0" lvl="3" algn="l" rtl="0">
+              <a:lnSpc>
+                <a:spcPct val="100000"/>
+              </a:lnSpc>
+              <a:spcBef>
+                <a:spcPts val="0"/>
+              </a:spcBef>
+              <a:spcAft>
+                <a:spcPts val="0"/>
+              </a:spcAft>
+              <a:buClr>
+                <a:srgbClr val="000000"/>
+              </a:buClr>
+              <a:buFont typeface="Arial"/>
+              <a:defRPr sz="1400" b="0" i="0" u="none" strike="noStrike" cap="none">
+                <a:solidFill>
+                  <a:srgbClr val="000000"/>
+                </a:solidFill>
+                <a:latin typeface="Arial"/>
+                <a:ea typeface="Arial"/>
+                <a:cs typeface="Arial"/>
+                <a:sym typeface="Arial"/>
+              </a:defRPr>
+            </a:lvl4pPr>
+            <a:lvl5pPr marR="0" lvl="4" algn="l" rtl="0">
+              <a:lnSpc>
+                <a:spcPct val="100000"/>
+              </a:lnSpc>
+              <a:spcBef>
+                <a:spcPts val="0"/>
+              </a:spcBef>
+              <a:spcAft>
+                <a:spcPts val="0"/>
+              </a:spcAft>
+              <a:buClr>
+                <a:srgbClr val="000000"/>
+              </a:buClr>
+              <a:buFont typeface="Arial"/>
+              <a:defRPr sz="1400" b="0" i="0" u="none" strike="noStrike" cap="none">
+                <a:solidFill>
+                  <a:srgbClr val="000000"/>
+                </a:solidFill>
+                <a:latin typeface="Arial"/>
+                <a:ea typeface="Arial"/>
+                <a:cs typeface="Arial"/>
+                <a:sym typeface="Arial"/>
+              </a:defRPr>
+            </a:lvl5pPr>
+            <a:lvl6pPr marR="0" lvl="5" algn="l" rtl="0">
+              <a:lnSpc>
+                <a:spcPct val="100000"/>
+              </a:lnSpc>
+              <a:spcBef>
+                <a:spcPts val="0"/>
+              </a:spcBef>
+              <a:spcAft>
+                <a:spcPts val="0"/>
+              </a:spcAft>
+              <a:buClr>
+                <a:srgbClr val="000000"/>
+              </a:buClr>
+              <a:buFont typeface="Arial"/>
+              <a:defRPr sz="1400" b="0" i="0" u="none" strike="noStrike" cap="none">
+                <a:solidFill>
+                  <a:srgbClr val="000000"/>
+                </a:solidFill>
+                <a:latin typeface="Arial"/>
+                <a:ea typeface="Arial"/>
+                <a:cs typeface="Arial"/>
+                <a:sym typeface="Arial"/>
+              </a:defRPr>
+            </a:lvl6pPr>
+            <a:lvl7pPr marR="0" lvl="6" algn="l" rtl="0">
+              <a:lnSpc>
+                <a:spcPct val="100000"/>
+              </a:lnSpc>
+              <a:spcBef>
+                <a:spcPts val="0"/>
+              </a:spcBef>
+              <a:spcAft>
+                <a:spcPts val="0"/>
+              </a:spcAft>
+              <a:buClr>
+                <a:srgbClr val="000000"/>
+              </a:buClr>
+              <a:buFont typeface="Arial"/>
+              <a:defRPr sz="1400" b="0" i="0" u="none" strike="noStrike" cap="none">
+                <a:solidFill>
+                  <a:srgbClr val="000000"/>
+                </a:solidFill>
+                <a:latin typeface="Arial"/>
+                <a:ea typeface="Arial"/>
+                <a:cs typeface="Arial"/>
+                <a:sym typeface="Arial"/>
+              </a:defRPr>
+            </a:lvl7pPr>
+            <a:lvl8pPr marR="0" lvl="7" algn="l" rtl="0">
+              <a:lnSpc>
+                <a:spcPct val="100000"/>
+              </a:lnSpc>
+              <a:spcBef>
+                <a:spcPts val="0"/>
+              </a:spcBef>
+              <a:spcAft>
+                <a:spcPts val="0"/>
+              </a:spcAft>
+              <a:buClr>
+                <a:srgbClr val="000000"/>
+              </a:buClr>
+              <a:buFont typeface="Arial"/>
+              <a:defRPr sz="1400" b="0" i="0" u="none" strike="noStrike" cap="none">
+                <a:solidFill>
+                  <a:srgbClr val="000000"/>
+                </a:solidFill>
+                <a:latin typeface="Arial"/>
+                <a:ea typeface="Arial"/>
+                <a:cs typeface="Arial"/>
+                <a:sym typeface="Arial"/>
+              </a:defRPr>
+            </a:lvl8pPr>
+            <a:lvl9pPr marR="0" lvl="8" algn="l" rtl="0">
+              <a:lnSpc>
+                <a:spcPct val="100000"/>
+              </a:lnSpc>
+              <a:spcBef>
+                <a:spcPts val="0"/>
+              </a:spcBef>
+              <a:spcAft>
+                <a:spcPts val="0"/>
+              </a:spcAft>
+              <a:buClr>
+                <a:srgbClr val="000000"/>
+              </a:buClr>
+              <a:buFont typeface="Arial"/>
+              <a:defRPr sz="1400" b="0" i="0" u="none" strike="noStrike" cap="none">
+                <a:solidFill>
+                  <a:srgbClr val="000000"/>
+                </a:solidFill>
+                <a:latin typeface="Arial"/>
+                <a:ea typeface="Arial"/>
+                <a:cs typeface="Arial"/>
+                <a:sym typeface="Arial"/>
+              </a:defRPr>
+            </a:lvl9pPr>
+          </a:lstStyle>
+          <a:p>
+            <a:r>
+              <a:rPr lang="en-US" dirty="0"/>
+              <a:t>ERROR_S</a:t>
+            </a:r>
+            <a:r>
+              <a:rPr lang="en-US" dirty="0">
+                <a:solidFill>
+                  <a:schemeClr val="dk1"/>
+                </a:solidFill>
+              </a:rPr>
+              <a:t>  </a:t>
+            </a:r>
+            <a:r>
+              <a:rPr lang="en-US" dirty="0" err="1">
+                <a:solidFill>
+                  <a:schemeClr val="dk1"/>
+                </a:solidFill>
+              </a:rPr>
+              <a:t>LAMP_Init</a:t>
+            </a:r>
+            <a:r>
+              <a:rPr lang="en-US" dirty="0">
+                <a:solidFill>
+                  <a:schemeClr val="dk1"/>
+                </a:solidFill>
+              </a:rPr>
+              <a:t>(u8 </a:t>
+            </a:r>
+            <a:r>
+              <a:rPr lang="en-US" dirty="0" err="1">
+                <a:solidFill>
+                  <a:schemeClr val="dk1"/>
+                </a:solidFill>
+              </a:rPr>
+              <a:t>led_ch_No</a:t>
+            </a:r>
+            <a:r>
+              <a:rPr lang="en-US" dirty="0">
+                <a:solidFill>
+                  <a:schemeClr val="dk1"/>
+                </a:solidFill>
+              </a:rPr>
+              <a:t>)</a:t>
+            </a:r>
+            <a:endParaRPr dirty="0">
+              <a:solidFill>
+                <a:schemeClr val="dk1"/>
+              </a:solidFill>
+            </a:endParaRPr>
+          </a:p>
+          <a:p>
+            <a:pPr lvl="0"/>
+            <a:r>
+              <a:rPr lang="en-US" dirty="0"/>
+              <a:t>ERROR_S</a:t>
+            </a:r>
+            <a:r>
+              <a:rPr lang="en" dirty="0">
+                <a:solidFill>
+                  <a:schemeClr val="dk1"/>
+                </a:solidFill>
+              </a:rPr>
+              <a:t>  L</a:t>
+            </a:r>
+            <a:r>
+              <a:rPr lang="en-US" dirty="0">
+                <a:solidFill>
+                  <a:schemeClr val="dk1"/>
+                </a:solidFill>
+              </a:rPr>
+              <a:t>AMP</a:t>
+            </a:r>
+            <a:r>
+              <a:rPr lang="en" dirty="0">
+                <a:solidFill>
+                  <a:schemeClr val="dk1"/>
+                </a:solidFill>
+              </a:rPr>
+              <a:t>_</a:t>
+            </a:r>
+            <a:r>
+              <a:rPr lang="en-US" dirty="0">
+                <a:solidFill>
+                  <a:schemeClr val="dk1"/>
+                </a:solidFill>
+              </a:rPr>
+              <a:t>ON</a:t>
+            </a:r>
+            <a:r>
+              <a:rPr lang="en" dirty="0">
+                <a:solidFill>
+                  <a:schemeClr val="dk1"/>
+                </a:solidFill>
+              </a:rPr>
+              <a:t>(</a:t>
+            </a:r>
+            <a:r>
+              <a:rPr lang="en-US" dirty="0">
+                <a:solidFill>
+                  <a:schemeClr val="dk1"/>
+                </a:solidFill>
+              </a:rPr>
+              <a:t>u8 </a:t>
+            </a:r>
+            <a:r>
+              <a:rPr lang="en-US" dirty="0" err="1">
+                <a:solidFill>
+                  <a:schemeClr val="dk1"/>
+                </a:solidFill>
+              </a:rPr>
+              <a:t>led_ch_No</a:t>
+            </a:r>
+            <a:r>
+              <a:rPr lang="en" dirty="0">
+                <a:solidFill>
+                  <a:schemeClr val="dk1"/>
+                </a:solidFill>
+              </a:rPr>
+              <a:t>)</a:t>
+            </a:r>
+            <a:endParaRPr dirty="0">
+              <a:solidFill>
+                <a:schemeClr val="dk1"/>
+              </a:solidFill>
+            </a:endParaRPr>
+          </a:p>
+          <a:p>
+            <a:pPr lvl="0"/>
+            <a:r>
+              <a:rPr lang="en-US" dirty="0"/>
+              <a:t>ERROR_S</a:t>
+            </a:r>
+            <a:r>
+              <a:rPr lang="en" dirty="0">
+                <a:solidFill>
+                  <a:schemeClr val="dk1"/>
+                </a:solidFill>
+              </a:rPr>
+              <a:t>  L</a:t>
+            </a:r>
+            <a:r>
+              <a:rPr lang="en-US" dirty="0">
+                <a:solidFill>
+                  <a:schemeClr val="dk1"/>
+                </a:solidFill>
+              </a:rPr>
+              <a:t>AMP</a:t>
+            </a:r>
+            <a:r>
+              <a:rPr lang="en" dirty="0">
+                <a:solidFill>
+                  <a:schemeClr val="dk1"/>
+                </a:solidFill>
+              </a:rPr>
+              <a:t>_</a:t>
+            </a:r>
+            <a:r>
+              <a:rPr lang="en-US" dirty="0">
+                <a:solidFill>
+                  <a:schemeClr val="dk1"/>
+                </a:solidFill>
+              </a:rPr>
+              <a:t>OFF</a:t>
+            </a:r>
+            <a:r>
+              <a:rPr lang="en" dirty="0">
+                <a:solidFill>
+                  <a:schemeClr val="dk1"/>
+                </a:solidFill>
+              </a:rPr>
+              <a:t>(</a:t>
+            </a:r>
+            <a:r>
+              <a:rPr lang="en-US" dirty="0">
+                <a:solidFill>
+                  <a:schemeClr val="dk1"/>
+                </a:solidFill>
+              </a:rPr>
+              <a:t>u8 </a:t>
+            </a:r>
+            <a:r>
+              <a:rPr lang="en-US" dirty="0" err="1">
+                <a:solidFill>
+                  <a:schemeClr val="dk1"/>
+                </a:solidFill>
+              </a:rPr>
+              <a:t>led_ch_No</a:t>
+            </a:r>
+            <a:r>
+              <a:rPr lang="en" dirty="0">
+                <a:solidFill>
+                  <a:schemeClr val="dk1"/>
+                </a:solidFill>
+              </a:rPr>
+              <a:t>)</a:t>
+            </a:r>
+            <a:endParaRPr dirty="0">
+              <a:solidFill>
+                <a:schemeClr val="dk1"/>
+              </a:solidFill>
+            </a:endParaRPr>
+          </a:p>
+        </p:txBody>
+      </p:sp>
+      <p:sp>
+        <p:nvSpPr>
+          <p:cNvPr id="6" name="Google Shape;65;p13">
+            <a:extLst>
+              <a:ext uri="{FF2B5EF4-FFF2-40B4-BE49-F238E27FC236}">
+                <a16:creationId xmlns:a16="http://schemas.microsoft.com/office/drawing/2014/main" id="{C5CBC0E1-43EF-4C6E-8ECB-791622BD7728}"/>
+              </a:ext>
+            </a:extLst>
+          </p:cNvPr>
+          <p:cNvSpPr/>
+          <p:nvPr/>
+        </p:nvSpPr>
+        <p:spPr>
+          <a:xfrm>
+            <a:off x="3009066" y="2692335"/>
+            <a:ext cx="8502991" cy="1055077"/>
+          </a:xfrm>
+          <a:prstGeom prst="roundRect">
+            <a:avLst>
+              <a:gd name="adj" fmla="val 16667"/>
+            </a:avLst>
+          </a:prstGeom>
+          <a:solidFill>
+            <a:schemeClr val="accent4">
+              <a:lumMod val="40000"/>
+              <a:lumOff val="60000"/>
+            </a:schemeClr>
+          </a:solidFill>
+          <a:ln w="9525" cap="flat" cmpd="sng">
+            <a:solidFill>
+              <a:schemeClr val="dk2"/>
+            </a:solidFill>
+            <a:prstDash val="solid"/>
+            <a:round/>
+            <a:headEnd type="none" w="sm" len="sm"/>
+            <a:tailEnd type="none" w="sm" len="sm"/>
+          </a:ln>
+        </p:spPr>
+        <p:txBody>
+          <a:bodyPr spcFirstLastPara="1" wrap="square" lIns="91425" tIns="91425" rIns="91425" bIns="91425" anchor="ctr" anchorCtr="0">
+            <a:noAutofit/>
+          </a:bodyPr>
+          <a:lstStyle>
+            <a:defPPr marR="0" lvl="0" algn="l" rtl="0">
+              <a:lnSpc>
+                <a:spcPct val="100000"/>
+              </a:lnSpc>
+              <a:spcBef>
+                <a:spcPts val="0"/>
+              </a:spcBef>
+              <a:spcAft>
+                <a:spcPts val="0"/>
+              </a:spcAft>
+            </a:defPPr>
+            <a:lvl1pPr marR="0" lvl="0" algn="l" rtl="0">
+              <a:lnSpc>
+                <a:spcPct val="100000"/>
+              </a:lnSpc>
+              <a:spcBef>
+                <a:spcPts val="0"/>
+              </a:spcBef>
+              <a:spcAft>
+                <a:spcPts val="0"/>
+              </a:spcAft>
+              <a:buClr>
+                <a:srgbClr val="000000"/>
+              </a:buClr>
+              <a:buFont typeface="Arial"/>
+              <a:defRPr sz="1400" b="0" i="0" u="none" strike="noStrike" cap="none">
+                <a:solidFill>
+                  <a:srgbClr val="000000"/>
+                </a:solidFill>
+                <a:latin typeface="Arial"/>
+                <a:ea typeface="Arial"/>
+                <a:cs typeface="Arial"/>
+                <a:sym typeface="Arial"/>
+              </a:defRPr>
+            </a:lvl1pPr>
+            <a:lvl2pPr marR="0" lvl="1" algn="l" rtl="0">
+              <a:lnSpc>
+                <a:spcPct val="100000"/>
+              </a:lnSpc>
+              <a:spcBef>
+                <a:spcPts val="0"/>
+              </a:spcBef>
+              <a:spcAft>
+                <a:spcPts val="0"/>
+              </a:spcAft>
+              <a:buClr>
+                <a:srgbClr val="000000"/>
+              </a:buClr>
+              <a:buFont typeface="Arial"/>
+              <a:defRPr sz="1400" b="0" i="0" u="none" strike="noStrike" cap="none">
+                <a:solidFill>
+                  <a:srgbClr val="000000"/>
+                </a:solidFill>
+                <a:latin typeface="Arial"/>
+                <a:ea typeface="Arial"/>
+                <a:cs typeface="Arial"/>
+                <a:sym typeface="Arial"/>
+              </a:defRPr>
+            </a:lvl2pPr>
+            <a:lvl3pPr marR="0" lvl="2" algn="l" rtl="0">
+              <a:lnSpc>
+                <a:spcPct val="100000"/>
+              </a:lnSpc>
+              <a:spcBef>
+                <a:spcPts val="0"/>
+              </a:spcBef>
+              <a:spcAft>
+                <a:spcPts val="0"/>
+              </a:spcAft>
+              <a:buClr>
+                <a:srgbClr val="000000"/>
+              </a:buClr>
+              <a:buFont typeface="Arial"/>
+              <a:defRPr sz="1400" b="0" i="0" u="none" strike="noStrike" cap="none">
+                <a:solidFill>
+                  <a:srgbClr val="000000"/>
+                </a:solidFill>
+                <a:latin typeface="Arial"/>
+                <a:ea typeface="Arial"/>
+                <a:cs typeface="Arial"/>
+                <a:sym typeface="Arial"/>
+              </a:defRPr>
+            </a:lvl3pPr>
+            <a:lvl4pPr marR="0" lvl="3" algn="l" rtl="0">
+              <a:lnSpc>
+                <a:spcPct val="100000"/>
+              </a:lnSpc>
+              <a:spcBef>
+                <a:spcPts val="0"/>
+              </a:spcBef>
+              <a:spcAft>
+                <a:spcPts val="0"/>
+              </a:spcAft>
+              <a:buClr>
+                <a:srgbClr val="000000"/>
+              </a:buClr>
+              <a:buFont typeface="Arial"/>
+              <a:defRPr sz="1400" b="0" i="0" u="none" strike="noStrike" cap="none">
+                <a:solidFill>
+                  <a:srgbClr val="000000"/>
+                </a:solidFill>
+                <a:latin typeface="Arial"/>
+                <a:ea typeface="Arial"/>
+                <a:cs typeface="Arial"/>
+                <a:sym typeface="Arial"/>
+              </a:defRPr>
+            </a:lvl4pPr>
+            <a:lvl5pPr marR="0" lvl="4" algn="l" rtl="0">
+              <a:lnSpc>
+                <a:spcPct val="100000"/>
+              </a:lnSpc>
+              <a:spcBef>
+                <a:spcPts val="0"/>
+              </a:spcBef>
+              <a:spcAft>
+                <a:spcPts val="0"/>
+              </a:spcAft>
+              <a:buClr>
+                <a:srgbClr val="000000"/>
+              </a:buClr>
+              <a:buFont typeface="Arial"/>
+              <a:defRPr sz="1400" b="0" i="0" u="none" strike="noStrike" cap="none">
+                <a:solidFill>
+                  <a:srgbClr val="000000"/>
+                </a:solidFill>
+                <a:latin typeface="Arial"/>
+                <a:ea typeface="Arial"/>
+                <a:cs typeface="Arial"/>
+                <a:sym typeface="Arial"/>
+              </a:defRPr>
+            </a:lvl5pPr>
+            <a:lvl6pPr marR="0" lvl="5" algn="l" rtl="0">
+              <a:lnSpc>
+                <a:spcPct val="100000"/>
+              </a:lnSpc>
+              <a:spcBef>
+                <a:spcPts val="0"/>
+              </a:spcBef>
+              <a:spcAft>
+                <a:spcPts val="0"/>
+              </a:spcAft>
+              <a:buClr>
+                <a:srgbClr val="000000"/>
+              </a:buClr>
+              <a:buFont typeface="Arial"/>
+              <a:defRPr sz="1400" b="0" i="0" u="none" strike="noStrike" cap="none">
+                <a:solidFill>
+                  <a:srgbClr val="000000"/>
+                </a:solidFill>
+                <a:latin typeface="Arial"/>
+                <a:ea typeface="Arial"/>
+                <a:cs typeface="Arial"/>
+                <a:sym typeface="Arial"/>
+              </a:defRPr>
+            </a:lvl6pPr>
+            <a:lvl7pPr marR="0" lvl="6" algn="l" rtl="0">
+              <a:lnSpc>
+                <a:spcPct val="100000"/>
+              </a:lnSpc>
+              <a:spcBef>
+                <a:spcPts val="0"/>
+              </a:spcBef>
+              <a:spcAft>
+                <a:spcPts val="0"/>
+              </a:spcAft>
+              <a:buClr>
+                <a:srgbClr val="000000"/>
+              </a:buClr>
+              <a:buFont typeface="Arial"/>
+              <a:defRPr sz="1400" b="0" i="0" u="none" strike="noStrike" cap="none">
+                <a:solidFill>
+                  <a:srgbClr val="000000"/>
+                </a:solidFill>
+                <a:latin typeface="Arial"/>
+                <a:ea typeface="Arial"/>
+                <a:cs typeface="Arial"/>
+                <a:sym typeface="Arial"/>
+              </a:defRPr>
+            </a:lvl7pPr>
+            <a:lvl8pPr marR="0" lvl="7" algn="l" rtl="0">
+              <a:lnSpc>
+                <a:spcPct val="100000"/>
+              </a:lnSpc>
+              <a:spcBef>
+                <a:spcPts val="0"/>
+              </a:spcBef>
+              <a:spcAft>
+                <a:spcPts val="0"/>
+              </a:spcAft>
+              <a:buClr>
+                <a:srgbClr val="000000"/>
+              </a:buClr>
+              <a:buFont typeface="Arial"/>
+              <a:defRPr sz="1400" b="0" i="0" u="none" strike="noStrike" cap="none">
+                <a:solidFill>
+                  <a:srgbClr val="000000"/>
+                </a:solidFill>
+                <a:latin typeface="Arial"/>
+                <a:ea typeface="Arial"/>
+                <a:cs typeface="Arial"/>
+                <a:sym typeface="Arial"/>
+              </a:defRPr>
+            </a:lvl8pPr>
+            <a:lvl9pPr marR="0" lvl="8" algn="l" rtl="0">
+              <a:lnSpc>
+                <a:spcPct val="100000"/>
+              </a:lnSpc>
+              <a:spcBef>
+                <a:spcPts val="0"/>
+              </a:spcBef>
+              <a:spcAft>
+                <a:spcPts val="0"/>
+              </a:spcAft>
+              <a:buClr>
+                <a:srgbClr val="000000"/>
+              </a:buClr>
+              <a:buFont typeface="Arial"/>
+              <a:defRPr sz="1400" b="0" i="0" u="none" strike="noStrike" cap="none">
+                <a:solidFill>
+                  <a:srgbClr val="000000"/>
+                </a:solidFill>
+                <a:latin typeface="Arial"/>
+                <a:ea typeface="Arial"/>
+                <a:cs typeface="Arial"/>
+                <a:sym typeface="Arial"/>
+              </a:defRPr>
+            </a:lvl9pPr>
+          </a:lstStyle>
+          <a:p>
+            <a:r>
+              <a:rPr lang="it-IT" dirty="0">
+                <a:solidFill>
+                  <a:schemeClr val="dk1"/>
+                </a:solidFill>
+              </a:rPr>
+              <a:t>#define   LAMP1         0</a:t>
+            </a:r>
+          </a:p>
+          <a:p>
+            <a:r>
+              <a:rPr lang="it-IT" dirty="0">
+                <a:solidFill>
+                  <a:schemeClr val="dk1"/>
+                </a:solidFill>
+              </a:rPr>
+              <a:t>#define   LAMP1_PIN     GPIO_PIN2</a:t>
+            </a:r>
+          </a:p>
+          <a:p>
+            <a:r>
+              <a:rPr lang="it-IT" dirty="0">
+                <a:solidFill>
+                  <a:schemeClr val="dk1"/>
+                </a:solidFill>
+              </a:rPr>
+              <a:t>#define   LAMP1_PORT    GPIO_PORTA</a:t>
+            </a:r>
+            <a:endParaRPr dirty="0">
+              <a:solidFill>
+                <a:schemeClr val="dk1"/>
+              </a:solidFill>
+            </a:endParaRPr>
+          </a:p>
+        </p:txBody>
+      </p:sp>
+    </p:spTree>
+    <p:extLst>
+      <p:ext uri="{BB962C8B-B14F-4D97-AF65-F5344CB8AC3E}">
+        <p14:creationId xmlns:p14="http://schemas.microsoft.com/office/powerpoint/2010/main" val="4098011477"/>
+      </p:ext>
+    </p:extLst>
+  </p:cSld>
+  <p:clrMapOvr>
+    <a:masterClrMapping/>
+  </p:clrMapOvr>
+</p:sld>
+</file>
+
+<file path=ppt/slides/slide6.xml><?xml version="1.0" encoding="utf-8"?>
+<p:sld xmlns:a="http://schemas.openxmlformats.org/drawingml/2006/main" xmlns:r="http://schemas.openxmlformats.org/officeDocument/2006/relationships" xmlns:p="http://schemas.openxmlformats.org/presentationml/2006/main">
+  <p:cSld>
+    <p:spTree>
+      <p:nvGrpSpPr>
+        <p:cNvPr id="1" name=""/>
+        <p:cNvGrpSpPr/>
+        <p:nvPr/>
+      </p:nvGrpSpPr>
+      <p:grpSpPr>
+        <a:xfrm>
+          <a:off x="0" y="0"/>
+          <a:ext cx="0" cy="0"/>
+          <a:chOff x="0" y="0"/>
+          <a:chExt cx="0" cy="0"/>
+        </a:xfrm>
+      </p:grpSpPr>
+      <p:sp>
+        <p:nvSpPr>
+          <p:cNvPr id="2" name="Title 1"/>
+          <p:cNvSpPr>
+            <a:spLocks noGrp="1"/>
+          </p:cNvSpPr>
+          <p:nvPr>
+            <p:ph type="title"/>
+          </p:nvPr>
+        </p:nvSpPr>
+        <p:spPr>
+          <a:xfrm>
+            <a:off x="759823" y="190323"/>
+            <a:ext cx="10515600" cy="1325563"/>
+          </a:xfrm>
+        </p:spPr>
+        <p:txBody>
+          <a:bodyPr>
+            <a:normAutofit/>
+          </a:bodyPr>
+          <a:lstStyle/>
+          <a:p>
+            <a:r>
+              <a:rPr lang="en-US" sz="4000" b="1" dirty="0" smtClean="0"/>
+              <a:t>LIB Layer</a:t>
+            </a:r>
+            <a:endParaRPr lang="en-US" sz="4000" b="1" dirty="0"/>
+          </a:p>
+        </p:txBody>
+      </p:sp>
+      <p:sp>
+        <p:nvSpPr>
+          <p:cNvPr id="4" name="Google Shape;65;p13">
+            <a:extLst>
+              <a:ext uri="{FF2B5EF4-FFF2-40B4-BE49-F238E27FC236}">
+                <a16:creationId xmlns:a16="http://schemas.microsoft.com/office/drawing/2014/main" id="{2C839146-D81F-43CC-95A2-E552BF6D9CFF}"/>
+              </a:ext>
+            </a:extLst>
+          </p:cNvPr>
+          <p:cNvSpPr/>
+          <p:nvPr/>
+        </p:nvSpPr>
+        <p:spPr>
+          <a:xfrm>
+            <a:off x="3657635" y="1384664"/>
+            <a:ext cx="7137979" cy="3879668"/>
+          </a:xfrm>
+          <a:prstGeom prst="roundRect">
+            <a:avLst>
+              <a:gd name="adj" fmla="val 16667"/>
+            </a:avLst>
+          </a:prstGeom>
+          <a:solidFill>
+            <a:schemeClr val="accent4">
+              <a:lumMod val="40000"/>
+              <a:lumOff val="60000"/>
+            </a:schemeClr>
+          </a:solidFill>
+          <a:ln w="9525" cap="flat" cmpd="sng">
+            <a:solidFill>
+              <a:schemeClr val="dk2"/>
+            </a:solidFill>
+            <a:prstDash val="solid"/>
+            <a:round/>
+            <a:headEnd type="none" w="sm" len="sm"/>
+            <a:tailEnd type="none" w="sm" len="sm"/>
+          </a:ln>
+        </p:spPr>
+        <p:txBody>
+          <a:bodyPr spcFirstLastPara="1" wrap="square" lIns="91425" tIns="91425" rIns="91425" bIns="91425" anchor="ctr" anchorCtr="0">
+            <a:noAutofit/>
+          </a:bodyPr>
+          <a:lstStyle>
+            <a:defPPr marR="0" lvl="0" algn="l" rtl="0">
+              <a:lnSpc>
+                <a:spcPct val="100000"/>
+              </a:lnSpc>
+              <a:spcBef>
+                <a:spcPts val="0"/>
+              </a:spcBef>
+              <a:spcAft>
+                <a:spcPts val="0"/>
+              </a:spcAft>
+            </a:defPPr>
+            <a:lvl1pPr marR="0" lvl="0" algn="l" rtl="0">
+              <a:lnSpc>
+                <a:spcPct val="100000"/>
+              </a:lnSpc>
+              <a:spcBef>
+                <a:spcPts val="0"/>
+              </a:spcBef>
+              <a:spcAft>
+                <a:spcPts val="0"/>
+              </a:spcAft>
+              <a:buClr>
+                <a:srgbClr val="000000"/>
+              </a:buClr>
+              <a:buFont typeface="Arial"/>
+              <a:defRPr sz="1400" b="0" i="0" u="none" strike="noStrike" cap="none">
+                <a:solidFill>
+                  <a:srgbClr val="000000"/>
+                </a:solidFill>
+                <a:latin typeface="Arial"/>
+                <a:ea typeface="Arial"/>
+                <a:cs typeface="Arial"/>
+                <a:sym typeface="Arial"/>
+              </a:defRPr>
+            </a:lvl1pPr>
+            <a:lvl2pPr marR="0" lvl="1" algn="l" rtl="0">
+              <a:lnSpc>
+                <a:spcPct val="100000"/>
+              </a:lnSpc>
+              <a:spcBef>
+                <a:spcPts val="0"/>
+              </a:spcBef>
+              <a:spcAft>
+                <a:spcPts val="0"/>
+              </a:spcAft>
+              <a:buClr>
+                <a:srgbClr val="000000"/>
+              </a:buClr>
+              <a:buFont typeface="Arial"/>
+              <a:defRPr sz="1400" b="0" i="0" u="none" strike="noStrike" cap="none">
+                <a:solidFill>
+                  <a:srgbClr val="000000"/>
+                </a:solidFill>
+                <a:latin typeface="Arial"/>
+                <a:ea typeface="Arial"/>
+                <a:cs typeface="Arial"/>
+                <a:sym typeface="Arial"/>
+              </a:defRPr>
+            </a:lvl2pPr>
+            <a:lvl3pPr marR="0" lvl="2" algn="l" rtl="0">
+              <a:lnSpc>
+                <a:spcPct val="100000"/>
+              </a:lnSpc>
+              <a:spcBef>
+                <a:spcPts val="0"/>
+              </a:spcBef>
+              <a:spcAft>
+                <a:spcPts val="0"/>
+              </a:spcAft>
+              <a:buClr>
+                <a:srgbClr val="000000"/>
+              </a:buClr>
+              <a:buFont typeface="Arial"/>
+              <a:defRPr sz="1400" b="0" i="0" u="none" strike="noStrike" cap="none">
+                <a:solidFill>
+                  <a:srgbClr val="000000"/>
+                </a:solidFill>
+                <a:latin typeface="Arial"/>
+                <a:ea typeface="Arial"/>
+                <a:cs typeface="Arial"/>
+                <a:sym typeface="Arial"/>
+              </a:defRPr>
+            </a:lvl3pPr>
+            <a:lvl4pPr marR="0" lvl="3" algn="l" rtl="0">
+              <a:lnSpc>
+                <a:spcPct val="100000"/>
+              </a:lnSpc>
+              <a:spcBef>
+                <a:spcPts val="0"/>
+              </a:spcBef>
+              <a:spcAft>
+                <a:spcPts val="0"/>
+              </a:spcAft>
+              <a:buClr>
+                <a:srgbClr val="000000"/>
+              </a:buClr>
+              <a:buFont typeface="Arial"/>
+              <a:defRPr sz="1400" b="0" i="0" u="none" strike="noStrike" cap="none">
+                <a:solidFill>
+                  <a:srgbClr val="000000"/>
+                </a:solidFill>
+                <a:latin typeface="Arial"/>
+                <a:ea typeface="Arial"/>
+                <a:cs typeface="Arial"/>
+                <a:sym typeface="Arial"/>
+              </a:defRPr>
+            </a:lvl4pPr>
+            <a:lvl5pPr marR="0" lvl="4" algn="l" rtl="0">
+              <a:lnSpc>
+                <a:spcPct val="100000"/>
+              </a:lnSpc>
+              <a:spcBef>
+                <a:spcPts val="0"/>
+              </a:spcBef>
+              <a:spcAft>
+                <a:spcPts val="0"/>
+              </a:spcAft>
+              <a:buClr>
+                <a:srgbClr val="000000"/>
+              </a:buClr>
+              <a:buFont typeface="Arial"/>
+              <a:defRPr sz="1400" b="0" i="0" u="none" strike="noStrike" cap="none">
+                <a:solidFill>
+                  <a:srgbClr val="000000"/>
+                </a:solidFill>
+                <a:latin typeface="Arial"/>
+                <a:ea typeface="Arial"/>
+                <a:cs typeface="Arial"/>
+                <a:sym typeface="Arial"/>
+              </a:defRPr>
+            </a:lvl5pPr>
+            <a:lvl6pPr marR="0" lvl="5" algn="l" rtl="0">
+              <a:lnSpc>
+                <a:spcPct val="100000"/>
+              </a:lnSpc>
+              <a:spcBef>
+                <a:spcPts val="0"/>
+              </a:spcBef>
+              <a:spcAft>
+                <a:spcPts val="0"/>
+              </a:spcAft>
+              <a:buClr>
+                <a:srgbClr val="000000"/>
+              </a:buClr>
+              <a:buFont typeface="Arial"/>
+              <a:defRPr sz="1400" b="0" i="0" u="none" strike="noStrike" cap="none">
+                <a:solidFill>
+                  <a:srgbClr val="000000"/>
+                </a:solidFill>
+                <a:latin typeface="Arial"/>
+                <a:ea typeface="Arial"/>
+                <a:cs typeface="Arial"/>
+                <a:sym typeface="Arial"/>
+              </a:defRPr>
+            </a:lvl6pPr>
+            <a:lvl7pPr marR="0" lvl="6" algn="l" rtl="0">
+              <a:lnSpc>
+                <a:spcPct val="100000"/>
+              </a:lnSpc>
+              <a:spcBef>
+                <a:spcPts val="0"/>
+              </a:spcBef>
+              <a:spcAft>
+                <a:spcPts val="0"/>
+              </a:spcAft>
+              <a:buClr>
+                <a:srgbClr val="000000"/>
+              </a:buClr>
+              <a:buFont typeface="Arial"/>
+              <a:defRPr sz="1400" b="0" i="0" u="none" strike="noStrike" cap="none">
+                <a:solidFill>
+                  <a:srgbClr val="000000"/>
+                </a:solidFill>
+                <a:latin typeface="Arial"/>
+                <a:ea typeface="Arial"/>
+                <a:cs typeface="Arial"/>
+                <a:sym typeface="Arial"/>
+              </a:defRPr>
+            </a:lvl7pPr>
+            <a:lvl8pPr marR="0" lvl="7" algn="l" rtl="0">
+              <a:lnSpc>
+                <a:spcPct val="100000"/>
+              </a:lnSpc>
+              <a:spcBef>
+                <a:spcPts val="0"/>
+              </a:spcBef>
+              <a:spcAft>
+                <a:spcPts val="0"/>
+              </a:spcAft>
+              <a:buClr>
+                <a:srgbClr val="000000"/>
+              </a:buClr>
+              <a:buFont typeface="Arial"/>
+              <a:defRPr sz="1400" b="0" i="0" u="none" strike="noStrike" cap="none">
+                <a:solidFill>
+                  <a:srgbClr val="000000"/>
+                </a:solidFill>
+                <a:latin typeface="Arial"/>
+                <a:ea typeface="Arial"/>
+                <a:cs typeface="Arial"/>
+                <a:sym typeface="Arial"/>
+              </a:defRPr>
+            </a:lvl8pPr>
+            <a:lvl9pPr marR="0" lvl="8" algn="l" rtl="0">
+              <a:lnSpc>
+                <a:spcPct val="100000"/>
+              </a:lnSpc>
+              <a:spcBef>
+                <a:spcPts val="0"/>
+              </a:spcBef>
+              <a:spcAft>
+                <a:spcPts val="0"/>
+              </a:spcAft>
+              <a:buClr>
+                <a:srgbClr val="000000"/>
+              </a:buClr>
+              <a:buFont typeface="Arial"/>
+              <a:defRPr sz="1400" b="0" i="0" u="none" strike="noStrike" cap="none">
+                <a:solidFill>
+                  <a:srgbClr val="000000"/>
+                </a:solidFill>
+                <a:latin typeface="Arial"/>
+                <a:ea typeface="Arial"/>
+                <a:cs typeface="Arial"/>
+                <a:sym typeface="Arial"/>
+              </a:defRPr>
+            </a:lvl9pPr>
+          </a:lstStyle>
+          <a:p>
+            <a:r>
+              <a:rPr lang="nb-NO" dirty="0"/>
+              <a:t>typedef unsigned char u8;</a:t>
+            </a:r>
+          </a:p>
+          <a:p>
+            <a:r>
+              <a:rPr lang="nb-NO" dirty="0"/>
+              <a:t>typedef short unsigned int u16;</a:t>
+            </a:r>
+          </a:p>
+          <a:p>
+            <a:r>
+              <a:rPr lang="nb-NO" dirty="0"/>
+              <a:t>typedef long  unsigned int u32</a:t>
+            </a:r>
+            <a:r>
+              <a:rPr lang="nb-NO" dirty="0" smtClean="0"/>
+              <a:t>;</a:t>
+            </a:r>
+            <a:endParaRPr lang="nb-NO" dirty="0"/>
+          </a:p>
+          <a:p>
+            <a:r>
+              <a:rPr lang="nb-NO" dirty="0"/>
+              <a:t>typedef  signed char s8;</a:t>
+            </a:r>
+          </a:p>
+          <a:p>
+            <a:r>
+              <a:rPr lang="nb-NO" dirty="0"/>
+              <a:t>typedef  short signed int s16;</a:t>
+            </a:r>
+          </a:p>
+          <a:p>
+            <a:r>
+              <a:rPr lang="nb-NO" dirty="0"/>
+              <a:t>typedef  long signed int s32</a:t>
+            </a:r>
+            <a:r>
+              <a:rPr lang="nb-NO" dirty="0" smtClean="0"/>
+              <a:t>;</a:t>
+            </a:r>
+            <a:endParaRPr lang="nb-NO" dirty="0"/>
+          </a:p>
+          <a:p>
+            <a:r>
+              <a:rPr lang="nb-NO" dirty="0"/>
+              <a:t>typedef  float  f32;</a:t>
+            </a:r>
+          </a:p>
+          <a:p>
+            <a:r>
+              <a:rPr lang="nb-NO" dirty="0"/>
+              <a:t>typedef  double f64;</a:t>
+            </a:r>
+          </a:p>
+          <a:p>
+            <a:r>
+              <a:rPr lang="nb-NO" dirty="0"/>
+              <a:t>typedef  long double f96</a:t>
+            </a:r>
+            <a:r>
+              <a:rPr lang="nb-NO" dirty="0" smtClean="0"/>
+              <a:t>;</a:t>
+            </a:r>
+          </a:p>
+          <a:p>
+            <a:endParaRPr lang="nb-NO" dirty="0" smtClean="0"/>
+          </a:p>
+          <a:p>
+            <a:r>
+              <a:rPr lang="nb-NO" dirty="0" smtClean="0"/>
+              <a:t>/*</a:t>
+            </a:r>
+            <a:r>
+              <a:rPr lang="nb-NO" dirty="0"/>
+              <a:t>Error status*/</a:t>
+            </a:r>
+          </a:p>
+          <a:p>
+            <a:r>
+              <a:rPr lang="nb-NO" dirty="0"/>
+              <a:t>#define ERROR_OK 	</a:t>
+            </a:r>
+          </a:p>
+          <a:p>
+            <a:r>
+              <a:rPr lang="nb-NO" dirty="0"/>
+              <a:t>#define ERROR_NOK 	</a:t>
+            </a:r>
+          </a:p>
+          <a:p>
+            <a:r>
+              <a:rPr lang="nb-NO" dirty="0"/>
+              <a:t>/*Error Status Type*/</a:t>
+            </a:r>
+          </a:p>
+          <a:p>
+            <a:r>
+              <a:rPr lang="nb-NO" dirty="0"/>
+              <a:t>typedef u8   ERROR_S;</a:t>
+            </a:r>
+            <a:endParaRPr lang="en" dirty="0">
+              <a:solidFill>
+                <a:schemeClr val="dk1"/>
+              </a:solidFill>
+            </a:endParaRPr>
+          </a:p>
+        </p:txBody>
+      </p:sp>
+      <p:sp>
+        <p:nvSpPr>
+          <p:cNvPr id="5" name="Google Shape;56;p13">
+            <a:extLst>
+              <a:ext uri="{FF2B5EF4-FFF2-40B4-BE49-F238E27FC236}">
+                <a16:creationId xmlns:a16="http://schemas.microsoft.com/office/drawing/2014/main" id="{2694BD9B-CF78-44B1-8E09-EF522F837EEB}"/>
+              </a:ext>
+            </a:extLst>
+          </p:cNvPr>
+          <p:cNvSpPr/>
+          <p:nvPr/>
+        </p:nvSpPr>
+        <p:spPr>
+          <a:xfrm>
+            <a:off x="1554480" y="1868584"/>
+            <a:ext cx="1491047" cy="1186764"/>
+          </a:xfrm>
+          <a:prstGeom prst="rect">
+            <a:avLst/>
+          </a:prstGeom>
+          <a:solidFill>
+            <a:schemeClr val="accent5">
+              <a:lumMod val="60000"/>
+              <a:lumOff val="40000"/>
+            </a:schemeClr>
+          </a:solidFill>
+          <a:ln w="9525" cap="flat" cmpd="sng">
+            <a:solidFill>
+              <a:schemeClr val="dk2"/>
+            </a:solidFill>
+            <a:prstDash val="solid"/>
+            <a:round/>
+            <a:headEnd type="none" w="sm" len="sm"/>
+            <a:tailEnd type="none" w="sm" len="sm"/>
+          </a:ln>
+        </p:spPr>
+        <p:txBody>
+          <a:bodyPr spcFirstLastPara="1" wrap="square" lIns="91425" tIns="91425" rIns="91425" bIns="91425" anchor="ctr" anchorCtr="0">
+            <a:noAutofit/>
+          </a:bodyPr>
+          <a:lstStyle>
+            <a:defPPr marR="0" lvl="0" algn="l" rtl="0">
+              <a:lnSpc>
+                <a:spcPct val="100000"/>
+              </a:lnSpc>
+              <a:spcBef>
+                <a:spcPts val="0"/>
+              </a:spcBef>
+              <a:spcAft>
+                <a:spcPts val="0"/>
+              </a:spcAft>
+            </a:defPPr>
+            <a:lvl1pPr marR="0" lvl="0" algn="l" rtl="0">
+              <a:lnSpc>
+                <a:spcPct val="100000"/>
+              </a:lnSpc>
+              <a:spcBef>
+                <a:spcPts val="0"/>
+              </a:spcBef>
+              <a:spcAft>
+                <a:spcPts val="0"/>
+              </a:spcAft>
+              <a:buClr>
+                <a:srgbClr val="000000"/>
+              </a:buClr>
+              <a:buFont typeface="Arial"/>
+              <a:defRPr sz="1400" b="0" i="0" u="none" strike="noStrike" cap="none">
+                <a:solidFill>
+                  <a:srgbClr val="000000"/>
+                </a:solidFill>
+                <a:latin typeface="Arial"/>
+                <a:ea typeface="Arial"/>
+                <a:cs typeface="Arial"/>
+                <a:sym typeface="Arial"/>
+              </a:defRPr>
+            </a:lvl1pPr>
+            <a:lvl2pPr marR="0" lvl="1" algn="l" rtl="0">
+              <a:lnSpc>
+                <a:spcPct val="100000"/>
+              </a:lnSpc>
+              <a:spcBef>
+                <a:spcPts val="0"/>
+              </a:spcBef>
+              <a:spcAft>
+                <a:spcPts val="0"/>
+              </a:spcAft>
+              <a:buClr>
+                <a:srgbClr val="000000"/>
+              </a:buClr>
+              <a:buFont typeface="Arial"/>
+              <a:defRPr sz="1400" b="0" i="0" u="none" strike="noStrike" cap="none">
+                <a:solidFill>
+                  <a:srgbClr val="000000"/>
+                </a:solidFill>
+                <a:latin typeface="Arial"/>
+                <a:ea typeface="Arial"/>
+                <a:cs typeface="Arial"/>
+                <a:sym typeface="Arial"/>
+              </a:defRPr>
+            </a:lvl2pPr>
+            <a:lvl3pPr marR="0" lvl="2" algn="l" rtl="0">
+              <a:lnSpc>
+                <a:spcPct val="100000"/>
+              </a:lnSpc>
+              <a:spcBef>
+                <a:spcPts val="0"/>
+              </a:spcBef>
+              <a:spcAft>
+                <a:spcPts val="0"/>
+              </a:spcAft>
+              <a:buClr>
+                <a:srgbClr val="000000"/>
+              </a:buClr>
+              <a:buFont typeface="Arial"/>
+              <a:defRPr sz="1400" b="0" i="0" u="none" strike="noStrike" cap="none">
+                <a:solidFill>
+                  <a:srgbClr val="000000"/>
+                </a:solidFill>
+                <a:latin typeface="Arial"/>
+                <a:ea typeface="Arial"/>
+                <a:cs typeface="Arial"/>
+                <a:sym typeface="Arial"/>
+              </a:defRPr>
+            </a:lvl3pPr>
+            <a:lvl4pPr marR="0" lvl="3" algn="l" rtl="0">
+              <a:lnSpc>
+                <a:spcPct val="100000"/>
+              </a:lnSpc>
+              <a:spcBef>
+                <a:spcPts val="0"/>
+              </a:spcBef>
+              <a:spcAft>
+                <a:spcPts val="0"/>
+              </a:spcAft>
+              <a:buClr>
+                <a:srgbClr val="000000"/>
+              </a:buClr>
+              <a:buFont typeface="Arial"/>
+              <a:defRPr sz="1400" b="0" i="0" u="none" strike="noStrike" cap="none">
+                <a:solidFill>
+                  <a:srgbClr val="000000"/>
+                </a:solidFill>
+                <a:latin typeface="Arial"/>
+                <a:ea typeface="Arial"/>
+                <a:cs typeface="Arial"/>
+                <a:sym typeface="Arial"/>
+              </a:defRPr>
+            </a:lvl4pPr>
+            <a:lvl5pPr marR="0" lvl="4" algn="l" rtl="0">
+              <a:lnSpc>
+                <a:spcPct val="100000"/>
+              </a:lnSpc>
+              <a:spcBef>
+                <a:spcPts val="0"/>
+              </a:spcBef>
+              <a:spcAft>
+                <a:spcPts val="0"/>
+              </a:spcAft>
+              <a:buClr>
+                <a:srgbClr val="000000"/>
+              </a:buClr>
+              <a:buFont typeface="Arial"/>
+              <a:defRPr sz="1400" b="0" i="0" u="none" strike="noStrike" cap="none">
+                <a:solidFill>
+                  <a:srgbClr val="000000"/>
+                </a:solidFill>
+                <a:latin typeface="Arial"/>
+                <a:ea typeface="Arial"/>
+                <a:cs typeface="Arial"/>
+                <a:sym typeface="Arial"/>
+              </a:defRPr>
+            </a:lvl5pPr>
+            <a:lvl6pPr marR="0" lvl="5" algn="l" rtl="0">
+              <a:lnSpc>
+                <a:spcPct val="100000"/>
+              </a:lnSpc>
+              <a:spcBef>
+                <a:spcPts val="0"/>
+              </a:spcBef>
+              <a:spcAft>
+                <a:spcPts val="0"/>
+              </a:spcAft>
+              <a:buClr>
+                <a:srgbClr val="000000"/>
+              </a:buClr>
+              <a:buFont typeface="Arial"/>
+              <a:defRPr sz="1400" b="0" i="0" u="none" strike="noStrike" cap="none">
+                <a:solidFill>
+                  <a:srgbClr val="000000"/>
+                </a:solidFill>
+                <a:latin typeface="Arial"/>
+                <a:ea typeface="Arial"/>
+                <a:cs typeface="Arial"/>
+                <a:sym typeface="Arial"/>
+              </a:defRPr>
+            </a:lvl6pPr>
+            <a:lvl7pPr marR="0" lvl="6" algn="l" rtl="0">
+              <a:lnSpc>
+                <a:spcPct val="100000"/>
+              </a:lnSpc>
+              <a:spcBef>
+                <a:spcPts val="0"/>
+              </a:spcBef>
+              <a:spcAft>
+                <a:spcPts val="0"/>
+              </a:spcAft>
+              <a:buClr>
+                <a:srgbClr val="000000"/>
+              </a:buClr>
+              <a:buFont typeface="Arial"/>
+              <a:defRPr sz="1400" b="0" i="0" u="none" strike="noStrike" cap="none">
+                <a:solidFill>
+                  <a:srgbClr val="000000"/>
+                </a:solidFill>
+                <a:latin typeface="Arial"/>
+                <a:ea typeface="Arial"/>
+                <a:cs typeface="Arial"/>
+                <a:sym typeface="Arial"/>
+              </a:defRPr>
+            </a:lvl7pPr>
+            <a:lvl8pPr marR="0" lvl="7" algn="l" rtl="0">
+              <a:lnSpc>
+                <a:spcPct val="100000"/>
+              </a:lnSpc>
+              <a:spcBef>
+                <a:spcPts val="0"/>
+              </a:spcBef>
+              <a:spcAft>
+                <a:spcPts val="0"/>
+              </a:spcAft>
+              <a:buClr>
+                <a:srgbClr val="000000"/>
+              </a:buClr>
+              <a:buFont typeface="Arial"/>
+              <a:defRPr sz="1400" b="0" i="0" u="none" strike="noStrike" cap="none">
+                <a:solidFill>
+                  <a:srgbClr val="000000"/>
+                </a:solidFill>
+                <a:latin typeface="Arial"/>
+                <a:ea typeface="Arial"/>
+                <a:cs typeface="Arial"/>
+                <a:sym typeface="Arial"/>
+              </a:defRPr>
+            </a:lvl8pPr>
+            <a:lvl9pPr marR="0" lvl="8" algn="l" rtl="0">
+              <a:lnSpc>
+                <a:spcPct val="100000"/>
+              </a:lnSpc>
+              <a:spcBef>
+                <a:spcPts val="0"/>
+              </a:spcBef>
+              <a:spcAft>
+                <a:spcPts val="0"/>
+              </a:spcAft>
+              <a:buClr>
+                <a:srgbClr val="000000"/>
+              </a:buClr>
+              <a:buFont typeface="Arial"/>
+              <a:defRPr sz="1400" b="0" i="0" u="none" strike="noStrike" cap="none">
+                <a:solidFill>
+                  <a:srgbClr val="000000"/>
+                </a:solidFill>
+                <a:latin typeface="Arial"/>
+                <a:ea typeface="Arial"/>
+                <a:cs typeface="Arial"/>
+                <a:sym typeface="Arial"/>
+              </a:defRPr>
+            </a:lvl9pPr>
+          </a:lstStyle>
+          <a:p>
+            <a:pPr marL="0" lvl="0" indent="0" algn="l" rtl="0">
+              <a:spcBef>
+                <a:spcPts val="0"/>
+              </a:spcBef>
+              <a:spcAft>
+                <a:spcPts val="0"/>
+              </a:spcAft>
+              <a:buNone/>
+            </a:pPr>
+            <a:r>
+              <a:rPr lang="en" sz="1800" b="1" dirty="0"/>
+              <a:t>       </a:t>
+            </a:r>
+          </a:p>
+          <a:p>
+            <a:pPr lvl="0" algn="ctr"/>
+            <a:r>
+              <a:rPr lang="en-US" sz="1800" b="1" dirty="0" smtClean="0"/>
+              <a:t>STD_Types</a:t>
+            </a:r>
+            <a:endParaRPr sz="1800" b="1" dirty="0"/>
+          </a:p>
+          <a:p>
+            <a:pPr marL="0" lvl="0" indent="0" algn="l" rtl="0">
+              <a:spcBef>
+                <a:spcPts val="0"/>
+              </a:spcBef>
+              <a:spcAft>
+                <a:spcPts val="0"/>
+              </a:spcAft>
+              <a:buNone/>
+            </a:pPr>
+            <a:endParaRPr sz="1800" b="1" dirty="0"/>
+          </a:p>
+        </p:txBody>
+      </p:sp>
+    </p:spTree>
+    <p:extLst>
+      <p:ext uri="{BB962C8B-B14F-4D97-AF65-F5344CB8AC3E}">
+        <p14:creationId xmlns:p14="http://schemas.microsoft.com/office/powerpoint/2010/main" val="878898913"/>
+      </p:ext>
+    </p:extLst>
+  </p:cSld>
+  <p:clrMapOvr>
+    <a:masterClrMapping/>
+  </p:clrMapOvr>
+</p:sld>
+</file>
+
+<file path=ppt/slides/slide7.xml><?xml version="1.0" encoding="utf-8"?>
 <p:sld xmlns:a="http://schemas.openxmlformats.org/drawingml/2006/main" xmlns:r="http://schemas.openxmlformats.org/officeDocument/2006/relationships" xmlns:p="http://schemas.openxmlformats.org/presentationml/2006/main">
   <p:cSld>
     <p:spTree>
@@ -6074,8 +9199,8 @@
         </p:nvSpPr>
         <p:spPr>
           <a:xfrm>
-            <a:off x="3806239" y="1172100"/>
-            <a:ext cx="6120916" cy="675863"/>
+            <a:off x="3670697" y="3124622"/>
+            <a:ext cx="7137979" cy="1232818"/>
           </a:xfrm>
           <a:prstGeom prst="roundRect">
             <a:avLst>
@@ -6350,7 +9475,7 @@
                   <a:schemeClr val="dk1"/>
                 </a:solidFill>
               </a:rPr>
-              <a:t>  </a:t>
+              <a:t>   LDOOR</a:t>
             </a:r>
             <a:r>
               <a:rPr lang="pl-PL" dirty="0">
@@ -6358,7 +9483,7 @@
                   <a:schemeClr val="dk1"/>
                 </a:solidFill>
               </a:rPr>
-              <a:t>SWITCH_</a:t>
+              <a:t>_</a:t>
             </a:r>
             <a:r>
               <a:rPr lang="en-US" dirty="0">
@@ -6374,7 +9499,7 @@
                   <a:schemeClr val="dk1"/>
                 </a:solidFill>
               </a:rPr>
-              <a:t>(u8  switch</a:t>
+              <a:t>(</a:t>
             </a:r>
             <a:r>
               <a:rPr lang="en-US" dirty="0">
@@ -6382,15 +9507,7 @@
                   <a:schemeClr val="dk1"/>
                 </a:solidFill>
               </a:rPr>
-              <a:t>_</a:t>
-            </a:r>
-            <a:r>
-              <a:rPr lang="en-US" dirty="0" err="1">
-                <a:solidFill>
-                  <a:schemeClr val="dk1"/>
-                </a:solidFill>
-              </a:rPr>
-              <a:t>ch_No</a:t>
+              <a:t>void</a:t>
             </a:r>
             <a:r>
               <a:rPr lang="pl-PL" dirty="0">
@@ -6418,15 +9535,15 @@
                   <a:schemeClr val="dk1"/>
                 </a:solidFill>
               </a:rPr>
-              <a:t>    SWITCH_</a:t>
-            </a:r>
-            <a:r>
-              <a:rPr lang="en-US" dirty="0">
+              <a:t>     LDOOR_</a:t>
+            </a:r>
+            <a:r>
+              <a:rPr lang="en-US" dirty="0" err="1">
                 <a:solidFill>
                   <a:schemeClr val="dk1"/>
                 </a:solidFill>
               </a:rPr>
-              <a:t>Read</a:t>
+              <a:t>ReadStatus</a:t>
             </a:r>
             <a:r>
               <a:rPr lang="en" dirty="0">
@@ -6442,39 +9559,7 @@
                   <a:schemeClr val="dk1"/>
                 </a:solidFill>
               </a:rPr>
-              <a:t>u8 </a:t>
-            </a:r>
-            <a:r>
-              <a:rPr lang="pl-PL" dirty="0">
-                <a:solidFill>
-                  <a:schemeClr val="dk1"/>
-                </a:solidFill>
-              </a:rPr>
-              <a:t>switch</a:t>
-            </a:r>
-            <a:r>
-              <a:rPr lang="en-US" dirty="0">
-                <a:solidFill>
-                  <a:schemeClr val="dk1"/>
-                </a:solidFill>
-              </a:rPr>
-              <a:t>_</a:t>
-            </a:r>
-            <a:r>
-              <a:rPr lang="en-US" dirty="0" err="1">
-                <a:solidFill>
-                  <a:schemeClr val="dk1"/>
-                </a:solidFill>
-              </a:rPr>
-              <a:t>ch_No</a:t>
-            </a:r>
-            <a:r>
-              <a:rPr lang="en-US" dirty="0">
-                <a:solidFill>
-                  <a:schemeClr val="dk1"/>
-                </a:solidFill>
-              </a:rPr>
-              <a:t>, u8* value</a:t>
+              <a:t>u8* value</a:t>
             </a:r>
             <a:r>
               <a:rPr lang="en" dirty="0">
@@ -6492,7 +9577,7 @@
           <p:cNvPr id="5" name="Google Shape;56;p13">
             <a:extLst>
               <a:ext uri="{FF2B5EF4-FFF2-40B4-BE49-F238E27FC236}">
-                <a16:creationId xmlns:a16="http://schemas.microsoft.com/office/drawing/2014/main" id="{BEF87779-AC10-48DB-9F98-B5579E8AE153}"/>
+                <a16:creationId xmlns:a16="http://schemas.microsoft.com/office/drawing/2014/main" id="{BA36DD68-FBFC-4C4F-A598-B6E93B4A30B2}"/>
               </a:ext>
             </a:extLst>
           </p:cNvPr>
@@ -6501,14 +9586,14 @@
         </p:nvSpPr>
         <p:spPr>
           <a:xfrm>
-            <a:off x="2264845" y="3527943"/>
-            <a:ext cx="1169450" cy="589512"/>
+            <a:off x="1707884" y="4936377"/>
+            <a:ext cx="1363768" cy="911438"/>
           </a:xfrm>
           <a:prstGeom prst="rect">
             <a:avLst/>
           </a:prstGeom>
           <a:solidFill>
-            <a:schemeClr val="accent2">
+            <a:schemeClr val="accent5">
               <a:lumMod val="60000"/>
               <a:lumOff val="40000"/>
             </a:schemeClr>
@@ -6757,7 +9842,7 @@
             </a:lvl9pPr>
           </a:lstStyle>
           <a:p>
-            <a:pPr marL="0" lvl="0" indent="0" algn="ctr" rtl="0">
+            <a:pPr marL="0" lvl="0" indent="0" algn="l" rtl="0">
               <a:spcBef>
                 <a:spcPts val="0"/>
               </a:spcBef>
@@ -6768,11 +9853,18 @@
             </a:pPr>
             <a:r>
               <a:rPr lang="en" sz="1800" b="1" dirty="0"/>
-              <a:t>                                </a:t>
-            </a:r>
+              <a:t>       </a:t>
+            </a:r>
+          </a:p>
+          <a:p>
+            <a:pPr lvl="0" algn="ctr"/>
             <a:r>
               <a:rPr lang="en-US" sz="1800" b="1" dirty="0"/>
-              <a:t>GPIO</a:t>
+              <a:t>LIGHT</a:t>
+            </a:r>
+            <a:r>
+              <a:rPr lang="en" sz="1800" b="1" dirty="0"/>
+              <a:t>                        </a:t>
             </a:r>
             <a:endParaRPr sz="1800" b="1" dirty="0"/>
           </a:p>
@@ -6795,7 +9887,7 @@
           <p:cNvPr id="6" name="Google Shape;56;p13">
             <a:extLst>
               <a:ext uri="{FF2B5EF4-FFF2-40B4-BE49-F238E27FC236}">
-                <a16:creationId xmlns:a16="http://schemas.microsoft.com/office/drawing/2014/main" id="{BA36DD68-FBFC-4C4F-A598-B6E93B4A30B2}"/>
+                <a16:creationId xmlns:a16="http://schemas.microsoft.com/office/drawing/2014/main" id="{3D9B5B3A-0ADE-4B7B-B609-BBBAAF3FCFA9}"/>
               </a:ext>
             </a:extLst>
           </p:cNvPr>
@@ -6804,14 +9896,14 @@
         </p:nvSpPr>
         <p:spPr>
           <a:xfrm>
-            <a:off x="2264845" y="2389687"/>
-            <a:ext cx="1169450" cy="499674"/>
+            <a:off x="1707884" y="3198724"/>
+            <a:ext cx="1363768" cy="1095864"/>
           </a:xfrm>
           <a:prstGeom prst="rect">
             <a:avLst/>
           </a:prstGeom>
           <a:solidFill>
-            <a:schemeClr val="accent4">
+            <a:schemeClr val="accent5">
               <a:lumMod val="60000"/>
               <a:lumOff val="40000"/>
             </a:schemeClr>
@@ -7078,11 +10170,7 @@
             <a:pPr lvl="0" algn="ctr"/>
             <a:r>
               <a:rPr lang="en-US" sz="1800" b="1" dirty="0"/>
-              <a:t>LAMP</a:t>
-            </a:r>
-            <a:r>
-              <a:rPr lang="en" sz="1800" b="1" dirty="0"/>
-              <a:t>                        </a:t>
+              <a:t>LDOOR</a:t>
             </a:r>
             <a:endParaRPr sz="1800" b="1" dirty="0"/>
           </a:p>
@@ -7102,313 +10190,7 @@
       </p:sp>
       <p:sp>
         <p:nvSpPr>
-          <p:cNvPr id="7" name="Google Shape;56;p13">
-            <a:extLst>
-              <a:ext uri="{FF2B5EF4-FFF2-40B4-BE49-F238E27FC236}">
-                <a16:creationId xmlns:a16="http://schemas.microsoft.com/office/drawing/2014/main" id="{3D9B5B3A-0ADE-4B7B-B609-BBBAAF3FCFA9}"/>
-              </a:ext>
-            </a:extLst>
-          </p:cNvPr>
-          <p:cNvSpPr/>
-          <p:nvPr/>
-        </p:nvSpPr>
-        <p:spPr>
-          <a:xfrm>
-            <a:off x="2264845" y="1214658"/>
-            <a:ext cx="1169450" cy="600781"/>
-          </a:xfrm>
-          <a:prstGeom prst="rect">
-            <a:avLst/>
-          </a:prstGeom>
-          <a:solidFill>
-            <a:schemeClr val="accent4">
-              <a:lumMod val="60000"/>
-              <a:lumOff val="40000"/>
-            </a:schemeClr>
-          </a:solidFill>
-          <a:ln w="9525" cap="flat" cmpd="sng">
-            <a:solidFill>
-              <a:schemeClr val="dk2"/>
-            </a:solidFill>
-            <a:prstDash val="solid"/>
-            <a:round/>
-            <a:headEnd type="none" w="sm" len="sm"/>
-            <a:tailEnd type="none" w="sm" len="sm"/>
-          </a:ln>
-        </p:spPr>
-        <p:txBody>
-          <a:bodyPr spcFirstLastPara="1" wrap="square" lIns="91425" tIns="91425" rIns="91425" bIns="91425" anchor="ctr" anchorCtr="0">
-            <a:noAutofit/>
-          </a:bodyPr>
-          <a:lstStyle>
-            <a:defPPr marR="0" lvl="0" algn="l" rtl="0">
-              <a:lnSpc>
-                <a:spcPct val="100000"/>
-              </a:lnSpc>
-              <a:spcBef>
-                <a:spcPts val="0"/>
-              </a:spcBef>
-              <a:spcAft>
-                <a:spcPts val="0"/>
-              </a:spcAft>
-            </a:defPPr>
-            <a:lvl1pPr marR="0" lvl="0" algn="l" rtl="0">
-              <a:lnSpc>
-                <a:spcPct val="100000"/>
-              </a:lnSpc>
-              <a:spcBef>
-                <a:spcPts val="0"/>
-              </a:spcBef>
-              <a:spcAft>
-                <a:spcPts val="0"/>
-              </a:spcAft>
-              <a:buClr>
-                <a:srgbClr val="000000"/>
-              </a:buClr>
-              <a:buFont typeface="Arial"/>
-              <a:defRPr sz="1400" b="0" i="0" u="none" strike="noStrike" cap="none">
-                <a:solidFill>
-                  <a:srgbClr val="000000"/>
-                </a:solidFill>
-                <a:latin typeface="Arial"/>
-                <a:ea typeface="Arial"/>
-                <a:cs typeface="Arial"/>
-                <a:sym typeface="Arial"/>
-              </a:defRPr>
-            </a:lvl1pPr>
-            <a:lvl2pPr marR="0" lvl="1" algn="l" rtl="0">
-              <a:lnSpc>
-                <a:spcPct val="100000"/>
-              </a:lnSpc>
-              <a:spcBef>
-                <a:spcPts val="0"/>
-              </a:spcBef>
-              <a:spcAft>
-                <a:spcPts val="0"/>
-              </a:spcAft>
-              <a:buClr>
-                <a:srgbClr val="000000"/>
-              </a:buClr>
-              <a:buFont typeface="Arial"/>
-              <a:defRPr sz="1400" b="0" i="0" u="none" strike="noStrike" cap="none">
-                <a:solidFill>
-                  <a:srgbClr val="000000"/>
-                </a:solidFill>
-                <a:latin typeface="Arial"/>
-                <a:ea typeface="Arial"/>
-                <a:cs typeface="Arial"/>
-                <a:sym typeface="Arial"/>
-              </a:defRPr>
-            </a:lvl2pPr>
-            <a:lvl3pPr marR="0" lvl="2" algn="l" rtl="0">
-              <a:lnSpc>
-                <a:spcPct val="100000"/>
-              </a:lnSpc>
-              <a:spcBef>
-                <a:spcPts val="0"/>
-              </a:spcBef>
-              <a:spcAft>
-                <a:spcPts val="0"/>
-              </a:spcAft>
-              <a:buClr>
-                <a:srgbClr val="000000"/>
-              </a:buClr>
-              <a:buFont typeface="Arial"/>
-              <a:defRPr sz="1400" b="0" i="0" u="none" strike="noStrike" cap="none">
-                <a:solidFill>
-                  <a:srgbClr val="000000"/>
-                </a:solidFill>
-                <a:latin typeface="Arial"/>
-                <a:ea typeface="Arial"/>
-                <a:cs typeface="Arial"/>
-                <a:sym typeface="Arial"/>
-              </a:defRPr>
-            </a:lvl3pPr>
-            <a:lvl4pPr marR="0" lvl="3" algn="l" rtl="0">
-              <a:lnSpc>
-                <a:spcPct val="100000"/>
-              </a:lnSpc>
-              <a:spcBef>
-                <a:spcPts val="0"/>
-              </a:spcBef>
-              <a:spcAft>
-                <a:spcPts val="0"/>
-              </a:spcAft>
-              <a:buClr>
-                <a:srgbClr val="000000"/>
-              </a:buClr>
-              <a:buFont typeface="Arial"/>
-              <a:defRPr sz="1400" b="0" i="0" u="none" strike="noStrike" cap="none">
-                <a:solidFill>
-                  <a:srgbClr val="000000"/>
-                </a:solidFill>
-                <a:latin typeface="Arial"/>
-                <a:ea typeface="Arial"/>
-                <a:cs typeface="Arial"/>
-                <a:sym typeface="Arial"/>
-              </a:defRPr>
-            </a:lvl4pPr>
-            <a:lvl5pPr marR="0" lvl="4" algn="l" rtl="0">
-              <a:lnSpc>
-                <a:spcPct val="100000"/>
-              </a:lnSpc>
-              <a:spcBef>
-                <a:spcPts val="0"/>
-              </a:spcBef>
-              <a:spcAft>
-                <a:spcPts val="0"/>
-              </a:spcAft>
-              <a:buClr>
-                <a:srgbClr val="000000"/>
-              </a:buClr>
-              <a:buFont typeface="Arial"/>
-              <a:defRPr sz="1400" b="0" i="0" u="none" strike="noStrike" cap="none">
-                <a:solidFill>
-                  <a:srgbClr val="000000"/>
-                </a:solidFill>
-                <a:latin typeface="Arial"/>
-                <a:ea typeface="Arial"/>
-                <a:cs typeface="Arial"/>
-                <a:sym typeface="Arial"/>
-              </a:defRPr>
-            </a:lvl5pPr>
-            <a:lvl6pPr marR="0" lvl="5" algn="l" rtl="0">
-              <a:lnSpc>
-                <a:spcPct val="100000"/>
-              </a:lnSpc>
-              <a:spcBef>
-                <a:spcPts val="0"/>
-              </a:spcBef>
-              <a:spcAft>
-                <a:spcPts val="0"/>
-              </a:spcAft>
-              <a:buClr>
-                <a:srgbClr val="000000"/>
-              </a:buClr>
-              <a:buFont typeface="Arial"/>
-              <a:defRPr sz="1400" b="0" i="0" u="none" strike="noStrike" cap="none">
-                <a:solidFill>
-                  <a:srgbClr val="000000"/>
-                </a:solidFill>
-                <a:latin typeface="Arial"/>
-                <a:ea typeface="Arial"/>
-                <a:cs typeface="Arial"/>
-                <a:sym typeface="Arial"/>
-              </a:defRPr>
-            </a:lvl6pPr>
-            <a:lvl7pPr marR="0" lvl="6" algn="l" rtl="0">
-              <a:lnSpc>
-                <a:spcPct val="100000"/>
-              </a:lnSpc>
-              <a:spcBef>
-                <a:spcPts val="0"/>
-              </a:spcBef>
-              <a:spcAft>
-                <a:spcPts val="0"/>
-              </a:spcAft>
-              <a:buClr>
-                <a:srgbClr val="000000"/>
-              </a:buClr>
-              <a:buFont typeface="Arial"/>
-              <a:defRPr sz="1400" b="0" i="0" u="none" strike="noStrike" cap="none">
-                <a:solidFill>
-                  <a:srgbClr val="000000"/>
-                </a:solidFill>
-                <a:latin typeface="Arial"/>
-                <a:ea typeface="Arial"/>
-                <a:cs typeface="Arial"/>
-                <a:sym typeface="Arial"/>
-              </a:defRPr>
-            </a:lvl7pPr>
-            <a:lvl8pPr marR="0" lvl="7" algn="l" rtl="0">
-              <a:lnSpc>
-                <a:spcPct val="100000"/>
-              </a:lnSpc>
-              <a:spcBef>
-                <a:spcPts val="0"/>
-              </a:spcBef>
-              <a:spcAft>
-                <a:spcPts val="0"/>
-              </a:spcAft>
-              <a:buClr>
-                <a:srgbClr val="000000"/>
-              </a:buClr>
-              <a:buFont typeface="Arial"/>
-              <a:defRPr sz="1400" b="0" i="0" u="none" strike="noStrike" cap="none">
-                <a:solidFill>
-                  <a:srgbClr val="000000"/>
-                </a:solidFill>
-                <a:latin typeface="Arial"/>
-                <a:ea typeface="Arial"/>
-                <a:cs typeface="Arial"/>
-                <a:sym typeface="Arial"/>
-              </a:defRPr>
-            </a:lvl8pPr>
-            <a:lvl9pPr marR="0" lvl="8" algn="l" rtl="0">
-              <a:lnSpc>
-                <a:spcPct val="100000"/>
-              </a:lnSpc>
-              <a:spcBef>
-                <a:spcPts val="0"/>
-              </a:spcBef>
-              <a:spcAft>
-                <a:spcPts val="0"/>
-              </a:spcAft>
-              <a:buClr>
-                <a:srgbClr val="000000"/>
-              </a:buClr>
-              <a:buFont typeface="Arial"/>
-              <a:defRPr sz="1400" b="0" i="0" u="none" strike="noStrike" cap="none">
-                <a:solidFill>
-                  <a:srgbClr val="000000"/>
-                </a:solidFill>
-                <a:latin typeface="Arial"/>
-                <a:ea typeface="Arial"/>
-                <a:cs typeface="Arial"/>
-                <a:sym typeface="Arial"/>
-              </a:defRPr>
-            </a:lvl9pPr>
-          </a:lstStyle>
-          <a:p>
-            <a:pPr marL="0" lvl="0" indent="0" algn="l" rtl="0">
-              <a:spcBef>
-                <a:spcPts val="0"/>
-              </a:spcBef>
-              <a:spcAft>
-                <a:spcPts val="0"/>
-              </a:spcAft>
-              <a:buNone/>
-            </a:pPr>
-            <a:r>
-              <a:rPr lang="en" sz="1800" b="1" dirty="0"/>
-              <a:t>       </a:t>
-            </a:r>
-          </a:p>
-          <a:p>
-            <a:pPr lvl="0" algn="ctr"/>
-            <a:r>
-              <a:rPr lang="en-US" sz="1800" b="1" dirty="0"/>
-              <a:t>SWITCH</a:t>
-            </a:r>
-            <a:endParaRPr sz="1800" b="1" dirty="0"/>
-          </a:p>
-          <a:p>
-            <a:pPr marL="0" lvl="0" indent="0" algn="l" rtl="0">
-              <a:spcBef>
-                <a:spcPts val="0"/>
-              </a:spcBef>
-              <a:spcAft>
-                <a:spcPts val="0"/>
-              </a:spcAft>
-              <a:buNone/>
-            </a:pPr>
-            <a:endParaRPr sz="1800" b="1" dirty="0"/>
-          </a:p>
-        </p:txBody>
-      </p:sp>
-      <p:sp>
-        <p:nvSpPr>
-          <p:cNvPr id="8" name="Google Shape;65;p13">
+          <p:cNvPr id="7" name="Google Shape;65;p13">
             <a:extLst>
               <a:ext uri="{FF2B5EF4-FFF2-40B4-BE49-F238E27FC236}">
                 <a16:creationId xmlns:a16="http://schemas.microsoft.com/office/drawing/2014/main" id="{C5CBC0E1-43EF-4C6E-8ECB-791622BD7728}"/>
@@ -7420,8 +10202,8 @@
         </p:nvSpPr>
         <p:spPr>
           <a:xfrm>
-            <a:off x="3806239" y="2254318"/>
-            <a:ext cx="6120916" cy="772744"/>
+            <a:off x="3670697" y="4733357"/>
+            <a:ext cx="7137979" cy="1409535"/>
           </a:xfrm>
           <a:prstGeom prst="roundRect">
             <a:avLst>
@@ -7688,7 +10470,7 @@
                   <a:schemeClr val="dk1"/>
                 </a:solidFill>
               </a:rPr>
-              <a:t>  </a:t>
+              <a:t>   </a:t>
             </a:r>
             <a:r>
               <a:rPr lang="en-US" dirty="0" err="1">
@@ -7696,7 +10478,7 @@
                   <a:schemeClr val="dk1"/>
                 </a:solidFill>
               </a:rPr>
-              <a:t>LAMP_Init</a:t>
+              <a:t>LIGHT_Init</a:t>
             </a:r>
             <a:r>
               <a:rPr lang="en-US" dirty="0">
@@ -7704,23 +10486,7 @@
                   <a:schemeClr val="dk1"/>
                 </a:solidFill>
               </a:rPr>
-              <a:t>(u8 </a:t>
-            </a:r>
-            <a:r>
-              <a:rPr lang="en-US" dirty="0" err="1">
-                <a:solidFill>
-                  <a:schemeClr val="dk1"/>
-                </a:solidFill>
-              </a:rPr>
-              <a:t>led_ch_No</a:t>
-            </a:r>
-            <a:r>
-              <a:rPr lang="en-US" dirty="0">
-                <a:solidFill>
-                  <a:schemeClr val="dk1"/>
-                </a:solidFill>
-              </a:rPr>
-              <a:t>)</a:t>
+              <a:t>(void)</a:t>
             </a:r>
             <a:endParaRPr dirty="0">
               <a:solidFill>
@@ -7740,7 +10506,7 @@
                   <a:schemeClr val="dk1"/>
                 </a:solidFill>
               </a:rPr>
-              <a:t>  L</a:t>
+              <a:t>   </a:t>
             </a:r>
             <a:r>
               <a:rPr lang="en-US" dirty="0">
@@ -7748,7 +10514,7 @@
                   <a:schemeClr val="dk1"/>
                 </a:solidFill>
               </a:rPr>
-              <a:t>AMP</a:t>
+              <a:t>LIGHT</a:t>
             </a:r>
             <a:r>
               <a:rPr lang="en" dirty="0">
@@ -7772,31 +10538,7 @@
                   <a:schemeClr val="dk1"/>
                 </a:solidFill>
               </a:rPr>
-              <a:t>(</a:t>
-            </a:r>
-            <a:r>
-              <a:rPr lang="en-US" dirty="0">
-                <a:solidFill>
-                  <a:schemeClr val="dk1"/>
-                </a:solidFill>
-              </a:rPr>
-              <a:t>u8 </a:t>
-            </a:r>
-            <a:r>
-              <a:rPr lang="en-US" dirty="0" err="1">
-                <a:solidFill>
-                  <a:schemeClr val="dk1"/>
-                </a:solidFill>
-              </a:rPr>
-              <a:t>led_ch_No</a:t>
-            </a:r>
-            <a:r>
-              <a:rPr lang="en" dirty="0">
-                <a:solidFill>
-                  <a:schemeClr val="dk1"/>
-                </a:solidFill>
-              </a:rPr>
-              <a:t>)</a:t>
+              <a:t>(void)</a:t>
             </a:r>
             <a:endParaRPr dirty="0">
               <a:solidFill>
@@ -7808,7 +10550,7 @@
             <a:pPr lvl="0"/>
             <a:r>
               <a:rPr lang="en-US" dirty="0"/>
-              <a:t>ERROR_S</a:t>
+              <a:t>ERROR_S </a:t>
             </a:r>
             <a:r>
               <a:rPr lang="en" dirty="0">
@@ -7816,7 +10558,7 @@
                   <a:schemeClr val="dk1"/>
                 </a:solidFill>
               </a:rPr>
-              <a:t>  L</a:t>
+              <a:t>  </a:t>
             </a:r>
             <a:r>
               <a:rPr lang="en-US" dirty="0">
@@ -7824,7 +10566,7 @@
                   <a:schemeClr val="dk1"/>
                 </a:solidFill>
               </a:rPr>
-              <a:t>AMP</a:t>
+              <a:t>LIGHT</a:t>
             </a:r>
             <a:r>
               <a:rPr lang="en" dirty="0">
@@ -7848,31 +10590,7 @@
                   <a:schemeClr val="dk1"/>
                 </a:solidFill>
               </a:rPr>
-              <a:t>(</a:t>
-            </a:r>
-            <a:r>
-              <a:rPr lang="en-US" dirty="0">
-                <a:solidFill>
-                  <a:schemeClr val="dk1"/>
-                </a:solidFill>
-              </a:rPr>
-              <a:t>u8 </a:t>
-            </a:r>
-            <a:r>
-              <a:rPr lang="en-US" dirty="0" err="1">
-                <a:solidFill>
-                  <a:schemeClr val="dk1"/>
-                </a:solidFill>
-              </a:rPr>
-              <a:t>led_ch_No</a:t>
-            </a:r>
-            <a:r>
-              <a:rPr lang="en" dirty="0">
-                <a:solidFill>
-                  <a:schemeClr val="dk1"/>
-                </a:solidFill>
-              </a:rPr>
-              <a:t>)</a:t>
+              <a:t>(void)</a:t>
             </a:r>
             <a:endParaRPr dirty="0">
               <a:solidFill>
@@ -7884,10 +10602,10 @@
       </p:sp>
       <p:sp>
         <p:nvSpPr>
-          <p:cNvPr id="9" name="Google Shape;65;p13">
+          <p:cNvPr id="8" name="Google Shape;65;p13">
             <a:extLst>
               <a:ext uri="{FF2B5EF4-FFF2-40B4-BE49-F238E27FC236}">
-                <a16:creationId xmlns:a16="http://schemas.microsoft.com/office/drawing/2014/main" id="{F72E4373-754F-4F3F-AC21-3F69F4A50699}"/>
+                <a16:creationId xmlns:a16="http://schemas.microsoft.com/office/drawing/2014/main" id="{2C839146-D81F-43CC-95A2-E552BF6D9CFF}"/>
               </a:ext>
             </a:extLst>
           </p:cNvPr>
@@ -7896,8 +10614,8 @@
         </p:nvSpPr>
         <p:spPr>
           <a:xfrm>
-            <a:off x="3806239" y="3386266"/>
-            <a:ext cx="6120916" cy="872865"/>
+            <a:off x="3670697" y="1515886"/>
+            <a:ext cx="7137979" cy="1232818"/>
           </a:xfrm>
           <a:prstGeom prst="roundRect">
             <a:avLst>
@@ -8154,48 +10872,12 @@
             </a:lvl9pPr>
           </a:lstStyle>
           <a:p>
-            <a:pPr lvl="0"/>
-            <a:r>
-              <a:rPr lang="en-US" dirty="0"/>
-              <a:t>ERROR_S  </a:t>
-            </a:r>
-            <a:r>
-              <a:rPr lang="en-US" dirty="0" err="1"/>
-              <a:t>GPIO_Init</a:t>
-            </a:r>
-            <a:r>
-              <a:rPr lang="en-US" dirty="0"/>
-              <a:t>(u8 pin , u8 port , u8 direction)</a:t>
-            </a:r>
-          </a:p>
-          <a:p>
-            <a:pPr lvl="0"/>
-            <a:r>
-              <a:rPr lang="en-US" dirty="0"/>
-              <a:t>ERROR_S  </a:t>
-            </a:r>
-            <a:r>
-              <a:rPr lang="en-US" dirty="0" err="1"/>
-              <a:t>GPIO_Write</a:t>
-            </a:r>
-            <a:r>
-              <a:rPr lang="en-US" dirty="0"/>
-              <a:t>(u8 pin, u8 port , u8 value)</a:t>
-            </a:r>
-          </a:p>
-          <a:p>
-            <a:pPr lvl="0">
-              <a:buClr>
-                <a:schemeClr val="dk1"/>
-              </a:buClr>
-              <a:buSzPts val="1100"/>
-            </a:pPr>
             <a:r>
               <a:rPr lang="en-US" dirty="0"/>
               <a:t>ERROR_S</a:t>
             </a:r>
             <a:r>
-              <a:rPr lang="en-US" dirty="0">
+              <a:rPr lang="pl-PL" dirty="0">
                 <a:solidFill>
                   <a:schemeClr val="dk1"/>
                 </a:solidFill>
@@ -8203,15 +10885,31 @@
               <a:t>  </a:t>
             </a:r>
             <a:r>
-              <a:rPr lang="en-US" dirty="0" err="1">
+              <a:rPr lang="en-US" dirty="0">
                 <a:solidFill>
                   <a:schemeClr val="dk1"/>
                 </a:solidFill>
               </a:rPr>
-              <a:t>GPIO_Read</a:t>
+              <a:t>   RDOOR</a:t>
+            </a:r>
+            <a:r>
+              <a:rPr lang="pl-PL" dirty="0">
+                <a:solidFill>
+                  <a:schemeClr val="dk1"/>
+                </a:solidFill>
+              </a:rPr>
+              <a:t>_</a:t>
             </a:r>
             <a:r>
               <a:rPr lang="en-US" dirty="0">
+                <a:solidFill>
+                  <a:schemeClr val="dk1"/>
+                </a:solidFill>
+              </a:rPr>
+              <a:t>Init</a:t>
+            </a:r>
+            <a:r>
+              <a:rPr lang="pl-PL" dirty="0">
                 <a:solidFill>
                   <a:schemeClr val="dk1"/>
                 </a:solidFill>
@@ -8219,27 +10917,82 @@
               <a:t>(</a:t>
             </a:r>
             <a:r>
-              <a:rPr lang="en-US" dirty="0"/>
-              <a:t>u8 pin, u8 port, u8 * value </a:t>
-            </a:r>
-            <a:r>
               <a:rPr lang="en-US" dirty="0">
+                <a:solidFill>
+                  <a:schemeClr val="dk1"/>
+                </a:solidFill>
+              </a:rPr>
+              <a:t>void</a:t>
+            </a:r>
+            <a:r>
+              <a:rPr lang="pl-PL" dirty="0">
                 <a:solidFill>
                   <a:schemeClr val="dk1"/>
                 </a:solidFill>
               </a:rPr>
               <a:t>)</a:t>
             </a:r>
-            <a:endParaRPr lang="en-US" dirty="0"/>
+            <a:endParaRPr lang="en" dirty="0">
+              <a:solidFill>
+                <a:schemeClr val="dk1"/>
+              </a:solidFill>
+            </a:endParaRPr>
+          </a:p>
+          <a:p>
+            <a:pPr lvl="0"/>
+            <a:r>
+              <a:rPr lang="en-US" dirty="0"/>
+              <a:t>ERROR_S</a:t>
+            </a:r>
+            <a:r>
+              <a:rPr lang="en" dirty="0">
+                <a:solidFill>
+                  <a:schemeClr val="dk1"/>
+                </a:solidFill>
+              </a:rPr>
+              <a:t>     RDOOR_</a:t>
+            </a:r>
+            <a:r>
+              <a:rPr lang="en-US" dirty="0" err="1">
+                <a:solidFill>
+                  <a:schemeClr val="dk1"/>
+                </a:solidFill>
+              </a:rPr>
+              <a:t>ReadStatus</a:t>
+            </a:r>
+            <a:r>
+              <a:rPr lang="en" dirty="0">
+                <a:solidFill>
+                  <a:schemeClr val="dk1"/>
+                </a:solidFill>
+              </a:rPr>
+              <a:t>(</a:t>
+            </a:r>
+            <a:r>
+              <a:rPr lang="en-US" dirty="0">
+                <a:solidFill>
+                  <a:schemeClr val="dk1"/>
+                </a:solidFill>
+              </a:rPr>
+              <a:t>u8* value</a:t>
+            </a:r>
+            <a:r>
+              <a:rPr lang="en" dirty="0">
+                <a:solidFill>
+                  <a:schemeClr val="dk1"/>
+                </a:solidFill>
+              </a:rPr>
+              <a:t>)</a:t>
+            </a:r>
           </a:p>
         </p:txBody>
       </p:sp>
       <p:sp>
         <p:nvSpPr>
-          <p:cNvPr id="10" name="Google Shape;56;p13">
+          <p:cNvPr id="9" name="Google Shape;56;p13">
             <a:extLst>
               <a:ext uri="{FF2B5EF4-FFF2-40B4-BE49-F238E27FC236}">
-                <a16:creationId xmlns:a16="http://schemas.microsoft.com/office/drawing/2014/main" id="{79EB80B1-2C1A-42EE-8AE0-04BE39E8BEC6}"/>
+                <a16:creationId xmlns:a16="http://schemas.microsoft.com/office/drawing/2014/main" id="{2694BD9B-CF78-44B1-8E09-EF522F837EEB}"/>
               </a:ext>
             </a:extLst>
           </p:cNvPr>
@@ -8248,14 +11001,14 @@
         </p:nvSpPr>
         <p:spPr>
           <a:xfrm>
-            <a:off x="2264845" y="4790980"/>
-            <a:ext cx="1169450" cy="589512"/>
+            <a:off x="1707884" y="1515886"/>
+            <a:ext cx="1363768" cy="1186764"/>
           </a:xfrm>
           <a:prstGeom prst="rect">
             <a:avLst/>
           </a:prstGeom>
           <a:solidFill>
-            <a:schemeClr val="accent2">
+            <a:schemeClr val="accent5">
               <a:lumMod val="60000"/>
               <a:lumOff val="40000"/>
             </a:schemeClr>
@@ -8504,7 +11257,7 @@
             </a:lvl9pPr>
           </a:lstStyle>
           <a:p>
-            <a:pPr marL="0" lvl="0" indent="0" algn="ctr" rtl="0">
+            <a:pPr marL="0" lvl="0" indent="0" algn="l" rtl="0">
               <a:spcBef>
                 <a:spcPts val="0"/>
               </a:spcBef>
@@ -8515,11 +11268,14 @@
             </a:pPr>
             <a:r>
               <a:rPr lang="en" sz="1800" b="1" dirty="0"/>
-              <a:t>                                </a:t>
-            </a:r>
+              <a:t>       </a:t>
+            </a:r>
+          </a:p>
+          <a:p>
+            <a:pPr lvl="0" algn="ctr"/>
             <a:r>
               <a:rPr lang="en-US" sz="1800" b="1" dirty="0"/>
-              <a:t>RCC</a:t>
+              <a:t>RDOOR</a:t>
             </a:r>
             <a:endParaRPr sz="1800" b="1" dirty="0"/>
           </a:p>
@@ -8539,331 +11295,38 @@
       </p:sp>
       <p:sp>
         <p:nvSpPr>
-          <p:cNvPr id="11" name="Google Shape;65;p13">
-            <a:extLst>
-              <a:ext uri="{FF2B5EF4-FFF2-40B4-BE49-F238E27FC236}">
-                <a16:creationId xmlns:a16="http://schemas.microsoft.com/office/drawing/2014/main" id="{633E69C2-9153-40F5-9A09-0F9130105E5A}"/>
-              </a:ext>
-            </a:extLst>
-          </p:cNvPr>
-          <p:cNvSpPr/>
+          <p:cNvPr id="2" name="TextBox 1"/>
+          <p:cNvSpPr txBox="1"/>
           <p:nvPr/>
         </p:nvSpPr>
         <p:spPr>
           <a:xfrm>
-            <a:off x="3806239" y="4649303"/>
-            <a:ext cx="6120916" cy="872865"/>
+            <a:off x="1195754" y="432082"/>
+            <a:ext cx="4149969" cy="707886"/>
           </a:xfrm>
-          <a:prstGeom prst="roundRect">
-            <a:avLst>
-              <a:gd name="adj" fmla="val 16667"/>
-            </a:avLst>
+          <a:prstGeom prst="rect">
+            <a:avLst/>
           </a:prstGeom>
-          <a:solidFill>
-            <a:schemeClr val="accent4">
-              <a:lumMod val="40000"/>
-              <a:lumOff val="60000"/>
-            </a:schemeClr>
-          </a:solidFill>
-          <a:ln w="9525" cap="flat" cmpd="sng">
-            <a:solidFill>
-              <a:schemeClr val="dk2"/>
-            </a:solidFill>
-            <a:prstDash val="solid"/>
-            <a:round/>
-            <a:headEnd type="none" w="sm" len="sm"/>
-            <a:tailEnd type="none" w="sm" len="sm"/>
-          </a:ln>
+          <a:noFill/>
         </p:spPr>
         <p:txBody>
-          <a:bodyPr spcFirstLastPara="1" wrap="square" lIns="91425" tIns="91425" rIns="91425" bIns="91425" anchor="ctr" anchorCtr="0">
-            <a:noAutofit/>
+          <a:bodyPr wrap="square" rtlCol="0">
+            <a:spAutoFit/>
           </a:bodyPr>
-          <a:lstStyle>
-            <a:defPPr marR="0" lvl="0" algn="l" rtl="0">
-              <a:lnSpc>
-                <a:spcPct val="100000"/>
-              </a:lnSpc>
-              <a:spcBef>
-                <a:spcPts val="0"/>
-              </a:spcBef>
-              <a:spcAft>
-                <a:spcPts val="0"/>
-              </a:spcAft>
-            </a:defPPr>
-            <a:lvl1pPr marR="0" lvl="0" algn="l" rtl="0">
-              <a:lnSpc>
-                <a:spcPct val="100000"/>
-              </a:lnSpc>
-              <a:spcBef>
-                <a:spcPts val="0"/>
-              </a:spcBef>
-              <a:spcAft>
-                <a:spcPts val="0"/>
-              </a:spcAft>
-              <a:buClr>
-                <a:srgbClr val="000000"/>
-              </a:buClr>
-              <a:buFont typeface="Arial"/>
-              <a:defRPr sz="1400" b="0" i="0" u="none" strike="noStrike" cap="none">
-                <a:solidFill>
-                  <a:srgbClr val="000000"/>
-                </a:solidFill>
-                <a:latin typeface="Arial"/>
-                <a:ea typeface="Arial"/>
-                <a:cs typeface="Arial"/>
-                <a:sym typeface="Arial"/>
-              </a:defRPr>
-            </a:lvl1pPr>
-            <a:lvl2pPr marR="0" lvl="1" algn="l" rtl="0">
-              <a:lnSpc>
-                <a:spcPct val="100000"/>
-              </a:lnSpc>
-              <a:spcBef>
-                <a:spcPts val="0"/>
-              </a:spcBef>
-              <a:spcAft>
-                <a:spcPts val="0"/>
-              </a:spcAft>
-              <a:buClr>
-                <a:srgbClr val="000000"/>
-              </a:buClr>
-              <a:buFont typeface="Arial"/>
-              <a:defRPr sz="1400" b="0" i="0" u="none" strike="noStrike" cap="none">
-                <a:solidFill>
-                  <a:srgbClr val="000000"/>
-                </a:solidFill>
-                <a:latin typeface="Arial"/>
-                <a:ea typeface="Arial"/>
-                <a:cs typeface="Arial"/>
-                <a:sym typeface="Arial"/>
-              </a:defRPr>
-            </a:lvl2pPr>
-            <a:lvl3pPr marR="0" lvl="2" algn="l" rtl="0">
-              <a:lnSpc>
-                <a:spcPct val="100000"/>
-              </a:lnSpc>
-              <a:spcBef>
-                <a:spcPts val="0"/>
-              </a:spcBef>
-              <a:spcAft>
-                <a:spcPts val="0"/>
-              </a:spcAft>
-              <a:buClr>
-                <a:srgbClr val="000000"/>
-              </a:buClr>
-              <a:buFont typeface="Arial"/>
-              <a:defRPr sz="1400" b="0" i="0" u="none" strike="noStrike" cap="none">
-                <a:solidFill>
-                  <a:srgbClr val="000000"/>
-                </a:solidFill>
-                <a:latin typeface="Arial"/>
-                <a:ea typeface="Arial"/>
-                <a:cs typeface="Arial"/>
-                <a:sym typeface="Arial"/>
-              </a:defRPr>
-            </a:lvl3pPr>
-            <a:lvl4pPr marR="0" lvl="3" algn="l" rtl="0">
-              <a:lnSpc>
-                <a:spcPct val="100000"/>
-              </a:lnSpc>
-              <a:spcBef>
-                <a:spcPts val="0"/>
-              </a:spcBef>
-              <a:spcAft>
-                <a:spcPts val="0"/>
-              </a:spcAft>
-              <a:buClr>
-                <a:srgbClr val="000000"/>
-              </a:buClr>
-              <a:buFont typeface="Arial"/>
-              <a:defRPr sz="1400" b="0" i="0" u="none" strike="noStrike" cap="none">
-                <a:solidFill>
-                  <a:srgbClr val="000000"/>
-                </a:solidFill>
-                <a:latin typeface="Arial"/>
-                <a:ea typeface="Arial"/>
-                <a:cs typeface="Arial"/>
-                <a:sym typeface="Arial"/>
-              </a:defRPr>
-            </a:lvl4pPr>
-            <a:lvl5pPr marR="0" lvl="4" algn="l" rtl="0">
-              <a:lnSpc>
-                <a:spcPct val="100000"/>
-              </a:lnSpc>
-              <a:spcBef>
-                <a:spcPts val="0"/>
-              </a:spcBef>
-              <a:spcAft>
-                <a:spcPts val="0"/>
-              </a:spcAft>
-              <a:buClr>
-                <a:srgbClr val="000000"/>
-              </a:buClr>
-              <a:buFont typeface="Arial"/>
-              <a:defRPr sz="1400" b="0" i="0" u="none" strike="noStrike" cap="none">
-                <a:solidFill>
-                  <a:srgbClr val="000000"/>
-                </a:solidFill>
-                <a:latin typeface="Arial"/>
-                <a:ea typeface="Arial"/>
-                <a:cs typeface="Arial"/>
-                <a:sym typeface="Arial"/>
-              </a:defRPr>
-            </a:lvl5pPr>
-            <a:lvl6pPr marR="0" lvl="5" algn="l" rtl="0">
-              <a:lnSpc>
-                <a:spcPct val="100000"/>
-              </a:lnSpc>
-              <a:spcBef>
-                <a:spcPts val="0"/>
-              </a:spcBef>
-              <a:spcAft>
-                <a:spcPts val="0"/>
-              </a:spcAft>
-              <a:buClr>
-                <a:srgbClr val="000000"/>
-              </a:buClr>
-              <a:buFont typeface="Arial"/>
-              <a:defRPr sz="1400" b="0" i="0" u="none" strike="noStrike" cap="none">
-                <a:solidFill>
-                  <a:srgbClr val="000000"/>
-                </a:solidFill>
-                <a:latin typeface="Arial"/>
-                <a:ea typeface="Arial"/>
-                <a:cs typeface="Arial"/>
-                <a:sym typeface="Arial"/>
-              </a:defRPr>
-            </a:lvl6pPr>
-            <a:lvl7pPr marR="0" lvl="6" algn="l" rtl="0">
-              <a:lnSpc>
-                <a:spcPct val="100000"/>
-              </a:lnSpc>
-              <a:spcBef>
-                <a:spcPts val="0"/>
-              </a:spcBef>
-              <a:spcAft>
-                <a:spcPts val="0"/>
-              </a:spcAft>
-              <a:buClr>
-                <a:srgbClr val="000000"/>
-              </a:buClr>
-              <a:buFont typeface="Arial"/>
-              <a:defRPr sz="1400" b="0" i="0" u="none" strike="noStrike" cap="none">
-                <a:solidFill>
-                  <a:srgbClr val="000000"/>
-                </a:solidFill>
-                <a:latin typeface="Arial"/>
-                <a:ea typeface="Arial"/>
-                <a:cs typeface="Arial"/>
-                <a:sym typeface="Arial"/>
-              </a:defRPr>
-            </a:lvl7pPr>
-            <a:lvl8pPr marR="0" lvl="7" algn="l" rtl="0">
-              <a:lnSpc>
-                <a:spcPct val="100000"/>
-              </a:lnSpc>
-              <a:spcBef>
-                <a:spcPts val="0"/>
-              </a:spcBef>
-              <a:spcAft>
-                <a:spcPts val="0"/>
-              </a:spcAft>
-              <a:buClr>
-                <a:srgbClr val="000000"/>
-              </a:buClr>
-              <a:buFont typeface="Arial"/>
-              <a:defRPr sz="1400" b="0" i="0" u="none" strike="noStrike" cap="none">
-                <a:solidFill>
-                  <a:srgbClr val="000000"/>
-                </a:solidFill>
-                <a:latin typeface="Arial"/>
-                <a:ea typeface="Arial"/>
-                <a:cs typeface="Arial"/>
-                <a:sym typeface="Arial"/>
-              </a:defRPr>
-            </a:lvl8pPr>
-            <a:lvl9pPr marR="0" lvl="8" algn="l" rtl="0">
-              <a:lnSpc>
-                <a:spcPct val="100000"/>
-              </a:lnSpc>
-              <a:spcBef>
-                <a:spcPts val="0"/>
-              </a:spcBef>
-              <a:spcAft>
-                <a:spcPts val="0"/>
-              </a:spcAft>
-              <a:buClr>
-                <a:srgbClr val="000000"/>
-              </a:buClr>
-              <a:buFont typeface="Arial"/>
-              <a:defRPr sz="1400" b="0" i="0" u="none" strike="noStrike" cap="none">
-                <a:solidFill>
-                  <a:srgbClr val="000000"/>
-                </a:solidFill>
-                <a:latin typeface="Arial"/>
-                <a:ea typeface="Arial"/>
-                <a:cs typeface="Arial"/>
-                <a:sym typeface="Arial"/>
-              </a:defRPr>
-            </a:lvl9pPr>
-          </a:lstStyle>
-          <a:p>
-            <a:pPr lvl="0"/>
-            <a:endParaRPr lang="en-US" dirty="0"/>
-          </a:p>
-          <a:p>
-            <a:pPr lvl="0"/>
-            <a:r>
-              <a:rPr lang="en-US" dirty="0"/>
-              <a:t>ERROR_S  </a:t>
-            </a:r>
-            <a:r>
-              <a:rPr lang="en-US" dirty="0" err="1"/>
-              <a:t>RCC_Init</a:t>
-            </a:r>
-            <a:r>
-              <a:rPr lang="en-US" dirty="0"/>
-              <a:t>(void)</a:t>
-            </a:r>
-          </a:p>
-          <a:p>
-            <a:r>
-              <a:rPr lang="en-US" dirty="0"/>
-              <a:t>ERROR_S  </a:t>
-            </a:r>
-            <a:r>
-              <a:rPr lang="en-US" dirty="0" err="1"/>
-              <a:t>RCC_EnableClock</a:t>
-            </a:r>
-            <a:r>
-              <a:rPr lang="en-US" dirty="0"/>
-              <a:t> (u8 peripheral ,u8 bus)</a:t>
-            </a:r>
-          </a:p>
-          <a:p>
-            <a:r>
-              <a:rPr lang="en-US" dirty="0"/>
-              <a:t>ERROR_S  </a:t>
-            </a:r>
-            <a:r>
-              <a:rPr lang="en-US" dirty="0" err="1"/>
-              <a:t>RCC_DisableClock</a:t>
-            </a:r>
-            <a:r>
-              <a:rPr lang="en-US" dirty="0"/>
-              <a:t> (u8 peripheral ,u8 bus)</a:t>
-            </a:r>
-          </a:p>
-          <a:p>
-            <a:endParaRPr lang="en-US" dirty="0"/>
+          <a:lstStyle/>
+          <a:p>
+            <a:r>
+              <a:rPr lang="en-US" sz="4000" b="1" dirty="0" smtClean="0"/>
+              <a:t>APPLICATION</a:t>
+            </a:r>
+            <a:endParaRPr lang="en-US" sz="4000" b="1" dirty="0"/>
           </a:p>
         </p:txBody>
       </p:sp>
     </p:spTree>
     <p:extLst>
       <p:ext uri="{BB962C8B-B14F-4D97-AF65-F5344CB8AC3E}">
-        <p14:creationId xmlns:p14="http://schemas.microsoft.com/office/powerpoint/2010/main" val="3275439547"/>
+        <p14:creationId xmlns:p14="http://schemas.microsoft.com/office/powerpoint/2010/main" val="374789389"/>
       </p:ext>
     </p:extLst>
   </p:cSld>
